--- a/gpu/EE817 Lecture 2 CUDA Programming.pptx
+++ b/gpu/EE817 Lecture 2 CUDA Programming.pptx
@@ -179,6 +179,22 @@
       </a:defRPr>
     </a:lvl9pPr>
   </p:defaultTextStyle>
+  <p:extLst>
+    <p:ext uri="{EFAFB233-063F-42B5-8137-9DF3F51BA10A}">
+      <p15:sldGuideLst xmlns:p15="http://schemas.microsoft.com/office/powerpoint/2012/main">
+        <p15:guide id="1" orient="horz" pos="2160">
+          <p15:clr>
+            <a:srgbClr val="A4A3A4"/>
+          </p15:clr>
+        </p15:guide>
+        <p15:guide id="2" pos="2880">
+          <p15:clr>
+            <a:srgbClr val="A4A3A4"/>
+          </p15:clr>
+        </p15:guide>
+      </p15:sldGuideLst>
+    </p:ext>
+  </p:extLst>
 </p:presentation>
 </file>
 
@@ -264,7 +280,7 @@
           <a:p>
             <a:fld id="{0958D145-3F61-4970-8B92-DDA610F3EB4F}" type="datetimeFigureOut">
               <a:rPr lang="ko-KR" altLang="en-US" smtClean="0"/>
-              <a:t>2017-03-02</a:t>
+              <a:t>2017-03-14</a:t>
             </a:fld>
             <a:endParaRPr lang="ko-KR" altLang="en-US"/>
           </a:p>
@@ -459,7 +475,7 @@
               <a:pPr>
                 <a:defRPr/>
               </a:pPr>
-              <a:t>2017-03-02</a:t>
+              <a:t>2017-03-14</a:t>
             </a:fld>
             <a:endParaRPr lang="ko-KR" altLang="en-US"/>
           </a:p>
@@ -526,38 +542,37 @@
           <a:p>
             <a:pPr lvl="0"/>
             <a:r>
-              <a:rPr lang="ko-KR" altLang="en-US" noProof="0" smtClean="0"/>
+              <a:rPr lang="ko-KR" altLang="en-US" noProof="0"/>
               <a:t>마스터 텍스트 스타일을 편집합니다</a:t>
             </a:r>
           </a:p>
           <a:p>
             <a:pPr lvl="1"/>
             <a:r>
-              <a:rPr lang="ko-KR" altLang="en-US" noProof="0" smtClean="0"/>
+              <a:rPr lang="ko-KR" altLang="en-US" noProof="0"/>
               <a:t>둘째 수준</a:t>
             </a:r>
           </a:p>
           <a:p>
             <a:pPr lvl="2"/>
             <a:r>
-              <a:rPr lang="ko-KR" altLang="en-US" noProof="0" smtClean="0"/>
+              <a:rPr lang="ko-KR" altLang="en-US" noProof="0"/>
               <a:t>셋째 수준</a:t>
             </a:r>
           </a:p>
           <a:p>
             <a:pPr lvl="3"/>
             <a:r>
-              <a:rPr lang="ko-KR" altLang="en-US" noProof="0" smtClean="0"/>
+              <a:rPr lang="ko-KR" altLang="en-US" noProof="0"/>
               <a:t>넷째 수준</a:t>
             </a:r>
           </a:p>
           <a:p>
             <a:pPr lvl="4"/>
             <a:r>
-              <a:rPr lang="ko-KR" altLang="en-US" noProof="0" smtClean="0"/>
+              <a:rPr lang="ko-KR" altLang="en-US" noProof="0"/>
               <a:t>다섯째 수준</a:t>
             </a:r>
-            <a:endParaRPr lang="ko-KR" altLang="en-US" noProof="0"/>
           </a:p>
         </p:txBody>
       </p:sp>
@@ -1068,7 +1083,7 @@
           </a:lstStyle>
           <a:p>
             <a:r>
-              <a:rPr lang="ko-KR" altLang="en-US" smtClean="0"/>
+              <a:rPr lang="ko-KR" altLang="en-US"/>
               <a:t>마스터 제목 스타일 편집</a:t>
             </a:r>
             <a:endParaRPr lang="en-US"/>
@@ -1198,7 +1213,7 @@
           </a:lstStyle>
           <a:p>
             <a:r>
-              <a:rPr lang="ko-KR" altLang="en-US" smtClean="0"/>
+              <a:rPr lang="ko-KR" altLang="en-US"/>
               <a:t>마스터 부제목 스타일 편집</a:t>
             </a:r>
             <a:endParaRPr lang="en-US"/>
@@ -1232,7 +1247,7 @@
               <a:pPr>
                 <a:defRPr/>
               </a:pPr>
-              <a:t>3/2/2017</a:t>
+              <a:t>3/14/2017</a:t>
             </a:fld>
             <a:endParaRPr lang="en-US" altLang="ko-KR"/>
           </a:p>
@@ -1343,7 +1358,7 @@
           <a:lstStyle/>
           <a:p>
             <a:r>
-              <a:rPr lang="ko-KR" altLang="en-US" smtClean="0"/>
+              <a:rPr lang="ko-KR" altLang="en-US"/>
               <a:t>마스터 제목 스타일 편집</a:t>
             </a:r>
             <a:endParaRPr lang="en-US"/>
@@ -1372,35 +1387,35 @@
           <a:p>
             <a:pPr lvl="0"/>
             <a:r>
-              <a:rPr lang="ko-KR" altLang="en-US" smtClean="0"/>
+              <a:rPr lang="ko-KR" altLang="en-US"/>
               <a:t>마스터 텍스트 스타일을 편집합니다</a:t>
             </a:r>
           </a:p>
           <a:p>
             <a:pPr lvl="1"/>
             <a:r>
-              <a:rPr lang="ko-KR" altLang="en-US" smtClean="0"/>
+              <a:rPr lang="ko-KR" altLang="en-US"/>
               <a:t>둘째 수준</a:t>
             </a:r>
           </a:p>
           <a:p>
             <a:pPr lvl="2"/>
             <a:r>
-              <a:rPr lang="ko-KR" altLang="en-US" smtClean="0"/>
+              <a:rPr lang="ko-KR" altLang="en-US"/>
               <a:t>셋째 수준</a:t>
             </a:r>
           </a:p>
           <a:p>
             <a:pPr lvl="3"/>
             <a:r>
-              <a:rPr lang="ko-KR" altLang="en-US" smtClean="0"/>
+              <a:rPr lang="ko-KR" altLang="en-US"/>
               <a:t>넷째 수준</a:t>
             </a:r>
           </a:p>
           <a:p>
             <a:pPr lvl="4"/>
             <a:r>
-              <a:rPr lang="ko-KR" altLang="en-US" smtClean="0"/>
+              <a:rPr lang="ko-KR" altLang="en-US"/>
               <a:t>다섯째 수준</a:t>
             </a:r>
             <a:endParaRPr lang="en-US"/>
@@ -1434,7 +1449,7 @@
               <a:pPr>
                 <a:defRPr/>
               </a:pPr>
-              <a:t>3/2/2017</a:t>
+              <a:t>3/14/2017</a:t>
             </a:fld>
             <a:endParaRPr lang="en-US" altLang="ko-KR"/>
           </a:p>
@@ -1776,7 +1791,7 @@
           <a:lstStyle/>
           <a:p>
             <a:r>
-              <a:rPr lang="ko-KR" altLang="en-US" smtClean="0"/>
+              <a:rPr lang="ko-KR" altLang="en-US"/>
               <a:t>마스터 제목 스타일 편집</a:t>
             </a:r>
             <a:endParaRPr lang="en-US"/>
@@ -1805,35 +1820,35 @@
           <a:p>
             <a:pPr lvl="0"/>
             <a:r>
-              <a:rPr lang="ko-KR" altLang="en-US" smtClean="0"/>
+              <a:rPr lang="ko-KR" altLang="en-US"/>
               <a:t>마스터 텍스트 스타일을 편집합니다</a:t>
             </a:r>
           </a:p>
           <a:p>
             <a:pPr lvl="1"/>
             <a:r>
-              <a:rPr lang="ko-KR" altLang="en-US" smtClean="0"/>
+              <a:rPr lang="ko-KR" altLang="en-US"/>
               <a:t>둘째 수준</a:t>
             </a:r>
           </a:p>
           <a:p>
             <a:pPr lvl="2"/>
             <a:r>
-              <a:rPr lang="ko-KR" altLang="en-US" smtClean="0"/>
+              <a:rPr lang="ko-KR" altLang="en-US"/>
               <a:t>셋째 수준</a:t>
             </a:r>
           </a:p>
           <a:p>
             <a:pPr lvl="3"/>
             <a:r>
-              <a:rPr lang="ko-KR" altLang="en-US" smtClean="0"/>
+              <a:rPr lang="ko-KR" altLang="en-US"/>
               <a:t>넷째 수준</a:t>
             </a:r>
           </a:p>
           <a:p>
             <a:pPr lvl="4"/>
             <a:r>
-              <a:rPr lang="ko-KR" altLang="en-US" smtClean="0"/>
+              <a:rPr lang="ko-KR" altLang="en-US"/>
               <a:t>다섯째 수준</a:t>
             </a:r>
             <a:endParaRPr lang="en-US"/>
@@ -1867,7 +1882,7 @@
               <a:pPr>
                 <a:defRPr/>
               </a:pPr>
-              <a:t>3/2/2017</a:t>
+              <a:t>3/14/2017</a:t>
             </a:fld>
             <a:endParaRPr lang="en-US" altLang="ko-KR"/>
           </a:p>
@@ -1978,7 +1993,7 @@
           <a:lstStyle/>
           <a:p>
             <a:r>
-              <a:rPr lang="ko-KR" altLang="en-US" smtClean="0"/>
+              <a:rPr lang="ko-KR" altLang="en-US"/>
               <a:t>마스터 제목 스타일 편집</a:t>
             </a:r>
             <a:endParaRPr lang="en-US"/>
@@ -2002,35 +2017,35 @@
           <a:p>
             <a:pPr lvl="0"/>
             <a:r>
-              <a:rPr lang="ko-KR" altLang="en-US" smtClean="0"/>
+              <a:rPr lang="ko-KR" altLang="en-US"/>
               <a:t>마스터 텍스트 스타일을 편집합니다</a:t>
             </a:r>
           </a:p>
           <a:p>
             <a:pPr lvl="1"/>
             <a:r>
-              <a:rPr lang="ko-KR" altLang="en-US" smtClean="0"/>
+              <a:rPr lang="ko-KR" altLang="en-US"/>
               <a:t>둘째 수준</a:t>
             </a:r>
           </a:p>
           <a:p>
             <a:pPr lvl="2"/>
             <a:r>
-              <a:rPr lang="ko-KR" altLang="en-US" smtClean="0"/>
+              <a:rPr lang="ko-KR" altLang="en-US"/>
               <a:t>셋째 수준</a:t>
             </a:r>
           </a:p>
           <a:p>
             <a:pPr lvl="3"/>
             <a:r>
-              <a:rPr lang="ko-KR" altLang="en-US" smtClean="0"/>
+              <a:rPr lang="ko-KR" altLang="en-US"/>
               <a:t>넷째 수준</a:t>
             </a:r>
           </a:p>
           <a:p>
             <a:pPr lvl="4"/>
             <a:r>
-              <a:rPr lang="ko-KR" altLang="en-US" smtClean="0"/>
+              <a:rPr lang="ko-KR" altLang="en-US"/>
               <a:t>다섯째 수준</a:t>
             </a:r>
             <a:endParaRPr lang="en-US"/>
@@ -2064,7 +2079,7 @@
               <a:pPr>
                 <a:defRPr/>
               </a:pPr>
-              <a:t>3/2/2017</a:t>
+              <a:t>3/14/2017</a:t>
             </a:fld>
             <a:endParaRPr lang="en-US" altLang="ko-KR"/>
           </a:p>
@@ -2501,7 +2516,7 @@
           <a:p>
             <a:pPr lvl="0"/>
             <a:r>
-              <a:rPr lang="ko-KR" altLang="en-US" smtClean="0"/>
+              <a:rPr lang="ko-KR" altLang="en-US"/>
               <a:t>마스터 텍스트 스타일을 편집합니다</a:t>
             </a:r>
           </a:p>
@@ -2545,7 +2560,7 @@
           </a:lstStyle>
           <a:p>
             <a:r>
-              <a:rPr lang="ko-KR" altLang="en-US" smtClean="0"/>
+              <a:rPr lang="ko-KR" altLang="en-US"/>
               <a:t>마스터 제목 스타일 편집</a:t>
             </a:r>
             <a:endParaRPr lang="en-US"/>
@@ -2579,7 +2594,7 @@
               <a:pPr>
                 <a:defRPr/>
               </a:pPr>
-              <a:t>3/2/2017</a:t>
+              <a:t>3/14/2017</a:t>
             </a:fld>
             <a:endParaRPr lang="en-US" altLang="ko-KR"/>
           </a:p>
@@ -2690,7 +2705,7 @@
           <a:lstStyle/>
           <a:p>
             <a:r>
-              <a:rPr lang="ko-KR" altLang="en-US" smtClean="0"/>
+              <a:rPr lang="ko-KR" altLang="en-US"/>
               <a:t>마스터 제목 스타일 편집</a:t>
             </a:r>
             <a:endParaRPr lang="en-US"/>
@@ -2747,35 +2762,35 @@
           <a:p>
             <a:pPr lvl="0"/>
             <a:r>
-              <a:rPr lang="ko-KR" altLang="en-US" smtClean="0"/>
+              <a:rPr lang="ko-KR" altLang="en-US"/>
               <a:t>마스터 텍스트 스타일을 편집합니다</a:t>
             </a:r>
           </a:p>
           <a:p>
             <a:pPr lvl="1"/>
             <a:r>
-              <a:rPr lang="ko-KR" altLang="en-US" smtClean="0"/>
+              <a:rPr lang="ko-KR" altLang="en-US"/>
               <a:t>둘째 수준</a:t>
             </a:r>
           </a:p>
           <a:p>
             <a:pPr lvl="2"/>
             <a:r>
-              <a:rPr lang="ko-KR" altLang="en-US" smtClean="0"/>
+              <a:rPr lang="ko-KR" altLang="en-US"/>
               <a:t>셋째 수준</a:t>
             </a:r>
           </a:p>
           <a:p>
             <a:pPr lvl="3"/>
             <a:r>
-              <a:rPr lang="ko-KR" altLang="en-US" smtClean="0"/>
+              <a:rPr lang="ko-KR" altLang="en-US"/>
               <a:t>넷째 수준</a:t>
             </a:r>
           </a:p>
           <a:p>
             <a:pPr lvl="4"/>
             <a:r>
-              <a:rPr lang="ko-KR" altLang="en-US" smtClean="0"/>
+              <a:rPr lang="ko-KR" altLang="en-US"/>
               <a:t>다섯째 수준</a:t>
             </a:r>
             <a:endParaRPr lang="en-US"/>
@@ -2832,35 +2847,35 @@
           <a:p>
             <a:pPr lvl="0"/>
             <a:r>
-              <a:rPr lang="ko-KR" altLang="en-US" smtClean="0"/>
+              <a:rPr lang="ko-KR" altLang="en-US"/>
               <a:t>마스터 텍스트 스타일을 편집합니다</a:t>
             </a:r>
           </a:p>
           <a:p>
             <a:pPr lvl="1"/>
             <a:r>
-              <a:rPr lang="ko-KR" altLang="en-US" smtClean="0"/>
+              <a:rPr lang="ko-KR" altLang="en-US"/>
               <a:t>둘째 수준</a:t>
             </a:r>
           </a:p>
           <a:p>
             <a:pPr lvl="2"/>
             <a:r>
-              <a:rPr lang="ko-KR" altLang="en-US" smtClean="0"/>
+              <a:rPr lang="ko-KR" altLang="en-US"/>
               <a:t>셋째 수준</a:t>
             </a:r>
           </a:p>
           <a:p>
             <a:pPr lvl="3"/>
             <a:r>
-              <a:rPr lang="ko-KR" altLang="en-US" smtClean="0"/>
+              <a:rPr lang="ko-KR" altLang="en-US"/>
               <a:t>넷째 수준</a:t>
             </a:r>
           </a:p>
           <a:p>
             <a:pPr lvl="4"/>
             <a:r>
-              <a:rPr lang="ko-KR" altLang="en-US" smtClean="0"/>
+              <a:rPr lang="ko-KR" altLang="en-US"/>
               <a:t>다섯째 수준</a:t>
             </a:r>
             <a:endParaRPr lang="en-US"/>
@@ -2894,7 +2909,7 @@
               <a:pPr>
                 <a:defRPr/>
               </a:pPr>
-              <a:t>3/2/2017</a:t>
+              <a:t>3/14/2017</a:t>
             </a:fld>
             <a:endParaRPr lang="en-US" altLang="ko-KR"/>
           </a:p>
@@ -3009,7 +3024,7 @@
           </a:lstStyle>
           <a:p>
             <a:r>
-              <a:rPr lang="ko-KR" altLang="en-US" smtClean="0"/>
+              <a:rPr lang="ko-KR" altLang="en-US"/>
               <a:t>마스터 제목 스타일 편집</a:t>
             </a:r>
             <a:endParaRPr lang="en-US"/>
@@ -3102,7 +3117,7 @@
           <a:p>
             <a:pPr lvl="0"/>
             <a:r>
-              <a:rPr lang="ko-KR" altLang="en-US" smtClean="0"/>
+              <a:rPr lang="ko-KR" altLang="en-US"/>
               <a:t>마스터 텍스트 스타일을 편집합니다</a:t>
             </a:r>
           </a:p>
@@ -3158,35 +3173,35 @@
           <a:p>
             <a:pPr lvl="0"/>
             <a:r>
-              <a:rPr lang="ko-KR" altLang="en-US" smtClean="0"/>
+              <a:rPr lang="ko-KR" altLang="en-US"/>
               <a:t>마스터 텍스트 스타일을 편집합니다</a:t>
             </a:r>
           </a:p>
           <a:p>
             <a:pPr lvl="1"/>
             <a:r>
-              <a:rPr lang="ko-KR" altLang="en-US" smtClean="0"/>
+              <a:rPr lang="ko-KR" altLang="en-US"/>
               <a:t>둘째 수준</a:t>
             </a:r>
           </a:p>
           <a:p>
             <a:pPr lvl="2"/>
             <a:r>
-              <a:rPr lang="ko-KR" altLang="en-US" smtClean="0"/>
+              <a:rPr lang="ko-KR" altLang="en-US"/>
               <a:t>셋째 수준</a:t>
             </a:r>
           </a:p>
           <a:p>
             <a:pPr lvl="3"/>
             <a:r>
-              <a:rPr lang="ko-KR" altLang="en-US" smtClean="0"/>
+              <a:rPr lang="ko-KR" altLang="en-US"/>
               <a:t>넷째 수준</a:t>
             </a:r>
           </a:p>
           <a:p>
             <a:pPr lvl="4"/>
             <a:r>
-              <a:rPr lang="ko-KR" altLang="en-US" smtClean="0"/>
+              <a:rPr lang="ko-KR" altLang="en-US"/>
               <a:t>다섯째 수준</a:t>
             </a:r>
             <a:endParaRPr lang="en-US"/>
@@ -3279,7 +3294,7 @@
           <a:p>
             <a:pPr lvl="0"/>
             <a:r>
-              <a:rPr lang="ko-KR" altLang="en-US" smtClean="0"/>
+              <a:rPr lang="ko-KR" altLang="en-US"/>
               <a:t>마스터 텍스트 스타일을 편집합니다</a:t>
             </a:r>
           </a:p>
@@ -3335,35 +3350,35 @@
           <a:p>
             <a:pPr lvl="0"/>
             <a:r>
-              <a:rPr lang="ko-KR" altLang="en-US" smtClean="0"/>
+              <a:rPr lang="ko-KR" altLang="en-US"/>
               <a:t>마스터 텍스트 스타일을 편집합니다</a:t>
             </a:r>
           </a:p>
           <a:p>
             <a:pPr lvl="1"/>
             <a:r>
-              <a:rPr lang="ko-KR" altLang="en-US" smtClean="0"/>
+              <a:rPr lang="ko-KR" altLang="en-US"/>
               <a:t>둘째 수준</a:t>
             </a:r>
           </a:p>
           <a:p>
             <a:pPr lvl="2"/>
             <a:r>
-              <a:rPr lang="ko-KR" altLang="en-US" smtClean="0"/>
+              <a:rPr lang="ko-KR" altLang="en-US"/>
               <a:t>셋째 수준</a:t>
             </a:r>
           </a:p>
           <a:p>
             <a:pPr lvl="3"/>
             <a:r>
-              <a:rPr lang="ko-KR" altLang="en-US" smtClean="0"/>
+              <a:rPr lang="ko-KR" altLang="en-US"/>
               <a:t>넷째 수준</a:t>
             </a:r>
           </a:p>
           <a:p>
             <a:pPr lvl="4"/>
             <a:r>
-              <a:rPr lang="ko-KR" altLang="en-US" smtClean="0"/>
+              <a:rPr lang="ko-KR" altLang="en-US"/>
               <a:t>다섯째 수준</a:t>
             </a:r>
             <a:endParaRPr lang="en-US"/>
@@ -3397,7 +3412,7 @@
               <a:pPr>
                 <a:defRPr/>
               </a:pPr>
-              <a:t>3/2/2017</a:t>
+              <a:t>3/14/2017</a:t>
             </a:fld>
             <a:endParaRPr lang="en-US" altLang="ko-KR"/>
           </a:p>
@@ -3751,7 +3766,7 @@
           </a:lstStyle>
           <a:p>
             <a:r>
-              <a:rPr lang="ko-KR" altLang="en-US" smtClean="0"/>
+              <a:rPr lang="ko-KR" altLang="en-US"/>
               <a:t>마스터 제목 스타일 편집</a:t>
             </a:r>
             <a:endParaRPr lang="en-US"/>
@@ -3785,7 +3800,7 @@
               <a:pPr>
                 <a:defRPr/>
               </a:pPr>
-              <a:t>3/2/2017</a:t>
+              <a:t>3/14/2017</a:t>
             </a:fld>
             <a:endParaRPr lang="en-US" altLang="ko-KR"/>
           </a:p>
@@ -4243,7 +4258,7 @@
               <a:pPr>
                 <a:defRPr/>
               </a:pPr>
-              <a:t>3/2/2017</a:t>
+              <a:t>3/14/2017</a:t>
             </a:fld>
             <a:endParaRPr lang="en-US" altLang="ko-KR"/>
           </a:p>
@@ -4376,7 +4391,7 @@
           </a:lstStyle>
           <a:p>
             <a:r>
-              <a:rPr lang="ko-KR" altLang="en-US" smtClean="0"/>
+              <a:rPr lang="ko-KR" altLang="en-US"/>
               <a:t>마스터 제목 스타일 편집</a:t>
             </a:r>
             <a:endParaRPr lang="en-US"/>
@@ -4451,7 +4466,7 @@
           <a:p>
             <a:pPr lvl="0"/>
             <a:r>
-              <a:rPr lang="ko-KR" altLang="en-US" smtClean="0"/>
+              <a:rPr lang="ko-KR" altLang="en-US"/>
               <a:t>마스터 텍스트 스타일을 편집합니다</a:t>
             </a:r>
           </a:p>
@@ -4479,35 +4494,35 @@
           <a:p>
             <a:pPr lvl="0"/>
             <a:r>
-              <a:rPr lang="ko-KR" altLang="en-US" smtClean="0"/>
+              <a:rPr lang="ko-KR" altLang="en-US"/>
               <a:t>마스터 텍스트 스타일을 편집합니다</a:t>
             </a:r>
           </a:p>
           <a:p>
             <a:pPr lvl="1"/>
             <a:r>
-              <a:rPr lang="ko-KR" altLang="en-US" smtClean="0"/>
+              <a:rPr lang="ko-KR" altLang="en-US"/>
               <a:t>둘째 수준</a:t>
             </a:r>
           </a:p>
           <a:p>
             <a:pPr lvl="2"/>
             <a:r>
-              <a:rPr lang="ko-KR" altLang="en-US" smtClean="0"/>
+              <a:rPr lang="ko-KR" altLang="en-US"/>
               <a:t>셋째 수준</a:t>
             </a:r>
           </a:p>
           <a:p>
             <a:pPr lvl="3"/>
             <a:r>
-              <a:rPr lang="ko-KR" altLang="en-US" smtClean="0"/>
+              <a:rPr lang="ko-KR" altLang="en-US"/>
               <a:t>넷째 수준</a:t>
             </a:r>
           </a:p>
           <a:p>
             <a:pPr lvl="4"/>
             <a:r>
-              <a:rPr lang="ko-KR" altLang="en-US" smtClean="0"/>
+              <a:rPr lang="ko-KR" altLang="en-US"/>
               <a:t>다섯째 수준</a:t>
             </a:r>
             <a:endParaRPr lang="en-US"/>
@@ -4541,7 +4556,7 @@
               <a:pPr>
                 <a:defRPr/>
               </a:pPr>
-              <a:t>3/2/2017</a:t>
+              <a:t>3/14/2017</a:t>
             </a:fld>
             <a:endParaRPr lang="en-US" altLang="ko-KR"/>
           </a:p>
@@ -4674,7 +4689,7 @@
           </a:lstStyle>
           <a:p>
             <a:r>
-              <a:rPr lang="ko-KR" altLang="en-US" smtClean="0"/>
+              <a:rPr lang="ko-KR" altLang="en-US"/>
               <a:t>마스터 제목 스타일 편집</a:t>
             </a:r>
             <a:endParaRPr lang="en-US"/>
@@ -4772,7 +4787,7 @@
           <a:p>
             <a:pPr lvl="0"/>
             <a:r>
-              <a:rPr lang="ko-KR" altLang="en-US" noProof="0" smtClean="0"/>
+              <a:rPr lang="ko-KR" altLang="en-US" noProof="0"/>
               <a:t>그림을 추가하려면 아이콘을 클릭하십시오</a:t>
             </a:r>
             <a:endParaRPr lang="en-US" noProof="0"/>
@@ -4838,7 +4853,7 @@
           <a:p>
             <a:pPr lvl="0"/>
             <a:r>
-              <a:rPr lang="ko-KR" altLang="en-US" smtClean="0"/>
+              <a:rPr lang="ko-KR" altLang="en-US"/>
               <a:t>마스터 텍스트 스타일을 편집합니다</a:t>
             </a:r>
           </a:p>
@@ -4871,7 +4886,7 @@
               <a:pPr>
                 <a:defRPr/>
               </a:pPr>
-              <a:t>3/2/2017</a:t>
+              <a:t>3/14/2017</a:t>
             </a:fld>
             <a:endParaRPr lang="en-US" altLang="ko-KR"/>
           </a:p>
@@ -5252,7 +5267,7 @@
           <a:p>
             <a:pPr lvl="0"/>
             <a:r>
-              <a:rPr lang="ko-KR" altLang="en-US" smtClean="0"/>
+              <a:rPr lang="ko-KR" altLang="en-US"/>
               <a:t>마스터 제목 스타일 편집</a:t>
             </a:r>
           </a:p>
@@ -5310,35 +5325,35 @@
           <a:p>
             <a:pPr lvl="0"/>
             <a:r>
-              <a:rPr lang="ko-KR" altLang="en-US" smtClean="0"/>
+              <a:rPr lang="ko-KR" altLang="en-US"/>
               <a:t>마스터 텍스트 스타일을 편집합니다</a:t>
             </a:r>
           </a:p>
           <a:p>
             <a:pPr lvl="1"/>
             <a:r>
-              <a:rPr lang="ko-KR" altLang="en-US" smtClean="0"/>
+              <a:rPr lang="ko-KR" altLang="en-US"/>
               <a:t>둘째 수준</a:t>
             </a:r>
           </a:p>
           <a:p>
             <a:pPr lvl="2"/>
             <a:r>
-              <a:rPr lang="ko-KR" altLang="en-US" smtClean="0"/>
+              <a:rPr lang="ko-KR" altLang="en-US"/>
               <a:t>셋째 수준</a:t>
             </a:r>
           </a:p>
           <a:p>
             <a:pPr lvl="3"/>
             <a:r>
-              <a:rPr lang="ko-KR" altLang="en-US" smtClean="0"/>
+              <a:rPr lang="ko-KR" altLang="en-US"/>
               <a:t>넷째 수준</a:t>
             </a:r>
           </a:p>
           <a:p>
             <a:pPr lvl="4"/>
             <a:r>
-              <a:rPr lang="ko-KR" altLang="en-US" smtClean="0"/>
+              <a:rPr lang="ko-KR" altLang="en-US"/>
               <a:t>다섯째 수준</a:t>
             </a:r>
           </a:p>
@@ -5389,7 +5404,7 @@
               <a:pPr>
                 <a:defRPr/>
               </a:pPr>
-              <a:t>3/2/2017</a:t>
+              <a:t>3/14/2017</a:t>
             </a:fld>
             <a:endParaRPr lang="en-US" altLang="ko-KR"/>
           </a:p>
@@ -5915,7 +5930,7 @@
           <a:lstStyle/>
           <a:p>
             <a:r>
-              <a:rPr lang="en-US" altLang="ko-KR" b="0" dirty="0" smtClean="0"/>
+              <a:rPr lang="en-US" altLang="ko-KR" b="0" dirty="0"/>
               <a:t>Lecture 2 CUDA C Programming</a:t>
             </a:r>
             <a:endParaRPr lang="ko-KR" altLang="en-US" b="0" dirty="0"/>
@@ -5940,13 +5955,13 @@
           <a:lstStyle/>
           <a:p>
             <a:r>
-              <a:rPr lang="en-US" altLang="ko-KR" dirty="0" smtClean="0"/>
+              <a:rPr lang="en-US" altLang="ko-KR" dirty="0"/>
               <a:t>Kyu Ho Park</a:t>
             </a:r>
           </a:p>
           <a:p>
             <a:r>
-              <a:rPr lang="en-US" altLang="ko-KR" dirty="0" smtClean="0"/>
+              <a:rPr lang="en-US" altLang="ko-KR" dirty="0"/>
               <a:t>March 2, 2017</a:t>
             </a:r>
             <a:endParaRPr lang="ko-KR" altLang="en-US" dirty="0"/>
@@ -5963,13 +5978,6 @@
   <p:clrMapOvr>
     <a:masterClrMapping/>
   </p:clrMapOvr>
-  <p:timing>
-    <p:tnLst>
-      <p:par>
-        <p:cTn id="1" dur="indefinite" restart="never" nodeType="tmRoot"/>
-      </p:par>
-    </p:tnLst>
-  </p:timing>
 </p:sld>
 </file>
 
@@ -6006,7 +6014,7 @@
           <a:lstStyle/>
           <a:p>
             <a:r>
-              <a:rPr lang="en-US" altLang="ko-KR" dirty="0" smtClean="0"/>
+              <a:rPr lang="en-US" altLang="ko-KR" dirty="0"/>
               <a:t>CUDA Architecture</a:t>
             </a:r>
             <a:endParaRPr lang="ko-KR" altLang="en-US" dirty="0"/>
@@ -6029,34 +6037,34 @@
           <a:lstStyle/>
           <a:p>
             <a:r>
-              <a:rPr lang="en-US" altLang="ko-KR" dirty="0" smtClean="0"/>
+              <a:rPr lang="en-US" altLang="ko-KR" dirty="0"/>
               <a:t>2006: Advent of NVIDIA’s GeForce 8800GTX</a:t>
             </a:r>
           </a:p>
           <a:p>
             <a:pPr lvl="1"/>
             <a:r>
-              <a:rPr lang="en-US" altLang="ko-KR" dirty="0" smtClean="0"/>
+              <a:rPr lang="en-US" altLang="ko-KR" dirty="0"/>
               <a:t>the first GPU of CUDA Architecture</a:t>
             </a:r>
           </a:p>
           <a:p>
             <a:pPr lvl="1"/>
             <a:r>
-              <a:rPr lang="en-US" altLang="ko-KR" dirty="0" smtClean="0"/>
+              <a:rPr lang="en-US" altLang="ko-KR" dirty="0"/>
               <a:t>for general purpose computing, ALUs complying IEEE requirements, allowing R/W of shared memory </a:t>
             </a:r>
           </a:p>
           <a:p>
             <a:r>
-              <a:rPr lang="en-US" altLang="ko-KR" dirty="0" smtClean="0"/>
+              <a:rPr lang="en-US" altLang="ko-KR" dirty="0"/>
               <a:t>Few months after the launch of GeForce 8800GTX, CUDA C announced. </a:t>
             </a:r>
           </a:p>
           <a:p>
             <a:pPr lvl="1"/>
             <a:r>
-              <a:rPr lang="en-US" altLang="ko-KR" dirty="0" smtClean="0"/>
+              <a:rPr lang="en-US" altLang="ko-KR" dirty="0"/>
               <a:t>the first language for general-purpose computing on GPU. </a:t>
             </a:r>
           </a:p>
@@ -6108,11 +6116,11 @@
           <a:lstStyle/>
           <a:p>
             <a:r>
-              <a:rPr lang="en-US" altLang="ko-KR" dirty="0" err="1" smtClean="0"/>
+              <a:rPr lang="en-US" altLang="ko-KR" dirty="0" err="1"/>
               <a:t>Hello,World</a:t>
             </a:r>
             <a:r>
-              <a:rPr lang="en-US" altLang="ko-KR" dirty="0" smtClean="0"/>
+              <a:rPr lang="en-US" altLang="ko-KR" dirty="0"/>
               <a:t>!</a:t>
             </a:r>
             <a:endParaRPr lang="ko-KR" altLang="en-US" dirty="0"/>
@@ -6138,15 +6146,15 @@
               <a:buNone/>
             </a:pPr>
             <a:r>
-              <a:rPr lang="en-US" altLang="ko-KR" dirty="0" smtClean="0"/>
+              <a:rPr lang="en-US" altLang="ko-KR" dirty="0"/>
               <a:t>#include &lt;</a:t>
             </a:r>
             <a:r>
-              <a:rPr lang="en-US" altLang="ko-KR" dirty="0" err="1" smtClean="0"/>
+              <a:rPr lang="en-US" altLang="ko-KR" dirty="0" err="1"/>
               <a:t>stdio.h</a:t>
             </a:r>
             <a:r>
-              <a:rPr lang="en-US" altLang="ko-KR" dirty="0" smtClean="0"/>
+              <a:rPr lang="en-US" altLang="ko-KR" dirty="0"/>
               <a:t>&gt;</a:t>
             </a:r>
           </a:p>
@@ -6161,11 +6169,11 @@
               <a:buNone/>
             </a:pPr>
             <a:r>
-              <a:rPr lang="en-US" altLang="ko-KR" dirty="0" err="1" smtClean="0"/>
+              <a:rPr lang="en-US" altLang="ko-KR" dirty="0" err="1"/>
               <a:t>int</a:t>
             </a:r>
             <a:r>
-              <a:rPr lang="en-US" altLang="ko-KR" dirty="0" smtClean="0"/>
+              <a:rPr lang="en-US" altLang="ko-KR" dirty="0"/>
               <a:t> main(void){</a:t>
             </a:r>
           </a:p>
@@ -6178,11 +6186,11 @@
               <a:t>	</a:t>
             </a:r>
             <a:r>
-              <a:rPr lang="en-US" altLang="ko-KR" dirty="0" err="1" smtClean="0"/>
+              <a:rPr lang="en-US" altLang="ko-KR" dirty="0" err="1"/>
               <a:t>printf</a:t>
             </a:r>
             <a:r>
-              <a:rPr lang="en-US" altLang="ko-KR" dirty="0" smtClean="0"/>
+              <a:rPr lang="en-US" altLang="ko-KR" dirty="0"/>
               <a:t>(“Hello, World!\n”);</a:t>
             </a:r>
           </a:p>
@@ -6192,11 +6200,7 @@
             </a:pPr>
             <a:r>
               <a:rPr lang="en-US" altLang="ko-KR" dirty="0"/>
-              <a:t>	</a:t>
-            </a:r>
-            <a:r>
-              <a:rPr lang="en-US" altLang="ko-KR" dirty="0" smtClean="0"/>
-              <a:t>return 0;</a:t>
+              <a:t>	return 0;</a:t>
             </a:r>
           </a:p>
           <a:p>
@@ -6204,7 +6208,7 @@
               <a:buNone/>
             </a:pPr>
             <a:r>
-              <a:rPr lang="en-US" altLang="ko-KR" dirty="0" smtClean="0"/>
+              <a:rPr lang="en-US" altLang="ko-KR" dirty="0"/>
               <a:t>}</a:t>
             </a:r>
             <a:endParaRPr lang="ko-KR" altLang="en-US" dirty="0"/>
@@ -6221,13 +6225,6 @@
   <p:clrMapOvr>
     <a:masterClrMapping/>
   </p:clrMapOvr>
-  <p:timing>
-    <p:tnLst>
-      <p:par>
-        <p:cTn id="1" dur="indefinite" restart="never" nodeType="tmRoot"/>
-      </p:par>
-    </p:tnLst>
-  </p:timing>
 </p:sld>
 </file>
 
@@ -6264,7 +6261,7 @@
           <a:lstStyle/>
           <a:p>
             <a:r>
-              <a:rPr lang="en-US" altLang="ko-KR" dirty="0" smtClean="0"/>
+              <a:rPr lang="en-US" altLang="ko-KR" dirty="0"/>
               <a:t>Making CUDA C Program</a:t>
             </a:r>
             <a:endParaRPr lang="ko-KR" altLang="en-US" dirty="0"/>
@@ -6290,11 +6287,11 @@
               <a:buAutoNum type="arabicPeriod"/>
             </a:pPr>
             <a:r>
-              <a:rPr lang="en-US" altLang="ko-KR" dirty="0" smtClean="0"/>
+              <a:rPr lang="en-US" altLang="ko-KR" dirty="0"/>
               <a:t>Create a source code file with the special file 	name extension of </a:t>
             </a:r>
             <a:r>
-              <a:rPr lang="en-US" altLang="ko-KR" dirty="0" smtClean="0">
+              <a:rPr lang="en-US" altLang="ko-KR" dirty="0">
                 <a:solidFill>
                   <a:srgbClr val="FF0000"/>
                 </a:solidFill>
@@ -6302,7 +6299,7 @@
               <a:t>.cu </a:t>
             </a:r>
             <a:r>
-              <a:rPr lang="en-US" altLang="ko-KR" dirty="0" smtClean="0"/>
+              <a:rPr lang="en-US" altLang="ko-KR" dirty="0"/>
               <a:t>.</a:t>
             </a:r>
           </a:p>
@@ -6311,11 +6308,11 @@
               <a:buAutoNum type="arabicPeriod" startAt="2"/>
             </a:pPr>
             <a:r>
-              <a:rPr lang="en-US" altLang="ko-KR" dirty="0" smtClean="0"/>
+              <a:rPr lang="en-US" altLang="ko-KR" dirty="0"/>
               <a:t>Compile the program using the CUDA </a:t>
             </a:r>
             <a:r>
-              <a:rPr lang="en-US" altLang="ko-KR" dirty="0" err="1" smtClean="0">
+              <a:rPr lang="en-US" altLang="ko-KR" dirty="0" err="1">
                 <a:solidFill>
                   <a:srgbClr val="FF0000"/>
                 </a:solidFill>
@@ -6323,7 +6320,7 @@
               <a:t>nvcc</a:t>
             </a:r>
             <a:r>
-              <a:rPr lang="en-US" altLang="ko-KR" dirty="0" smtClean="0"/>
+              <a:rPr lang="en-US" altLang="ko-KR" dirty="0"/>
               <a:t> 	compiler.</a:t>
             </a:r>
           </a:p>
@@ -6332,7 +6329,7 @@
               <a:buAutoNum type="arabicPeriod" startAt="2"/>
             </a:pPr>
             <a:r>
-              <a:rPr lang="en-US" altLang="ko-KR" dirty="0" smtClean="0"/>
+              <a:rPr lang="en-US" altLang="ko-KR" dirty="0"/>
               <a:t>Run the executable file.</a:t>
             </a:r>
             <a:endParaRPr lang="ko-KR" altLang="en-US" dirty="0"/>
@@ -6390,7 +6387,7 @@
           <a:lstStyle/>
           <a:p>
             <a:r>
-              <a:rPr lang="en-US" altLang="ko-KR" dirty="0" smtClean="0"/>
+              <a:rPr lang="en-US" altLang="ko-KR" dirty="0"/>
               <a:t>Kernel Program</a:t>
             </a:r>
             <a:endParaRPr lang="ko-KR" altLang="en-US" dirty="0"/>
@@ -6421,33 +6418,32 @@
               <a:buNone/>
             </a:pPr>
             <a:r>
-              <a:rPr lang="en-US" altLang="ko-KR" dirty="0" smtClean="0"/>
+              <a:rPr lang="en-US" altLang="ko-KR" dirty="0"/>
               <a:t>#include &lt;</a:t>
             </a:r>
             <a:r>
-              <a:rPr lang="en-US" altLang="ko-KR" dirty="0" err="1" smtClean="0"/>
+              <a:rPr lang="en-US" altLang="ko-KR" dirty="0" err="1"/>
               <a:t>stdio.h</a:t>
             </a:r>
             <a:r>
-              <a:rPr lang="en-US" altLang="ko-KR" dirty="0" smtClean="0"/>
+              <a:rPr lang="en-US" altLang="ko-KR" dirty="0"/>
               <a:t>&gt;</a:t>
             </a:r>
-            <a:endParaRPr lang="en-US" altLang="ko-KR" dirty="0"/>
           </a:p>
           <a:p>
             <a:pPr marL="0" indent="0">
               <a:buNone/>
             </a:pPr>
             <a:r>
-              <a:rPr lang="en-US" altLang="ko-KR" dirty="0" smtClean="0"/>
+              <a:rPr lang="en-US" altLang="ko-KR" dirty="0"/>
               <a:t>__global__ void </a:t>
             </a:r>
             <a:r>
-              <a:rPr lang="en-US" altLang="ko-KR" dirty="0" err="1" smtClean="0"/>
+              <a:rPr lang="en-US" altLang="ko-KR" dirty="0" err="1"/>
               <a:t>funct</a:t>
             </a:r>
             <a:r>
-              <a:rPr lang="en-US" altLang="ko-KR" dirty="0" smtClean="0"/>
+              <a:rPr lang="en-US" altLang="ko-KR" dirty="0"/>
               <a:t>(void) {</a:t>
             </a:r>
           </a:p>
@@ -6456,15 +6452,15 @@
               <a:buNone/>
             </a:pPr>
             <a:r>
-              <a:rPr lang="en-US" altLang="ko-KR" dirty="0" smtClean="0"/>
+              <a:rPr lang="en-US" altLang="ko-KR" dirty="0"/>
               <a:t>	</a:t>
             </a:r>
             <a:r>
-              <a:rPr lang="en-US" altLang="ko-KR" dirty="0" err="1" smtClean="0"/>
+              <a:rPr lang="en-US" altLang="ko-KR" dirty="0" err="1"/>
               <a:t>printf</a:t>
             </a:r>
             <a:r>
-              <a:rPr lang="en-US" altLang="ko-KR" dirty="0" smtClean="0"/>
+              <a:rPr lang="en-US" altLang="ko-KR" dirty="0"/>
               <a:t>(“Hello from GPU!\n”);</a:t>
             </a:r>
           </a:p>
@@ -6473,21 +6469,20 @@
               <a:buNone/>
             </a:pPr>
             <a:r>
-              <a:rPr lang="en-US" altLang="ko-KR" dirty="0" smtClean="0"/>
+              <a:rPr lang="en-US" altLang="ko-KR" dirty="0"/>
               <a:t>}</a:t>
             </a:r>
-            <a:endParaRPr lang="en-US" altLang="ko-KR" dirty="0"/>
           </a:p>
           <a:p>
             <a:pPr marL="0" indent="0">
               <a:buNone/>
             </a:pPr>
             <a:r>
-              <a:rPr lang="en-US" altLang="ko-KR" dirty="0" err="1" smtClean="0"/>
+              <a:rPr lang="en-US" altLang="ko-KR" dirty="0" err="1"/>
               <a:t>int</a:t>
             </a:r>
             <a:r>
-              <a:rPr lang="en-US" altLang="ko-KR" dirty="0" smtClean="0"/>
+              <a:rPr lang="en-US" altLang="ko-KR" dirty="0"/>
               <a:t> main(void){</a:t>
             </a:r>
           </a:p>
@@ -6500,11 +6495,11 @@
               <a:t>	</a:t>
             </a:r>
             <a:r>
-              <a:rPr lang="en-US" altLang="ko-KR" dirty="0" err="1" smtClean="0"/>
+              <a:rPr lang="en-US" altLang="ko-KR" dirty="0" err="1"/>
               <a:t>funct</a:t>
             </a:r>
             <a:r>
-              <a:rPr lang="en-US" altLang="ko-KR" dirty="0" smtClean="0"/>
+              <a:rPr lang="en-US" altLang="ko-KR" dirty="0"/>
               <a:t>&lt;&lt;&lt;1,4&gt;&gt;&gt;( );</a:t>
             </a:r>
           </a:p>
@@ -6517,11 +6512,11 @@
               <a:t>	</a:t>
             </a:r>
             <a:r>
-              <a:rPr lang="en-US" altLang="ko-KR" dirty="0" err="1" smtClean="0"/>
+              <a:rPr lang="en-US" altLang="ko-KR" dirty="0" err="1"/>
               <a:t>printf</a:t>
             </a:r>
             <a:r>
-              <a:rPr lang="en-US" altLang="ko-KR" dirty="0" smtClean="0"/>
+              <a:rPr lang="en-US" altLang="ko-KR" dirty="0"/>
               <a:t>(“Hello, World from CPU!\n”);</a:t>
             </a:r>
           </a:p>
@@ -6534,11 +6529,11 @@
               <a:t>	</a:t>
             </a:r>
             <a:r>
-              <a:rPr lang="en-US" altLang="ko-KR" dirty="0" err="1" smtClean="0"/>
+              <a:rPr lang="en-US" altLang="ko-KR" dirty="0" err="1"/>
               <a:t>cudaDeviceReset</a:t>
             </a:r>
             <a:r>
-              <a:rPr lang="en-US" altLang="ko-KR" dirty="0" smtClean="0"/>
+              <a:rPr lang="en-US" altLang="ko-KR" dirty="0"/>
               <a:t>();</a:t>
             </a:r>
           </a:p>
@@ -6548,11 +6543,7 @@
             </a:pPr>
             <a:r>
               <a:rPr lang="en-US" altLang="ko-KR" dirty="0"/>
-              <a:t>	</a:t>
-            </a:r>
-            <a:r>
-              <a:rPr lang="en-US" altLang="ko-KR" dirty="0" smtClean="0"/>
-              <a:t>return 0;</a:t>
+              <a:t>	return 0;</a:t>
             </a:r>
           </a:p>
           <a:p>
@@ -6627,7 +6618,7 @@
           <a:lstStyle/>
           <a:p>
             <a:r>
-              <a:rPr lang="en-US" altLang="ko-KR" dirty="0" smtClean="0">
+              <a:rPr lang="en-US" altLang="ko-KR" dirty="0">
                 <a:latin typeface="+mn-lt"/>
               </a:rPr>
               <a:t>Angle bracket</a:t>
@@ -6648,13 +6639,6 @@
   <p:clrMapOvr>
     <a:masterClrMapping/>
   </p:clrMapOvr>
-  <p:timing>
-    <p:tnLst>
-      <p:par>
-        <p:cTn id="1" dur="indefinite" restart="never" nodeType="tmRoot"/>
-      </p:par>
-    </p:tnLst>
-  </p:timing>
 </p:sld>
 </file>
 
@@ -6691,19 +6675,19 @@
           <a:lstStyle/>
           <a:p>
             <a:r>
-              <a:rPr lang="en-US" altLang="ko-KR" dirty="0" smtClean="0"/>
+              <a:rPr lang="en-US" altLang="ko-KR" dirty="0"/>
               <a:t>$</a:t>
             </a:r>
             <a:r>
-              <a:rPr lang="en-US" altLang="ko-KR" dirty="0" err="1" smtClean="0"/>
+              <a:rPr lang="en-US" altLang="ko-KR" dirty="0" err="1"/>
               <a:t>nvcc</a:t>
             </a:r>
             <a:r>
-              <a:rPr lang="en-US" altLang="ko-KR" dirty="0" smtClean="0"/>
+              <a:rPr lang="en-US" altLang="ko-KR" dirty="0"/>
               <a:t> test.cu  and $ ./</a:t>
             </a:r>
             <a:r>
-              <a:rPr lang="en-US" altLang="ko-KR" dirty="0" err="1" smtClean="0"/>
+              <a:rPr lang="en-US" altLang="ko-KR" dirty="0" err="1"/>
               <a:t>a.out</a:t>
             </a:r>
             <a:endParaRPr lang="ko-KR" altLang="en-US" dirty="0"/>
@@ -6771,13 +6755,13 @@
           <a:bodyPr/>
           <a:lstStyle/>
           <a:p>
-            <a:endParaRPr lang="en-US" altLang="ko-KR" dirty="0" smtClean="0"/>
-          </a:p>
-          <a:p>
             <a:endParaRPr lang="en-US" altLang="ko-KR" dirty="0"/>
           </a:p>
           <a:p>
-            <a:endParaRPr lang="en-US" altLang="ko-KR" dirty="0" smtClean="0"/>
+            <a:endParaRPr lang="en-US" altLang="ko-KR" dirty="0"/>
+          </a:p>
+          <a:p>
+            <a:endParaRPr lang="en-US" altLang="ko-KR" dirty="0"/>
           </a:p>
           <a:p>
             <a:endParaRPr lang="en-US" altLang="ko-KR" dirty="0"/>
@@ -6915,7 +6899,7 @@
           <a:lstStyle/>
           <a:p>
             <a:r>
-              <a:rPr lang="en-US" altLang="ko-KR" dirty="0" smtClean="0"/>
+              <a:rPr lang="en-US" altLang="ko-KR" dirty="0"/>
               <a:t>Terminology</a:t>
             </a:r>
             <a:endParaRPr lang="ko-KR" altLang="en-US" dirty="0"/>
@@ -6938,23 +6922,23 @@
           <a:lstStyle/>
           <a:p>
             <a:r>
-              <a:rPr lang="en-US" altLang="ko-KR" dirty="0" smtClean="0"/>
+              <a:rPr lang="en-US" altLang="ko-KR" dirty="0"/>
               <a:t>Host: CPU and the system’s memory</a:t>
             </a:r>
           </a:p>
           <a:p>
             <a:r>
-              <a:rPr lang="en-US" altLang="ko-KR" dirty="0" smtClean="0"/>
+              <a:rPr lang="en-US" altLang="ko-KR" dirty="0"/>
               <a:t>Device: GPU and its memory</a:t>
             </a:r>
           </a:p>
           <a:p>
             <a:r>
-              <a:rPr lang="en-US" altLang="ko-KR" dirty="0" smtClean="0"/>
+              <a:rPr lang="en-US" altLang="ko-KR" dirty="0"/>
               <a:t>Kernel: A function that executes on </a:t>
             </a:r>
             <a:r>
-              <a:rPr lang="en-US" altLang="ko-KR" smtClean="0"/>
+              <a:rPr lang="en-US" altLang="ko-KR"/>
               <a:t>the device.</a:t>
             </a:r>
             <a:endParaRPr lang="ko-KR" altLang="en-US"/>
@@ -6971,13 +6955,6 @@
   <p:clrMapOvr>
     <a:masterClrMapping/>
   </p:clrMapOvr>
-  <p:timing>
-    <p:tnLst>
-      <p:par>
-        <p:cTn id="1" dur="indefinite" restart="never" nodeType="tmRoot"/>
-      </p:par>
-    </p:tnLst>
-  </p:timing>
 </p:sld>
 </file>
 
@@ -7014,7 +6991,7 @@
           <a:lstStyle/>
           <a:p>
             <a:r>
-              <a:rPr lang="en-US" altLang="ko-KR" dirty="0" smtClean="0"/>
+              <a:rPr lang="en-US" altLang="ko-KR" dirty="0"/>
               <a:t>__global__  function qualifier</a:t>
             </a:r>
             <a:endParaRPr lang="ko-KR" altLang="en-US" dirty="0"/>
@@ -7042,7 +7019,7 @@
           <a:lstStyle/>
           <a:p>
             <a:r>
-              <a:rPr lang="en-US" altLang="ko-KR" dirty="0" smtClean="0"/>
+              <a:rPr lang="en-US" altLang="ko-KR" dirty="0"/>
               <a:t>CUDA C adds the __global__ qualifier to standard C.  	     It alerts the compiler that  a</a:t>
             </a:r>
           </a:p>
@@ -7051,43 +7028,43 @@
               <a:buNone/>
             </a:pPr>
             <a:r>
-              <a:rPr lang="en-US" altLang="ko-KR" dirty="0" smtClean="0"/>
+              <a:rPr lang="en-US" altLang="ko-KR" dirty="0"/>
               <a:t>   function is to be compiled to run on a device.</a:t>
             </a:r>
           </a:p>
           <a:p>
             <a:r>
-              <a:rPr lang="en-US" altLang="ko-KR" dirty="0" smtClean="0"/>
+              <a:rPr lang="en-US" altLang="ko-KR" dirty="0"/>
               <a:t>‘</a:t>
             </a:r>
             <a:r>
-              <a:rPr lang="en-US" altLang="ko-KR" dirty="0" err="1" smtClean="0"/>
+              <a:rPr lang="en-US" altLang="ko-KR" dirty="0" err="1"/>
               <a:t>nvcc</a:t>
             </a:r>
             <a:r>
-              <a:rPr lang="en-US" altLang="ko-KR" dirty="0" smtClean="0"/>
+              <a:rPr lang="en-US" altLang="ko-KR" dirty="0"/>
               <a:t>’ sends the </a:t>
             </a:r>
             <a:r>
-              <a:rPr lang="en-US" altLang="ko-KR" dirty="0" err="1" smtClean="0"/>
+              <a:rPr lang="en-US" altLang="ko-KR" dirty="0" err="1"/>
               <a:t>funct</a:t>
             </a:r>
             <a:r>
-              <a:rPr lang="en-US" altLang="ko-KR" dirty="0" smtClean="0"/>
+              <a:rPr lang="en-US" altLang="ko-KR" dirty="0"/>
               <a:t>( ) to the compiler that handles device code. And it feeds main( ) to the host compiler. </a:t>
             </a:r>
           </a:p>
           <a:p>
             <a:r>
-              <a:rPr lang="en-US" altLang="ko-KR" dirty="0" smtClean="0"/>
+              <a:rPr lang="en-US" altLang="ko-KR" dirty="0"/>
               <a:t>CUDA </a:t>
             </a:r>
             <a:r>
-              <a:rPr lang="en-US" altLang="ko-KR" dirty="0" err="1" smtClean="0"/>
+              <a:rPr lang="en-US" altLang="ko-KR" dirty="0" err="1"/>
               <a:t>nvcc</a:t>
             </a:r>
             <a:r>
-              <a:rPr lang="en-US" altLang="ko-KR" dirty="0" smtClean="0"/>
+              <a:rPr lang="en-US" altLang="ko-KR" dirty="0"/>
               <a:t> compiler separates the device code from the host during the compilation process.    	</a:t>
             </a:r>
             <a:endParaRPr lang="ko-KR" altLang="en-US" dirty="0"/>
@@ -7144,13 +7121,6 @@
   <p:clrMapOvr>
     <a:masterClrMapping/>
   </p:clrMapOvr>
-  <p:timing>
-    <p:tnLst>
-      <p:par>
-        <p:cTn id="1" dur="indefinite" restart="never" nodeType="tmRoot"/>
-      </p:par>
-    </p:tnLst>
-  </p:timing>
 </p:sld>
 </file>
 
@@ -7187,7 +7157,7 @@
           <a:lstStyle/>
           <a:p>
             <a:r>
-              <a:rPr lang="en-US" altLang="ko-KR" dirty="0" smtClean="0"/>
+              <a:rPr lang="en-US" altLang="ko-KR" dirty="0"/>
               <a:t>CUDA NVCC</a:t>
             </a:r>
             <a:endParaRPr lang="ko-KR" altLang="en-US" dirty="0"/>
@@ -7220,8 +7190,20 @@
                 <a:tableStyleId>{5C22544A-7EE6-4342-B048-85BDC9FD1C3A}</a:tableStyleId>
               </a:tblPr>
               <a:tblGrid>
-                <a:gridCol w="4109628"/>
-                <a:gridCol w="4109628"/>
+                <a:gridCol w="4109628">
+                  <a:extLst>
+                    <a:ext uri="{9D8B030D-6E8A-4147-A177-3AD203B41FA5}">
+                      <a16:colId xmlns:a16="http://schemas.microsoft.com/office/drawing/2014/main" val="20000"/>
+                    </a:ext>
+                  </a:extLst>
+                </a:gridCol>
+                <a:gridCol w="4109628">
+                  <a:extLst>
+                    <a:ext uri="{9D8B030D-6E8A-4147-A177-3AD203B41FA5}">
+                      <a16:colId xmlns:a16="http://schemas.microsoft.com/office/drawing/2014/main" val="20001"/>
+                    </a:ext>
+                  </a:extLst>
+                </a:gridCol>
               </a:tblGrid>
               <a:tr h="898619">
                 <a:tc>
@@ -7231,7 +7213,7 @@
                     <a:p>
                       <a:pPr latinLnBrk="1"/>
                       <a:r>
-                        <a:rPr lang="en-US" altLang="ko-KR" sz="3200" dirty="0" smtClean="0"/>
+                        <a:rPr lang="en-US" altLang="ko-KR" sz="3200" dirty="0"/>
                         <a:t>CUDA Libraries</a:t>
                       </a:r>
                       <a:endParaRPr lang="ko-KR" altLang="en-US" sz="3200" dirty="0"/>
@@ -7246,7 +7228,7 @@
                     <a:p>
                       <a:pPr latinLnBrk="1"/>
                       <a:r>
-                        <a:rPr lang="en-US" altLang="ko-KR" sz="3200" dirty="0" smtClean="0"/>
+                        <a:rPr lang="en-US" altLang="ko-KR" sz="3200" dirty="0"/>
                         <a:t>Integrated CPU and GPU code</a:t>
                       </a:r>
                       <a:endParaRPr lang="ko-KR" altLang="en-US" sz="3200" dirty="0"/>
@@ -7254,6 +7236,11 @@
                   </a:txBody>
                   <a:tcPr/>
                 </a:tc>
+                <a:extLst>
+                  <a:ext uri="{0D108BD9-81ED-4DB2-BD59-A6C34878D82A}">
+                    <a16:rowId xmlns:a16="http://schemas.microsoft.com/office/drawing/2014/main" val="10000"/>
+                  </a:ext>
+                </a:extLst>
               </a:tr>
               <a:tr h="898619">
                 <a:tc>
@@ -7278,6 +7265,11 @@
                   </a:txBody>
                   <a:tcPr/>
                 </a:tc>
+                <a:extLst>
+                  <a:ext uri="{0D108BD9-81ED-4DB2-BD59-A6C34878D82A}">
+                    <a16:rowId xmlns:a16="http://schemas.microsoft.com/office/drawing/2014/main" val="10001"/>
+                  </a:ext>
+                </a:extLst>
               </a:tr>
               <a:tr h="898619">
                 <a:tc>
@@ -7287,7 +7279,7 @@
                     <a:p>
                       <a:pPr latinLnBrk="1"/>
                       <a:r>
-                        <a:rPr lang="en-US" altLang="ko-KR" sz="3200" dirty="0" smtClean="0"/>
+                        <a:rPr lang="en-US" altLang="ko-KR" sz="3200" dirty="0"/>
                         <a:t>CUDA Assembly for Computing</a:t>
                       </a:r>
                       <a:endParaRPr lang="ko-KR" altLang="en-US" sz="3200" dirty="0"/>
@@ -7302,7 +7294,7 @@
                     <a:p>
                       <a:pPr latinLnBrk="1"/>
                       <a:r>
-                        <a:rPr lang="en-US" altLang="ko-KR" sz="3200" dirty="0" smtClean="0">
+                        <a:rPr lang="en-US" altLang="ko-KR" sz="3200" dirty="0">
                           <a:latin typeface="+mn-lt"/>
                         </a:rPr>
                         <a:t>CPU Host Code</a:t>
@@ -7314,6 +7306,11 @@
                   </a:txBody>
                   <a:tcPr/>
                 </a:tc>
+                <a:extLst>
+                  <a:ext uri="{0D108BD9-81ED-4DB2-BD59-A6C34878D82A}">
+                    <a16:rowId xmlns:a16="http://schemas.microsoft.com/office/drawing/2014/main" val="10002"/>
+                  </a:ext>
+                </a:extLst>
               </a:tr>
               <a:tr h="898619">
                 <a:tc>
@@ -7323,11 +7320,11 @@
                     <a:p>
                       <a:pPr latinLnBrk="1"/>
                       <a:r>
-                        <a:rPr lang="en-US" altLang="ko-KR" sz="3200" dirty="0" smtClean="0"/>
+                        <a:rPr lang="en-US" altLang="ko-KR" sz="3200" dirty="0"/>
                         <a:t>CUDA</a:t>
                       </a:r>
                       <a:r>
-                        <a:rPr lang="en-US" altLang="ko-KR" sz="3200" baseline="0" dirty="0" smtClean="0"/>
+                        <a:rPr lang="en-US" altLang="ko-KR" sz="3200" baseline="0" dirty="0"/>
                         <a:t> Driver / Debugger</a:t>
                       </a:r>
                       <a:endParaRPr lang="ko-KR" altLang="en-US" sz="3200" dirty="0"/>
@@ -7342,7 +7339,7 @@
                     <a:p>
                       <a:pPr latinLnBrk="1"/>
                       <a:r>
-                        <a:rPr lang="en-US" altLang="ko-KR" sz="3200" dirty="0" smtClean="0"/>
+                        <a:rPr lang="en-US" altLang="ko-KR" sz="3200" dirty="0"/>
                         <a:t>C Compiler</a:t>
                       </a:r>
                       <a:endParaRPr lang="ko-KR" altLang="en-US" sz="3200" dirty="0"/>
@@ -7350,6 +7347,11 @@
                   </a:txBody>
                   <a:tcPr/>
                 </a:tc>
+                <a:extLst>
+                  <a:ext uri="{0D108BD9-81ED-4DB2-BD59-A6C34878D82A}">
+                    <a16:rowId xmlns:a16="http://schemas.microsoft.com/office/drawing/2014/main" val="10003"/>
+                  </a:ext>
+                </a:extLst>
               </a:tr>
               <a:tr h="898619">
                 <a:tc>
@@ -7359,7 +7361,7 @@
                     <a:p>
                       <a:pPr latinLnBrk="1"/>
                       <a:r>
-                        <a:rPr lang="en-US" altLang="ko-KR" sz="3200" dirty="0" smtClean="0"/>
+                        <a:rPr lang="en-US" altLang="ko-KR" sz="3200" dirty="0"/>
                         <a:t>GPU</a:t>
                       </a:r>
                       <a:endParaRPr lang="ko-KR" altLang="en-US" sz="3200" dirty="0"/>
@@ -7374,7 +7376,7 @@
                     <a:p>
                       <a:pPr latinLnBrk="1"/>
                       <a:r>
-                        <a:rPr lang="en-US" altLang="ko-KR" sz="3200" dirty="0" smtClean="0"/>
+                        <a:rPr lang="en-US" altLang="ko-KR" sz="3200" dirty="0"/>
                         <a:t>CPU</a:t>
                       </a:r>
                       <a:endParaRPr lang="ko-KR" altLang="en-US" sz="3200" dirty="0"/>
@@ -7382,6 +7384,11 @@
                   </a:txBody>
                   <a:tcPr/>
                 </a:tc>
+                <a:extLst>
+                  <a:ext uri="{0D108BD9-81ED-4DB2-BD59-A6C34878D82A}">
+                    <a16:rowId xmlns:a16="http://schemas.microsoft.com/office/drawing/2014/main" val="10004"/>
+                  </a:ext>
+                </a:extLst>
               </a:tr>
             </a:tbl>
           </a:graphicData>
@@ -7410,7 +7417,7 @@
           <a:lstStyle/>
           <a:p>
             <a:r>
-              <a:rPr lang="en-US" altLang="ko-KR" sz="3200" dirty="0" smtClean="0">
+              <a:rPr lang="en-US" altLang="ko-KR" sz="3200" dirty="0">
                 <a:latin typeface="+mn-lt"/>
               </a:rPr>
               <a:t>CUDA Compiler</a:t>
@@ -7431,13 +7438,6 @@
   <p:clrMapOvr>
     <a:masterClrMapping/>
   </p:clrMapOvr>
-  <p:timing>
-    <p:tnLst>
-      <p:par>
-        <p:cTn id="1" dur="indefinite" restart="never" nodeType="tmRoot"/>
-      </p:par>
-    </p:tnLst>
-  </p:timing>
 </p:sld>
 </file>
 
@@ -7474,15 +7474,15 @@
           <a:lstStyle/>
           <a:p>
             <a:r>
-              <a:rPr lang="en-US" altLang="ko-KR" dirty="0" smtClean="0"/>
+              <a:rPr lang="en-US" altLang="ko-KR" dirty="0"/>
               <a:t>CUDA</a:t>
             </a:r>
             <a:r>
-              <a:rPr lang="ko-KR" altLang="en-US" dirty="0" smtClean="0"/>
+              <a:rPr lang="ko-KR" altLang="en-US" dirty="0"/>
               <a:t> </a:t>
             </a:r>
             <a:r>
-              <a:rPr lang="en-US" altLang="ko-KR" dirty="0" smtClean="0"/>
+              <a:rPr lang="en-US" altLang="ko-KR" dirty="0"/>
               <a:t>C Extension</a:t>
             </a:r>
             <a:endParaRPr lang="ko-KR" altLang="en-US" dirty="0"/>
@@ -7509,7 +7509,7 @@
               <a:buAutoNum type="arabicPeriod"/>
             </a:pPr>
             <a:r>
-              <a:rPr lang="en-US" altLang="ko-KR" dirty="0" smtClean="0"/>
+              <a:rPr lang="en-US" altLang="ko-KR" dirty="0"/>
               <a:t>function type qualifiers</a:t>
             </a:r>
           </a:p>
@@ -7519,11 +7519,7 @@
             </a:pPr>
             <a:r>
               <a:rPr lang="en-US" altLang="ko-KR" dirty="0"/>
-              <a:t>	</a:t>
-            </a:r>
-            <a:r>
-              <a:rPr lang="en-US" altLang="ko-KR" dirty="0" smtClean="0"/>
-              <a:t>__global__, __device__, __host__,</a:t>
+              <a:t>	__global__, __device__, __host__,</a:t>
             </a:r>
           </a:p>
           <a:p>
@@ -7532,11 +7528,7 @@
             </a:pPr>
             <a:r>
               <a:rPr lang="en-US" altLang="ko-KR" dirty="0"/>
-              <a:t>	</a:t>
-            </a:r>
-            <a:r>
-              <a:rPr lang="en-US" altLang="ko-KR" dirty="0" smtClean="0"/>
-              <a:t>__device__ __host__</a:t>
+              <a:t>	__device__ __host__</a:t>
             </a:r>
           </a:p>
           <a:p>
@@ -7550,7 +7542,7 @@
               <a:buNone/>
             </a:pPr>
             <a:r>
-              <a:rPr lang="en-US" altLang="ko-KR" dirty="0" smtClean="0"/>
+              <a:rPr lang="en-US" altLang="ko-KR" dirty="0"/>
               <a:t>  __global__  void function1 &lt;&lt;&lt; 6,4&gt;&gt;&gt;( ) </a:t>
             </a:r>
           </a:p>
@@ -7559,7 +7551,7 @@
               <a:buNone/>
             </a:pPr>
             <a:r>
-              <a:rPr lang="en-US" altLang="ko-KR" dirty="0" smtClean="0"/>
+              <a:rPr lang="en-US" altLang="ko-KR" dirty="0"/>
               <a:t>    { …}</a:t>
             </a:r>
           </a:p>
@@ -7569,11 +7561,7 @@
             </a:pPr>
             <a:r>
               <a:rPr lang="en-US" altLang="ko-KR" dirty="0"/>
-              <a:t>	</a:t>
-            </a:r>
-            <a:r>
-              <a:rPr lang="en-US" altLang="ko-KR" dirty="0" smtClean="0"/>
-              <a:t>function1 is only executed at a device. It 	can be called from the host but cannot be 	called recursively at the device.</a:t>
+              <a:t>	function1 is only executed at a device. It 	can be called from the host but cannot be 	called recursively at the device.</a:t>
             </a:r>
           </a:p>
           <a:p>
@@ -7644,13 +7632,6 @@
   <p:clrMapOvr>
     <a:masterClrMapping/>
   </p:clrMapOvr>
-  <p:timing>
-    <p:tnLst>
-      <p:par>
-        <p:cTn id="1" dur="indefinite" restart="never" nodeType="tmRoot"/>
-      </p:par>
-    </p:tnLst>
-  </p:timing>
 </p:sld>
 </file>
 
@@ -7687,7 +7668,7 @@
           <a:lstStyle/>
           <a:p>
             <a:r>
-              <a:rPr lang="en-US" altLang="ko-KR" dirty="0" smtClean="0"/>
+              <a:rPr lang="en-US" altLang="ko-KR" dirty="0"/>
               <a:t>__global__ void function1</a:t>
             </a:r>
             <a:endParaRPr lang="ko-KR" altLang="en-US" dirty="0"/>
@@ -7713,12 +7694,8 @@
               <a:buNone/>
             </a:pPr>
             <a:r>
-              <a:rPr lang="en-US" altLang="ko-KR" sz="1200" dirty="0" smtClean="0"/>
-              <a:t>#</a:t>
-            </a:r>
-            <a:r>
               <a:rPr lang="en-US" altLang="ko-KR" sz="1200" dirty="0"/>
-              <a:t>include &lt;</a:t>
+              <a:t>#include &lt;</a:t>
             </a:r>
             <a:r>
               <a:rPr lang="en-US" altLang="ko-KR" sz="1200" dirty="0" err="1"/>
@@ -8083,13 +8060,6 @@
   <p:clrMapOvr>
     <a:masterClrMapping/>
   </p:clrMapOvr>
-  <p:timing>
-    <p:tnLst>
-      <p:par>
-        <p:cTn id="1" dur="indefinite" restart="never" nodeType="tmRoot"/>
-      </p:par>
-    </p:tnLst>
-  </p:timing>
 </p:sld>
 </file>
 
@@ -8126,7 +8096,7 @@
           <a:lstStyle/>
           <a:p>
             <a:r>
-              <a:rPr lang="en-US" altLang="ko-KR" dirty="0" smtClean="0"/>
+              <a:rPr lang="en-US" altLang="ko-KR" dirty="0"/>
               <a:t>Computer Architecture</a:t>
             </a:r>
             <a:endParaRPr lang="ko-KR" altLang="en-US" dirty="0"/>
@@ -8159,8 +8129,20 @@
                 <a:tableStyleId>{5C22544A-7EE6-4342-B048-85BDC9FD1C3A}</a:tableStyleId>
               </a:tblPr>
               <a:tblGrid>
-                <a:gridCol w="3888432"/>
-                <a:gridCol w="3888432"/>
+                <a:gridCol w="3888432">
+                  <a:extLst>
+                    <a:ext uri="{9D8B030D-6E8A-4147-A177-3AD203B41FA5}">
+                      <a16:colId xmlns:a16="http://schemas.microsoft.com/office/drawing/2014/main" val="20000"/>
+                    </a:ext>
+                  </a:extLst>
+                </a:gridCol>
+                <a:gridCol w="3888432">
+                  <a:extLst>
+                    <a:ext uri="{9D8B030D-6E8A-4147-A177-3AD203B41FA5}">
+                      <a16:colId xmlns:a16="http://schemas.microsoft.com/office/drawing/2014/main" val="20001"/>
+                    </a:ext>
+                  </a:extLst>
+                </a:gridCol>
               </a:tblGrid>
               <a:tr h="1332148">
                 <a:tc>
@@ -8170,18 +8152,18 @@
                     <a:p>
                       <a:pPr latinLnBrk="1"/>
                       <a:r>
-                        <a:rPr lang="en-US" altLang="ko-KR" dirty="0" smtClean="0"/>
+                        <a:rPr lang="en-US" altLang="ko-KR" dirty="0"/>
                         <a:t>Single Instruction</a:t>
                       </a:r>
                       <a:r>
-                        <a:rPr lang="en-US" altLang="ko-KR" baseline="0" dirty="0" smtClean="0"/>
+                        <a:rPr lang="en-US" altLang="ko-KR" baseline="0" dirty="0"/>
                         <a:t>  Multiple Data</a:t>
                       </a:r>
                     </a:p>
                     <a:p>
                       <a:pPr latinLnBrk="1"/>
                       <a:r>
-                        <a:rPr lang="en-US" altLang="ko-KR" dirty="0" smtClean="0"/>
+                        <a:rPr lang="en-US" altLang="ko-KR" dirty="0"/>
                         <a:t>    (SIMD)</a:t>
                       </a:r>
                       <a:endParaRPr lang="ko-KR" altLang="en-US" dirty="0"/>
@@ -8196,18 +8178,18 @@
                     <a:p>
                       <a:pPr latinLnBrk="1"/>
                       <a:r>
-                        <a:rPr lang="en-US" altLang="ko-KR" dirty="0" smtClean="0"/>
+                        <a:rPr lang="en-US" altLang="ko-KR" dirty="0"/>
                         <a:t>Multiple</a:t>
                       </a:r>
                       <a:r>
-                        <a:rPr lang="en-US" altLang="ko-KR" baseline="0" dirty="0" smtClean="0"/>
+                        <a:rPr lang="en-US" altLang="ko-KR" baseline="0" dirty="0"/>
                         <a:t> Instruction Multiple Data</a:t>
                       </a:r>
                     </a:p>
                     <a:p>
                       <a:pPr latinLnBrk="1"/>
                       <a:r>
-                        <a:rPr lang="en-US" altLang="ko-KR" baseline="0" dirty="0" smtClean="0"/>
+                        <a:rPr lang="en-US" altLang="ko-KR" baseline="0" dirty="0"/>
                         <a:t>  (MIMD)</a:t>
                       </a:r>
                       <a:endParaRPr lang="ko-KR" altLang="en-US" dirty="0"/>
@@ -8215,6 +8197,11 @@
                   </a:txBody>
                   <a:tcPr/>
                 </a:tc>
+                <a:extLst>
+                  <a:ext uri="{0D108BD9-81ED-4DB2-BD59-A6C34878D82A}">
+                    <a16:rowId xmlns:a16="http://schemas.microsoft.com/office/drawing/2014/main" val="10000"/>
+                  </a:ext>
+                </a:extLst>
               </a:tr>
               <a:tr h="1332148">
                 <a:tc>
@@ -8224,14 +8211,14 @@
                     <a:p>
                       <a:pPr latinLnBrk="1"/>
                       <a:r>
-                        <a:rPr lang="en-US" altLang="ko-KR" dirty="0" smtClean="0"/>
+                        <a:rPr lang="en-US" altLang="ko-KR" dirty="0"/>
                         <a:t>Single Instruction Single Data</a:t>
                       </a:r>
                     </a:p>
                     <a:p>
                       <a:pPr latinLnBrk="1"/>
                       <a:r>
-                        <a:rPr lang="en-US" altLang="ko-KR" dirty="0" smtClean="0"/>
+                        <a:rPr lang="en-US" altLang="ko-KR" dirty="0"/>
                         <a:t>    (SISD)</a:t>
                       </a:r>
                       <a:endParaRPr lang="ko-KR" altLang="en-US" dirty="0"/>
@@ -8246,14 +8233,14 @@
                     <a:p>
                       <a:pPr latinLnBrk="1"/>
                       <a:r>
-                        <a:rPr lang="en-US" altLang="ko-KR" dirty="0" smtClean="0"/>
+                        <a:rPr lang="en-US" altLang="ko-KR" dirty="0"/>
                         <a:t>Multiple Instruction Single Data</a:t>
                       </a:r>
                     </a:p>
                     <a:p>
                       <a:pPr latinLnBrk="1"/>
                       <a:r>
-                        <a:rPr lang="en-US" altLang="ko-KR" dirty="0" smtClean="0"/>
+                        <a:rPr lang="en-US" altLang="ko-KR" dirty="0"/>
                         <a:t>  (MISD)</a:t>
                       </a:r>
                       <a:endParaRPr lang="ko-KR" altLang="en-US" dirty="0"/>
@@ -8261,6 +8248,11 @@
                   </a:txBody>
                   <a:tcPr/>
                 </a:tc>
+                <a:extLst>
+                  <a:ext uri="{0D108BD9-81ED-4DB2-BD59-A6C34878D82A}">
+                    <a16:rowId xmlns:a16="http://schemas.microsoft.com/office/drawing/2014/main" val="10001"/>
+                  </a:ext>
+                </a:extLst>
               </a:tr>
             </a:tbl>
           </a:graphicData>
@@ -8289,7 +8281,7 @@
           <a:lstStyle/>
           <a:p>
             <a:r>
-              <a:rPr lang="en-US" altLang="ko-KR" dirty="0" smtClean="0">
+              <a:rPr lang="en-US" altLang="ko-KR" dirty="0">
                 <a:latin typeface="+mn-lt"/>
               </a:rPr>
               <a:t>NVIDIA GPU: SIMT(Single Instruction Multiple Thread)</a:t>
@@ -8346,7 +8338,7 @@
           <a:lstStyle/>
           <a:p>
             <a:r>
-              <a:rPr lang="en-US" altLang="ko-KR" dirty="0" smtClean="0"/>
+              <a:rPr lang="en-US" altLang="ko-KR" dirty="0"/>
               <a:t>__global__ void function&lt;&lt; 6,4&gt;&gt;</a:t>
             </a:r>
             <a:endParaRPr lang="ko-KR" altLang="en-US" dirty="0"/>
@@ -8373,7 +8365,7 @@
               <a:buAutoNum type="arabicPeriod"/>
             </a:pPr>
             <a:r>
-              <a:rPr lang="en-US" altLang="ko-KR" dirty="0" smtClean="0"/>
+              <a:rPr lang="en-US" altLang="ko-KR" dirty="0"/>
               <a:t>return value is always void,</a:t>
             </a:r>
           </a:p>
@@ -8383,7 +8375,7 @@
               <a:buAutoNum type="arabicPeriod"/>
             </a:pPr>
             <a:r>
-              <a:rPr lang="en-US" altLang="ko-KR" dirty="0" smtClean="0"/>
+              <a:rPr lang="en-US" altLang="ko-KR" dirty="0"/>
               <a:t>recursive call is not allowed,</a:t>
             </a:r>
           </a:p>
@@ -8393,11 +8385,11 @@
               <a:buAutoNum type="arabicPeriod"/>
             </a:pPr>
             <a:r>
-              <a:rPr lang="en-US" altLang="ko-KR" dirty="0" smtClean="0"/>
+              <a:rPr lang="en-US" altLang="ko-KR" dirty="0"/>
               <a:t>function </a:t>
             </a:r>
             <a:r>
-              <a:rPr lang="en-US" altLang="ko-KR" dirty="0" smtClean="0">
+              <a:rPr lang="en-US" altLang="ko-KR" dirty="0">
                 <a:solidFill>
                   <a:srgbClr val="FF0000"/>
                 </a:solidFill>
@@ -8405,7 +8397,7 @@
               <a:t>cannot have static variables</a:t>
             </a:r>
             <a:r>
-              <a:rPr lang="en-US" altLang="ko-KR" dirty="0" smtClean="0"/>
+              <a:rPr lang="en-US" altLang="ko-KR" dirty="0"/>
               <a:t>,</a:t>
             </a:r>
           </a:p>
@@ -8415,7 +8407,7 @@
               <a:buAutoNum type="arabicPeriod"/>
             </a:pPr>
             <a:r>
-              <a:rPr lang="en-US" altLang="ko-KR" dirty="0" smtClean="0"/>
+              <a:rPr lang="en-US" altLang="ko-KR" dirty="0"/>
               <a:t>can not declare __host__ at the same time,</a:t>
             </a:r>
           </a:p>
@@ -8425,7 +8417,7 @@
               <a:buAutoNum type="arabicPeriod"/>
             </a:pPr>
             <a:r>
-              <a:rPr lang="en-US" altLang="ko-KR" dirty="0" smtClean="0"/>
+              <a:rPr lang="en-US" altLang="ko-KR" dirty="0"/>
               <a:t>declared 6 blocks and 4 threads per block.</a:t>
             </a:r>
           </a:p>
@@ -8448,13 +8440,6 @@
   <p:clrMapOvr>
     <a:masterClrMapping/>
   </p:clrMapOvr>
-  <p:timing>
-    <p:tnLst>
-      <p:par>
-        <p:cTn id="1" dur="indefinite" restart="never" nodeType="tmRoot"/>
-      </p:par>
-    </p:tnLst>
-  </p:timing>
 </p:sld>
 </file>
 
@@ -8491,15 +8476,15 @@
           <a:lstStyle/>
           <a:p>
             <a:r>
-              <a:rPr lang="en-US" altLang="ko-KR" dirty="0" smtClean="0"/>
+              <a:rPr lang="en-US" altLang="ko-KR" dirty="0"/>
               <a:t>__device__ </a:t>
             </a:r>
             <a:r>
-              <a:rPr lang="en-US" altLang="ko-KR" dirty="0" err="1" smtClean="0"/>
+              <a:rPr lang="en-US" altLang="ko-KR" dirty="0" err="1"/>
               <a:t>int</a:t>
             </a:r>
             <a:r>
-              <a:rPr lang="en-US" altLang="ko-KR" dirty="0" smtClean="0"/>
+              <a:rPr lang="en-US" altLang="ko-KR" dirty="0"/>
               <a:t> function( )</a:t>
             </a:r>
             <a:endParaRPr lang="ko-KR" altLang="en-US" dirty="0"/>
@@ -8526,7 +8511,7 @@
               <a:buAutoNum type="arabicPeriod"/>
             </a:pPr>
             <a:r>
-              <a:rPr lang="en-US" altLang="ko-KR" dirty="0" smtClean="0"/>
+              <a:rPr lang="en-US" altLang="ko-KR" dirty="0"/>
               <a:t>The function is executed at a device,</a:t>
             </a:r>
           </a:p>
@@ -8536,7 +8521,7 @@
               <a:buAutoNum type="arabicPeriod"/>
             </a:pPr>
             <a:r>
-              <a:rPr lang="en-US" altLang="ko-KR" dirty="0" smtClean="0"/>
+              <a:rPr lang="en-US" altLang="ko-KR" dirty="0"/>
               <a:t>It can be called by the device and cannot be called by the host,</a:t>
             </a:r>
           </a:p>
@@ -8546,7 +8531,7 @@
               <a:buAutoNum type="arabicPeriod"/>
             </a:pPr>
             <a:r>
-              <a:rPr lang="en-US" altLang="ko-KR" dirty="0" smtClean="0"/>
+              <a:rPr lang="en-US" altLang="ko-KR" dirty="0"/>
               <a:t>It can not be called recursively,</a:t>
             </a:r>
           </a:p>
@@ -8556,7 +8541,7 @@
               <a:buAutoNum type="arabicPeriod"/>
             </a:pPr>
             <a:r>
-              <a:rPr lang="en-US" altLang="ko-KR" dirty="0" smtClean="0"/>
+              <a:rPr lang="en-US" altLang="ko-KR" dirty="0"/>
               <a:t>It can not have variable number of arguments,</a:t>
             </a:r>
           </a:p>
@@ -8578,13 +8563,6 @@
   <p:clrMapOvr>
     <a:masterClrMapping/>
   </p:clrMapOvr>
-  <p:timing>
-    <p:tnLst>
-      <p:par>
-        <p:cTn id="1" dur="indefinite" restart="never" nodeType="tmRoot"/>
-      </p:par>
-    </p:tnLst>
-  </p:timing>
 </p:sld>
 </file>
 
@@ -8621,31 +8599,31 @@
           <a:lstStyle/>
           <a:p>
             <a:r>
-              <a:rPr lang="en-US" altLang="ko-KR" dirty="0" smtClean="0"/>
+              <a:rPr lang="en-US" altLang="ko-KR" dirty="0"/>
               <a:t>__host__ </a:t>
             </a:r>
             <a:r>
-              <a:rPr lang="en-US" altLang="ko-KR" dirty="0" err="1" smtClean="0"/>
+              <a:rPr lang="en-US" altLang="ko-KR" dirty="0" err="1"/>
               <a:t>int</a:t>
             </a:r>
             <a:r>
-              <a:rPr lang="en-US" altLang="ko-KR" dirty="0" smtClean="0"/>
+              <a:rPr lang="en-US" altLang="ko-KR" dirty="0"/>
               <a:t> function (</a:t>
             </a:r>
             <a:r>
-              <a:rPr lang="en-US" altLang="ko-KR" dirty="0" err="1" smtClean="0"/>
+              <a:rPr lang="en-US" altLang="ko-KR" dirty="0" err="1"/>
               <a:t>int</a:t>
             </a:r>
             <a:r>
-              <a:rPr lang="en-US" altLang="ko-KR" dirty="0" smtClean="0"/>
+              <a:rPr lang="en-US" altLang="ko-KR" dirty="0"/>
               <a:t> a, </a:t>
             </a:r>
             <a:r>
-              <a:rPr lang="en-US" altLang="ko-KR" dirty="0" err="1" smtClean="0"/>
+              <a:rPr lang="en-US" altLang="ko-KR" dirty="0" err="1"/>
               <a:t>int</a:t>
             </a:r>
             <a:r>
-              <a:rPr lang="en-US" altLang="ko-KR" dirty="0" smtClean="0"/>
+              <a:rPr lang="en-US" altLang="ko-KR" dirty="0"/>
               <a:t> b)</a:t>
             </a:r>
             <a:endParaRPr lang="ko-KR" altLang="en-US" dirty="0"/>
@@ -8672,7 +8650,7 @@
               <a:buAutoNum type="arabicPeriod"/>
             </a:pPr>
             <a:r>
-              <a:rPr lang="en-US" altLang="ko-KR" dirty="0" smtClean="0"/>
+              <a:rPr lang="en-US" altLang="ko-KR" dirty="0"/>
               <a:t>It is executed only at a host,</a:t>
             </a:r>
           </a:p>
@@ -8682,7 +8660,7 @@
               <a:buAutoNum type="arabicPeriod"/>
             </a:pPr>
             <a:r>
-              <a:rPr lang="en-US" altLang="ko-KR" dirty="0" smtClean="0"/>
+              <a:rPr lang="en-US" altLang="ko-KR" dirty="0"/>
               <a:t>It can not be called by the device,</a:t>
             </a:r>
           </a:p>
@@ -8692,7 +8670,7 @@
               <a:buAutoNum type="arabicPeriod"/>
             </a:pPr>
             <a:r>
-              <a:rPr lang="en-US" altLang="ko-KR" dirty="0" smtClean="0"/>
+              <a:rPr lang="en-US" altLang="ko-KR" dirty="0"/>
               <a:t>If __global__, __host__, __device__ are not declared, it is considered as __host__,</a:t>
             </a:r>
           </a:p>
@@ -8702,7 +8680,7 @@
               <a:buAutoNum type="arabicPeriod"/>
             </a:pPr>
             <a:r>
-              <a:rPr lang="en-US" altLang="ko-KR" dirty="0" smtClean="0"/>
+              <a:rPr lang="en-US" altLang="ko-KR" dirty="0"/>
               <a:t>It cat not be used with __global__ ,</a:t>
             </a:r>
           </a:p>
@@ -8712,7 +8690,7 @@
               <a:buAutoNum type="arabicPeriod"/>
             </a:pPr>
             <a:r>
-              <a:rPr lang="en-US" altLang="ko-KR" dirty="0" smtClean="0"/>
+              <a:rPr lang="en-US" altLang="ko-KR" dirty="0"/>
               <a:t>It can be declared with __device__ , in this case the function can be executed at the host and the device.</a:t>
             </a:r>
             <a:endParaRPr lang="ko-KR" altLang="en-US" dirty="0"/>
@@ -8729,13 +8707,6 @@
   <p:clrMapOvr>
     <a:masterClrMapping/>
   </p:clrMapOvr>
-  <p:timing>
-    <p:tnLst>
-      <p:par>
-        <p:cTn id="1" dur="indefinite" restart="never" nodeType="tmRoot"/>
-      </p:par>
-    </p:tnLst>
-  </p:timing>
 </p:sld>
 </file>
 
@@ -8772,7 +8743,7 @@
           <a:lstStyle/>
           <a:p>
             <a:r>
-              <a:rPr lang="en-US" altLang="ko-KR" dirty="0" smtClean="0"/>
+              <a:rPr lang="en-US" altLang="ko-KR" dirty="0"/>
               <a:t>variable type qualifiers</a:t>
             </a:r>
             <a:endParaRPr lang="ko-KR" altLang="en-US" dirty="0"/>
@@ -8799,35 +8770,35 @@
               <a:buAutoNum type="arabicPeriod"/>
             </a:pPr>
             <a:r>
-              <a:rPr lang="en-US" altLang="ko-KR" dirty="0" smtClean="0"/>
+              <a:rPr lang="en-US" altLang="ko-KR" dirty="0"/>
               <a:t>__device__</a:t>
             </a:r>
           </a:p>
           <a:p>
             <a:pPr marL="857250" lvl="1" indent="-457200"/>
             <a:r>
-              <a:rPr lang="en-US" altLang="ko-KR" dirty="0" smtClean="0"/>
+              <a:rPr lang="en-US" altLang="ko-KR" dirty="0"/>
               <a:t>the variable is allocated to the global memory,</a:t>
             </a:r>
           </a:p>
           <a:p>
             <a:pPr marL="857250" lvl="1" indent="-457200"/>
             <a:r>
-              <a:rPr lang="en-US" altLang="ko-KR" dirty="0" smtClean="0"/>
+              <a:rPr lang="en-US" altLang="ko-KR" dirty="0"/>
               <a:t>effective until the end of program execution,</a:t>
             </a:r>
           </a:p>
           <a:p>
             <a:pPr marL="857250" lvl="1" indent="-457200"/>
             <a:r>
-              <a:rPr lang="en-US" altLang="ko-KR" dirty="0" smtClean="0"/>
+              <a:rPr lang="en-US" altLang="ko-KR" dirty="0"/>
               <a:t>all threads can access the variable,</a:t>
             </a:r>
           </a:p>
           <a:p>
             <a:pPr marL="857250" lvl="1" indent="-457200"/>
             <a:r>
-              <a:rPr lang="en-US" altLang="ko-KR" dirty="0" smtClean="0"/>
+              <a:rPr lang="en-US" altLang="ko-KR" dirty="0"/>
               <a:t>the host can access it through API function.</a:t>
             </a:r>
           </a:p>
@@ -8853,13 +8824,6 @@
   <p:clrMapOvr>
     <a:masterClrMapping/>
   </p:clrMapOvr>
-  <p:timing>
-    <p:tnLst>
-      <p:par>
-        <p:cTn id="1" dur="indefinite" restart="never" nodeType="tmRoot"/>
-      </p:par>
-    </p:tnLst>
-  </p:timing>
 </p:sld>
 </file>
 
@@ -8896,7 +8860,7 @@
           <a:lstStyle/>
           <a:p>
             <a:r>
-              <a:rPr lang="en-US" altLang="ko-KR" dirty="0" smtClean="0"/>
+              <a:rPr lang="en-US" altLang="ko-KR" dirty="0"/>
               <a:t>__constant__</a:t>
             </a:r>
             <a:endParaRPr lang="ko-KR" altLang="en-US" dirty="0"/>
@@ -8922,7 +8886,7 @@
               <a:buNone/>
             </a:pPr>
             <a:r>
-              <a:rPr lang="en-US" altLang="ko-KR" dirty="0" smtClean="0"/>
+              <a:rPr lang="en-US" altLang="ko-KR" dirty="0"/>
               <a:t>2. __constant__</a:t>
             </a:r>
           </a:p>
@@ -8930,32 +8894,28 @@
             <a:pPr lvl="1"/>
             <a:r>
               <a:rPr lang="en-US" altLang="ko-KR" dirty="0"/>
-              <a:t>t</a:t>
-            </a:r>
-            <a:r>
-              <a:rPr lang="en-US" altLang="ko-KR" dirty="0" smtClean="0"/>
-              <a:t>he variable is allocated to the constant memory area,</a:t>
+              <a:t>the variable is allocated to the constant memory area,</a:t>
             </a:r>
           </a:p>
           <a:p>
             <a:pPr lvl="1"/>
             <a:r>
-              <a:rPr lang="en-US" altLang="ko-KR" dirty="0" smtClean="0"/>
+              <a:rPr lang="en-US" altLang="ko-KR" dirty="0"/>
               <a:t>all can read only the variable,</a:t>
             </a:r>
           </a:p>
           <a:p>
             <a:pPr lvl="1"/>
             <a:r>
-              <a:rPr lang="en-US" altLang="ko-KR" dirty="0" smtClean="0"/>
+              <a:rPr lang="en-US" altLang="ko-KR" dirty="0"/>
               <a:t>the host can write the value through </a:t>
             </a:r>
             <a:r>
-              <a:rPr lang="en-US" altLang="ko-KR" dirty="0" err="1" smtClean="0"/>
+              <a:rPr lang="en-US" altLang="ko-KR" dirty="0" err="1"/>
               <a:t>cudaMemcpyToSymbol</a:t>
             </a:r>
             <a:r>
-              <a:rPr lang="en-US" altLang="ko-KR" dirty="0" smtClean="0"/>
+              <a:rPr lang="en-US" altLang="ko-KR" dirty="0"/>
               <a:t>( ) API.</a:t>
             </a:r>
             <a:endParaRPr lang="ko-KR" altLang="en-US" dirty="0"/>
@@ -8972,13 +8932,6 @@
   <p:clrMapOvr>
     <a:masterClrMapping/>
   </p:clrMapOvr>
-  <p:timing>
-    <p:tnLst>
-      <p:par>
-        <p:cTn id="1" dur="indefinite" restart="never" nodeType="tmRoot"/>
-      </p:par>
-    </p:tnLst>
-  </p:timing>
 </p:sld>
 </file>
 
@@ -9015,7 +8968,7 @@
           <a:lstStyle/>
           <a:p>
             <a:r>
-              <a:rPr lang="en-US" altLang="ko-KR" dirty="0" smtClean="0"/>
+              <a:rPr lang="en-US" altLang="ko-KR" dirty="0"/>
               <a:t>__shared__</a:t>
             </a:r>
             <a:endParaRPr lang="ko-KR" altLang="en-US" dirty="0"/>
@@ -9041,21 +8994,21 @@
               <a:buNone/>
             </a:pPr>
             <a:r>
-              <a:rPr lang="en-US" altLang="ko-KR" dirty="0" smtClean="0"/>
+              <a:rPr lang="en-US" altLang="ko-KR" dirty="0"/>
               <a:t>3. __shared__</a:t>
             </a:r>
           </a:p>
           <a:p>
             <a:pPr lvl="1"/>
             <a:r>
-              <a:rPr lang="en-US" altLang="ko-KR" dirty="0" smtClean="0"/>
+              <a:rPr lang="en-US" altLang="ko-KR" dirty="0"/>
               <a:t>the variable is allocated to the shared memory area of a block,</a:t>
             </a:r>
           </a:p>
           <a:p>
             <a:pPr lvl="1"/>
             <a:r>
-              <a:rPr lang="en-US" altLang="ko-KR" dirty="0" smtClean="0"/>
+              <a:rPr lang="en-US" altLang="ko-KR" dirty="0"/>
               <a:t>all threads in a block can read and write the variable.</a:t>
             </a:r>
           </a:p>
@@ -9064,25 +9017,20 @@
               <a:buNone/>
             </a:pPr>
             <a:r>
-              <a:rPr lang="en-US" altLang="ko-KR" b="1" u="sng" dirty="0" smtClean="0">
+              <a:rPr lang="en-US" altLang="ko-KR" b="1" u="sng" dirty="0">
                 <a:solidFill>
                   <a:srgbClr val="FF0000"/>
                 </a:solidFill>
               </a:rPr>
               <a:t>Question:</a:t>
             </a:r>
-            <a:endParaRPr lang="en-US" altLang="ko-KR" b="1" u="sng" dirty="0">
-              <a:solidFill>
-                <a:srgbClr val="FF0000"/>
-              </a:solidFill>
-            </a:endParaRPr>
           </a:p>
           <a:p>
             <a:pPr marL="0" indent="0">
               <a:buNone/>
             </a:pPr>
             <a:r>
-              <a:rPr lang="en-US" altLang="ko-KR" dirty="0" smtClean="0">
+              <a:rPr lang="en-US" altLang="ko-KR" dirty="0">
                 <a:solidFill>
                   <a:srgbClr val="FF0000"/>
                 </a:solidFill>
@@ -9095,7 +9043,7 @@
               <a:buNone/>
             </a:pPr>
             <a:r>
-              <a:rPr lang="en-US" altLang="ko-KR" dirty="0" smtClean="0">
+              <a:rPr lang="en-US" altLang="ko-KR" dirty="0">
                 <a:solidFill>
                   <a:srgbClr val="FF0000"/>
                 </a:solidFill>
@@ -9116,13 +9064,6 @@
   <p:clrMapOvr>
     <a:masterClrMapping/>
   </p:clrMapOvr>
-  <p:timing>
-    <p:tnLst>
-      <p:par>
-        <p:cTn id="1" dur="indefinite" restart="never" nodeType="tmRoot"/>
-      </p:par>
-    </p:tnLst>
-  </p:timing>
 </p:sld>
 </file>
 
@@ -9159,7 +9100,7 @@
           <a:lstStyle/>
           <a:p>
             <a:r>
-              <a:rPr lang="en-US" altLang="ko-KR" dirty="0" smtClean="0"/>
+              <a:rPr lang="en-US" altLang="ko-KR" dirty="0"/>
               <a:t>Memory Management</a:t>
             </a:r>
             <a:endParaRPr lang="ko-KR" altLang="en-US" dirty="0"/>
@@ -9192,8 +9133,20 @@
                 <a:tableStyleId>{5C22544A-7EE6-4342-B048-85BDC9FD1C3A}</a:tableStyleId>
               </a:tblPr>
               <a:tblGrid>
-                <a:gridCol w="4109628"/>
-                <a:gridCol w="4109628"/>
+                <a:gridCol w="4109628">
+                  <a:extLst>
+                    <a:ext uri="{9D8B030D-6E8A-4147-A177-3AD203B41FA5}">
+                      <a16:colId xmlns:a16="http://schemas.microsoft.com/office/drawing/2014/main" val="20000"/>
+                    </a:ext>
+                  </a:extLst>
+                </a:gridCol>
+                <a:gridCol w="4109628">
+                  <a:extLst>
+                    <a:ext uri="{9D8B030D-6E8A-4147-A177-3AD203B41FA5}">
+                      <a16:colId xmlns:a16="http://schemas.microsoft.com/office/drawing/2014/main" val="20001"/>
+                    </a:ext>
+                  </a:extLst>
+                </a:gridCol>
               </a:tblGrid>
               <a:tr h="927422">
                 <a:tc>
@@ -9203,11 +9156,11 @@
                     <a:p>
                       <a:pPr latinLnBrk="1"/>
                       <a:r>
-                        <a:rPr lang="en-US" altLang="ko-KR" sz="3200" dirty="0" smtClean="0"/>
+                        <a:rPr lang="en-US" altLang="ko-KR" sz="3200" dirty="0"/>
                         <a:t>C</a:t>
                       </a:r>
                       <a:r>
-                        <a:rPr lang="en-US" altLang="ko-KR" sz="3200" baseline="0" dirty="0" smtClean="0"/>
+                        <a:rPr lang="en-US" altLang="ko-KR" sz="3200" baseline="0" dirty="0"/>
                         <a:t> Functions</a:t>
                       </a:r>
                       <a:endParaRPr lang="ko-KR" altLang="en-US" sz="3200" dirty="0"/>
@@ -9222,7 +9175,7 @@
                     <a:p>
                       <a:pPr latinLnBrk="1"/>
                       <a:r>
-                        <a:rPr lang="en-US" altLang="ko-KR" sz="3200" dirty="0" smtClean="0"/>
+                        <a:rPr lang="en-US" altLang="ko-KR" sz="3200" dirty="0"/>
                         <a:t>CUDA C Functions</a:t>
                       </a:r>
                       <a:endParaRPr lang="ko-KR" altLang="en-US" sz="3200" dirty="0"/>
@@ -9230,6 +9183,11 @@
                   </a:txBody>
                   <a:tcPr/>
                 </a:tc>
+                <a:extLst>
+                  <a:ext uri="{0D108BD9-81ED-4DB2-BD59-A6C34878D82A}">
+                    <a16:rowId xmlns:a16="http://schemas.microsoft.com/office/drawing/2014/main" val="10000"/>
+                  </a:ext>
+                </a:extLst>
               </a:tr>
               <a:tr h="927422">
                 <a:tc>
@@ -9239,7 +9197,7 @@
                     <a:p>
                       <a:pPr latinLnBrk="1"/>
                       <a:r>
-                        <a:rPr lang="en-US" altLang="ko-KR" sz="3200" dirty="0" err="1" smtClean="0"/>
+                        <a:rPr lang="en-US" altLang="ko-KR" sz="3200" dirty="0" err="1"/>
                         <a:t>malloc</a:t>
                       </a:r>
                       <a:endParaRPr lang="ko-KR" altLang="en-US" sz="3200" dirty="0"/>
@@ -9254,11 +9212,11 @@
                     <a:p>
                       <a:pPr latinLnBrk="1"/>
                       <a:r>
-                        <a:rPr lang="en-US" altLang="ko-KR" sz="3200" dirty="0" err="1" smtClean="0"/>
+                        <a:rPr lang="en-US" altLang="ko-KR" sz="3200" dirty="0" err="1"/>
                         <a:t>cuda</a:t>
                       </a:r>
                       <a:r>
-                        <a:rPr lang="en-US" altLang="ko-KR" sz="3200" baseline="0" dirty="0" err="1" smtClean="0"/>
+                        <a:rPr lang="en-US" altLang="ko-KR" sz="3200" baseline="0" dirty="0" err="1"/>
                         <a:t>Malloc</a:t>
                       </a:r>
                       <a:endParaRPr lang="ko-KR" altLang="en-US" sz="3200" dirty="0"/>
@@ -9266,6 +9224,11 @@
                   </a:txBody>
                   <a:tcPr/>
                 </a:tc>
+                <a:extLst>
+                  <a:ext uri="{0D108BD9-81ED-4DB2-BD59-A6C34878D82A}">
+                    <a16:rowId xmlns:a16="http://schemas.microsoft.com/office/drawing/2014/main" val="10001"/>
+                  </a:ext>
+                </a:extLst>
               </a:tr>
               <a:tr h="927422">
                 <a:tc>
@@ -9275,7 +9238,7 @@
                     <a:p>
                       <a:pPr latinLnBrk="1"/>
                       <a:r>
-                        <a:rPr lang="en-US" altLang="ko-KR" sz="3200" dirty="0" err="1" smtClean="0"/>
+                        <a:rPr lang="en-US" altLang="ko-KR" sz="3200" dirty="0" err="1"/>
                         <a:t>memcpy</a:t>
                       </a:r>
                       <a:endParaRPr lang="ko-KR" altLang="en-US" sz="3200" dirty="0"/>
@@ -9290,7 +9253,7 @@
                     <a:p>
                       <a:pPr latinLnBrk="1"/>
                       <a:r>
-                        <a:rPr lang="en-US" altLang="ko-KR" sz="3200" dirty="0" err="1" smtClean="0"/>
+                        <a:rPr lang="en-US" altLang="ko-KR" sz="3200" dirty="0" err="1"/>
                         <a:t>cudaMemcpy</a:t>
                       </a:r>
                       <a:endParaRPr lang="ko-KR" altLang="en-US" sz="3200" dirty="0"/>
@@ -9298,6 +9261,11 @@
                   </a:txBody>
                   <a:tcPr/>
                 </a:tc>
+                <a:extLst>
+                  <a:ext uri="{0D108BD9-81ED-4DB2-BD59-A6C34878D82A}">
+                    <a16:rowId xmlns:a16="http://schemas.microsoft.com/office/drawing/2014/main" val="10002"/>
+                  </a:ext>
+                </a:extLst>
               </a:tr>
               <a:tr h="927422">
                 <a:tc>
@@ -9307,7 +9275,7 @@
                     <a:p>
                       <a:pPr latinLnBrk="1"/>
                       <a:r>
-                        <a:rPr lang="en-US" altLang="ko-KR" sz="3200" dirty="0" err="1" smtClean="0"/>
+                        <a:rPr lang="en-US" altLang="ko-KR" sz="3200" dirty="0" err="1"/>
                         <a:t>memset</a:t>
                       </a:r>
                       <a:endParaRPr lang="ko-KR" altLang="en-US" sz="3200" dirty="0"/>
@@ -9322,7 +9290,7 @@
                     <a:p>
                       <a:pPr latinLnBrk="1"/>
                       <a:r>
-                        <a:rPr lang="en-US" altLang="ko-KR" sz="3200" dirty="0" err="1" smtClean="0"/>
+                        <a:rPr lang="en-US" altLang="ko-KR" sz="3200" dirty="0" err="1"/>
                         <a:t>cudaMemset</a:t>
                       </a:r>
                       <a:endParaRPr lang="ko-KR" altLang="en-US" sz="3200" dirty="0"/>
@@ -9330,6 +9298,11 @@
                   </a:txBody>
                   <a:tcPr/>
                 </a:tc>
+                <a:extLst>
+                  <a:ext uri="{0D108BD9-81ED-4DB2-BD59-A6C34878D82A}">
+                    <a16:rowId xmlns:a16="http://schemas.microsoft.com/office/drawing/2014/main" val="10003"/>
+                  </a:ext>
+                </a:extLst>
               </a:tr>
               <a:tr h="927422">
                 <a:tc>
@@ -9339,7 +9312,7 @@
                     <a:p>
                       <a:pPr latinLnBrk="1"/>
                       <a:r>
-                        <a:rPr lang="en-US" altLang="ko-KR" sz="3200" dirty="0" smtClean="0"/>
+                        <a:rPr lang="en-US" altLang="ko-KR" sz="3200" dirty="0"/>
                         <a:t>free</a:t>
                       </a:r>
                       <a:endParaRPr lang="ko-KR" altLang="en-US" sz="3200" dirty="0"/>
@@ -9354,7 +9327,7 @@
                     <a:p>
                       <a:pPr latinLnBrk="1"/>
                       <a:r>
-                        <a:rPr lang="en-US" altLang="ko-KR" sz="3200" dirty="0" err="1" smtClean="0"/>
+                        <a:rPr lang="en-US" altLang="ko-KR" sz="3200" dirty="0" err="1"/>
                         <a:t>cudaFree</a:t>
                       </a:r>
                       <a:endParaRPr lang="ko-KR" altLang="en-US" sz="3200" dirty="0"/>
@@ -9362,6 +9335,11 @@
                   </a:txBody>
                   <a:tcPr/>
                 </a:tc>
+                <a:extLst>
+                  <a:ext uri="{0D108BD9-81ED-4DB2-BD59-A6C34878D82A}">
+                    <a16:rowId xmlns:a16="http://schemas.microsoft.com/office/drawing/2014/main" val="10004"/>
+                  </a:ext>
+                </a:extLst>
               </a:tr>
             </a:tbl>
           </a:graphicData>
@@ -9377,13 +9355,6 @@
   <p:clrMapOvr>
     <a:masterClrMapping/>
   </p:clrMapOvr>
-  <p:timing>
-    <p:tnLst>
-      <p:par>
-        <p:cTn id="1" dur="indefinite" restart="never" nodeType="tmRoot"/>
-      </p:par>
-    </p:tnLst>
-  </p:timing>
 </p:sld>
 </file>
 
@@ -9422,19 +9393,19 @@
           <a:lstStyle/>
           <a:p>
             <a:r>
-              <a:rPr lang="en-US" altLang="ko-KR" dirty="0" smtClean="0"/>
+              <a:rPr lang="en-US" altLang="ko-KR" dirty="0"/>
               <a:t>Allocation, </a:t>
             </a:r>
             <a:r>
-              <a:rPr lang="en-US" altLang="ko-KR" dirty="0" err="1" smtClean="0"/>
+              <a:rPr lang="en-US" altLang="ko-KR" dirty="0" err="1"/>
               <a:t>Deallocation</a:t>
             </a:r>
             <a:r>
-              <a:rPr lang="en-US" altLang="ko-KR" dirty="0" smtClean="0"/>
+              <a:rPr lang="en-US" altLang="ko-KR" dirty="0"/>
               <a:t> and Copying of Graphic Card Memory(GCM)</a:t>
             </a:r>
             <a:br>
-              <a:rPr lang="en-US" altLang="ko-KR" dirty="0" smtClean="0"/>
+              <a:rPr lang="en-US" altLang="ko-KR" dirty="0"/>
             </a:br>
             <a:endParaRPr lang="ko-KR" altLang="en-US" dirty="0"/>
           </a:p>
@@ -9461,7 +9432,7 @@
               <a:buNone/>
             </a:pPr>
             <a:r>
-              <a:rPr lang="en-US" altLang="ko-KR" dirty="0" smtClean="0"/>
+              <a:rPr lang="en-US" altLang="ko-KR" dirty="0"/>
               <a:t>1. Memory Allocation of GCM</a:t>
             </a:r>
           </a:p>
@@ -9513,7 +9484,7 @@
               <a:buNone/>
             </a:pPr>
             <a:r>
-              <a:rPr lang="en-US" altLang="ko-KR" dirty="0" smtClean="0"/>
+              <a:rPr lang="en-US" altLang="ko-KR" dirty="0"/>
               <a:t>2. Freeing GCM</a:t>
             </a:r>
           </a:p>
@@ -9522,27 +9493,27 @@
               <a:buNone/>
             </a:pPr>
             <a:r>
-              <a:rPr lang="en-US" altLang="ko-KR" dirty="0" err="1" smtClean="0"/>
+              <a:rPr lang="en-US" altLang="ko-KR" dirty="0" err="1"/>
               <a:t>cudaError_t</a:t>
             </a:r>
             <a:r>
-              <a:rPr lang="en-US" altLang="ko-KR" dirty="0" smtClean="0"/>
+              <a:rPr lang="en-US" altLang="ko-KR" dirty="0"/>
               <a:t> </a:t>
             </a:r>
             <a:r>
-              <a:rPr lang="en-US" altLang="ko-KR" dirty="0" err="1" smtClean="0"/>
+              <a:rPr lang="en-US" altLang="ko-KR" dirty="0" err="1"/>
               <a:t>cudaFree</a:t>
             </a:r>
             <a:r>
-              <a:rPr lang="en-US" altLang="ko-KR" dirty="0" smtClean="0"/>
+              <a:rPr lang="en-US" altLang="ko-KR" dirty="0"/>
               <a:t>(void* </a:t>
             </a:r>
             <a:r>
-              <a:rPr lang="en-US" altLang="ko-KR" dirty="0" err="1" smtClean="0"/>
+              <a:rPr lang="en-US" altLang="ko-KR" dirty="0" err="1"/>
               <a:t>devPtr</a:t>
             </a:r>
             <a:r>
-              <a:rPr lang="en-US" altLang="ko-KR" dirty="0" smtClean="0"/>
+              <a:rPr lang="en-US" altLang="ko-KR" dirty="0"/>
               <a:t>);</a:t>
             </a:r>
           </a:p>
@@ -9557,7 +9528,7 @@
               <a:buNone/>
             </a:pPr>
             <a:r>
-              <a:rPr lang="en-US" altLang="ko-KR" dirty="0" smtClean="0"/>
+              <a:rPr lang="en-US" altLang="ko-KR" dirty="0"/>
               <a:t>3. Copying GCM</a:t>
             </a:r>
           </a:p>
@@ -9566,55 +9537,55 @@
               <a:buNone/>
             </a:pPr>
             <a:r>
-              <a:rPr lang="en-US" altLang="ko-KR" dirty="0" err="1" smtClean="0"/>
+              <a:rPr lang="en-US" altLang="ko-KR" dirty="0" err="1"/>
               <a:t>cudaError_t</a:t>
             </a:r>
             <a:r>
-              <a:rPr lang="en-US" altLang="ko-KR" dirty="0" smtClean="0"/>
+              <a:rPr lang="en-US" altLang="ko-KR" dirty="0"/>
               <a:t> </a:t>
             </a:r>
             <a:r>
-              <a:rPr lang="en-US" altLang="ko-KR" dirty="0" err="1" smtClean="0"/>
+              <a:rPr lang="en-US" altLang="ko-KR" dirty="0" err="1"/>
               <a:t>cudaMemcpy</a:t>
             </a:r>
             <a:r>
-              <a:rPr lang="en-US" altLang="ko-KR" dirty="0" smtClean="0"/>
+              <a:rPr lang="en-US" altLang="ko-KR" dirty="0"/>
               <a:t>(void* </a:t>
             </a:r>
             <a:r>
-              <a:rPr lang="en-US" altLang="ko-KR" dirty="0" err="1" smtClean="0"/>
+              <a:rPr lang="en-US" altLang="ko-KR" dirty="0" err="1"/>
               <a:t>dst</a:t>
             </a:r>
             <a:r>
-              <a:rPr lang="en-US" altLang="ko-KR" dirty="0" smtClean="0"/>
+              <a:rPr lang="en-US" altLang="ko-KR" dirty="0"/>
               <a:t>, </a:t>
             </a:r>
             <a:r>
-              <a:rPr lang="en-US" altLang="ko-KR" dirty="0" err="1" smtClean="0"/>
+              <a:rPr lang="en-US" altLang="ko-KR" dirty="0" err="1"/>
               <a:t>const</a:t>
             </a:r>
             <a:r>
-              <a:rPr lang="en-US" altLang="ko-KR" dirty="0" smtClean="0"/>
+              <a:rPr lang="en-US" altLang="ko-KR" dirty="0"/>
               <a:t> void* </a:t>
             </a:r>
             <a:r>
-              <a:rPr lang="en-US" altLang="ko-KR" dirty="0" err="1" smtClean="0"/>
+              <a:rPr lang="en-US" altLang="ko-KR" dirty="0" err="1"/>
               <a:t>src</a:t>
             </a:r>
             <a:r>
-              <a:rPr lang="en-US" altLang="ko-KR" dirty="0" smtClean="0"/>
+              <a:rPr lang="en-US" altLang="ko-KR" dirty="0"/>
               <a:t>, </a:t>
             </a:r>
             <a:r>
-              <a:rPr lang="en-US" altLang="ko-KR" dirty="0" err="1" smtClean="0"/>
+              <a:rPr lang="en-US" altLang="ko-KR" dirty="0" err="1"/>
               <a:t>size_t</a:t>
             </a:r>
             <a:r>
-              <a:rPr lang="en-US" altLang="ko-KR" dirty="0" smtClean="0"/>
+              <a:rPr lang="en-US" altLang="ko-KR" dirty="0"/>
               <a:t> count, </a:t>
             </a:r>
             <a:r>
-              <a:rPr lang="en-US" altLang="ko-KR" dirty="0" err="1" smtClean="0">
+              <a:rPr lang="en-US" altLang="ko-KR" dirty="0" err="1">
                 <a:solidFill>
                   <a:srgbClr val="FF0000"/>
                 </a:solidFill>
@@ -9622,17 +9593,16 @@
               <a:t>cudaMemcpyHostToDevice</a:t>
             </a:r>
             <a:r>
-              <a:rPr lang="en-US" altLang="ko-KR" dirty="0" smtClean="0"/>
+              <a:rPr lang="en-US" altLang="ko-KR" dirty="0"/>
               <a:t>);</a:t>
             </a:r>
-            <a:endParaRPr lang="en-US" altLang="ko-KR" dirty="0"/>
           </a:p>
           <a:p>
             <a:pPr marL="514350" indent="-514350">
               <a:buFont typeface="+mj-lt"/>
               <a:buAutoNum type="arabicPeriod"/>
             </a:pPr>
-            <a:endParaRPr lang="en-US" altLang="ko-KR" dirty="0" smtClean="0"/>
+            <a:endParaRPr lang="en-US" altLang="ko-KR" dirty="0"/>
           </a:p>
           <a:p>
             <a:pPr marL="0" indent="0">
@@ -9695,13 +9665,6 @@
   <p:clrMapOvr>
     <a:masterClrMapping/>
   </p:clrMapOvr>
-  <p:timing>
-    <p:tnLst>
-      <p:par>
-        <p:cTn id="1" dur="indefinite" restart="never" nodeType="tmRoot"/>
-      </p:par>
-    </p:tnLst>
-  </p:timing>
 </p:sld>
 </file>
 
@@ -9757,15 +9720,15 @@
           <a:lstStyle/>
           <a:p>
             <a:r>
-              <a:rPr lang="en-US" altLang="ko-KR" dirty="0" smtClean="0"/>
+              <a:rPr lang="en-US" altLang="ko-KR" dirty="0"/>
               <a:t>Every CUDA call returns </a:t>
             </a:r>
             <a:r>
-              <a:rPr lang="en-US" altLang="ko-KR" dirty="0" err="1" smtClean="0"/>
+              <a:rPr lang="en-US" altLang="ko-KR" dirty="0" err="1"/>
               <a:t>cudaSuccess</a:t>
             </a:r>
             <a:r>
-              <a:rPr lang="en-US" altLang="ko-KR" dirty="0" smtClean="0"/>
+              <a:rPr lang="en-US" altLang="ko-KR" dirty="0"/>
               <a:t> or </a:t>
             </a:r>
           </a:p>
@@ -9774,11 +9737,11 @@
               <a:buNone/>
             </a:pPr>
             <a:r>
-              <a:rPr lang="en-US" altLang="ko-KR" dirty="0" smtClean="0"/>
+              <a:rPr lang="en-US" altLang="ko-KR" dirty="0"/>
               <a:t>    </a:t>
             </a:r>
             <a:r>
-              <a:rPr lang="en-US" altLang="ko-KR" dirty="0" err="1" smtClean="0"/>
+              <a:rPr lang="en-US" altLang="ko-KR" dirty="0" err="1"/>
               <a:t>cudaErrorMemoryAllocation</a:t>
             </a:r>
             <a:endParaRPr lang="ko-KR" altLang="en-US" dirty="0"/>
@@ -9795,13 +9758,6 @@
   <p:clrMapOvr>
     <a:masterClrMapping/>
   </p:clrMapOvr>
-  <p:timing>
-    <p:tnLst>
-      <p:par>
-        <p:cTn id="1" dur="indefinite" restart="never" nodeType="tmRoot"/>
-      </p:par>
-    </p:tnLst>
-  </p:timing>
 </p:sld>
 </file>
 
@@ -9838,11 +9794,11 @@
           <a:lstStyle/>
           <a:p>
             <a:r>
-              <a:rPr lang="en-US" altLang="ko-KR" dirty="0" err="1" smtClean="0"/>
+              <a:rPr lang="en-US" altLang="ko-KR" dirty="0" err="1"/>
               <a:t>cudaMemcpy</a:t>
             </a:r>
             <a:r>
-              <a:rPr lang="en-US" altLang="ko-KR" dirty="0" smtClean="0"/>
+              <a:rPr lang="en-US" altLang="ko-KR" dirty="0"/>
               <a:t>(  )</a:t>
             </a:r>
             <a:endParaRPr lang="ko-KR" altLang="en-US" dirty="0"/>
@@ -9865,15 +9821,15 @@
           <a:lstStyle/>
           <a:p>
             <a:r>
-              <a:rPr lang="en-US" altLang="ko-KR" dirty="0" smtClean="0"/>
+              <a:rPr lang="en-US" altLang="ko-KR" dirty="0"/>
               <a:t>Last parameter of </a:t>
             </a:r>
             <a:r>
-              <a:rPr lang="en-US" altLang="ko-KR" dirty="0" err="1" smtClean="0"/>
+              <a:rPr lang="en-US" altLang="ko-KR" dirty="0" err="1"/>
               <a:t>cudaMemcpy</a:t>
             </a:r>
             <a:r>
-              <a:rPr lang="en-US" altLang="ko-KR" dirty="0" smtClean="0"/>
+              <a:rPr lang="en-US" altLang="ko-KR" dirty="0"/>
               <a:t>( )</a:t>
             </a:r>
           </a:p>
@@ -9946,8 +9902,20 @@
                 <a:tableStyleId>{5C22544A-7EE6-4342-B048-85BDC9FD1C3A}</a:tableStyleId>
               </a:tblPr>
               <a:tblGrid>
-                <a:gridCol w="4608512"/>
-                <a:gridCol w="3888432"/>
+                <a:gridCol w="4608512">
+                  <a:extLst>
+                    <a:ext uri="{9D8B030D-6E8A-4147-A177-3AD203B41FA5}">
+                      <a16:colId xmlns:a16="http://schemas.microsoft.com/office/drawing/2014/main" val="20000"/>
+                    </a:ext>
+                  </a:extLst>
+                </a:gridCol>
+                <a:gridCol w="3888432">
+                  <a:extLst>
+                    <a:ext uri="{9D8B030D-6E8A-4147-A177-3AD203B41FA5}">
+                      <a16:colId xmlns:a16="http://schemas.microsoft.com/office/drawing/2014/main" val="20001"/>
+                    </a:ext>
+                  </a:extLst>
+                </a:gridCol>
               </a:tblGrid>
               <a:tr h="662474">
                 <a:tc>
@@ -9957,7 +9925,7 @@
                     <a:p>
                       <a:pPr latinLnBrk="1"/>
                       <a:r>
-                        <a:rPr lang="en-US" altLang="ko-KR" sz="2800" dirty="0" smtClean="0"/>
+                        <a:rPr lang="en-US" altLang="ko-KR" sz="2800" dirty="0"/>
                         <a:t>Parameter</a:t>
                       </a:r>
                       <a:endParaRPr lang="ko-KR" altLang="en-US" sz="2800" dirty="0"/>
@@ -9972,7 +9940,7 @@
                     <a:p>
                       <a:pPr latinLnBrk="1"/>
                       <a:r>
-                        <a:rPr lang="en-US" altLang="ko-KR" sz="2800" dirty="0" smtClean="0"/>
+                        <a:rPr lang="en-US" altLang="ko-KR" sz="2800" dirty="0"/>
                         <a:t>Action</a:t>
                       </a:r>
                       <a:endParaRPr lang="ko-KR" altLang="en-US" sz="2800" dirty="0"/>
@@ -9980,6 +9948,11 @@
                   </a:txBody>
                   <a:tcPr/>
                 </a:tc>
+                <a:extLst>
+                  <a:ext uri="{0D108BD9-81ED-4DB2-BD59-A6C34878D82A}">
+                    <a16:rowId xmlns:a16="http://schemas.microsoft.com/office/drawing/2014/main" val="10000"/>
+                  </a:ext>
+                </a:extLst>
               </a:tr>
               <a:tr h="662474">
                 <a:tc>
@@ -9989,7 +9962,7 @@
                     <a:p>
                       <a:pPr latinLnBrk="1"/>
                       <a:r>
-                        <a:rPr lang="en-US" altLang="ko-KR" sz="2800" b="1" dirty="0" err="1" smtClean="0"/>
+                        <a:rPr lang="en-US" altLang="ko-KR" sz="2800" b="1" dirty="0" err="1"/>
                         <a:t>cudaMemcpyHostToHost</a:t>
                       </a:r>
                       <a:endParaRPr lang="ko-KR" altLang="en-US" sz="2800" b="1" dirty="0"/>
@@ -10004,11 +9977,11 @@
                     <a:p>
                       <a:pPr latinLnBrk="1"/>
                       <a:r>
-                        <a:rPr lang="en-US" altLang="ko-KR" sz="2800" dirty="0" smtClean="0"/>
+                        <a:rPr lang="en-US" altLang="ko-KR" sz="2800" dirty="0"/>
                         <a:t>Copy</a:t>
                       </a:r>
                       <a:r>
-                        <a:rPr lang="en-US" altLang="ko-KR" sz="2800" baseline="0" dirty="0" smtClean="0"/>
+                        <a:rPr lang="en-US" altLang="ko-KR" sz="2800" baseline="0" dirty="0"/>
                         <a:t> from MM to MM</a:t>
                       </a:r>
                       <a:endParaRPr lang="ko-KR" altLang="en-US" sz="2800" dirty="0"/>
@@ -10016,6 +9989,11 @@
                   </a:txBody>
                   <a:tcPr/>
                 </a:tc>
+                <a:extLst>
+                  <a:ext uri="{0D108BD9-81ED-4DB2-BD59-A6C34878D82A}">
+                    <a16:rowId xmlns:a16="http://schemas.microsoft.com/office/drawing/2014/main" val="10001"/>
+                  </a:ext>
+                </a:extLst>
               </a:tr>
               <a:tr h="662474">
                 <a:tc>
@@ -10025,7 +10003,7 @@
                     <a:p>
                       <a:pPr latinLnBrk="1"/>
                       <a:r>
-                        <a:rPr lang="en-US" altLang="ko-KR" sz="2800" b="1" dirty="0" err="1" smtClean="0"/>
+                        <a:rPr lang="en-US" altLang="ko-KR" sz="2800" b="1" dirty="0" err="1"/>
                         <a:t>cudaMemcpyHostToDevice</a:t>
                       </a:r>
                       <a:endParaRPr lang="ko-KR" altLang="en-US" sz="2800" b="1" dirty="0"/>
@@ -10040,11 +10018,11 @@
                     <a:p>
                       <a:pPr latinLnBrk="1"/>
                       <a:r>
-                        <a:rPr lang="en-US" altLang="ko-KR" sz="2800" dirty="0" smtClean="0"/>
+                        <a:rPr lang="en-US" altLang="ko-KR" sz="2800" dirty="0"/>
                         <a:t>Copy</a:t>
                       </a:r>
                       <a:r>
-                        <a:rPr lang="en-US" altLang="ko-KR" sz="2800" baseline="0" dirty="0" smtClean="0"/>
+                        <a:rPr lang="en-US" altLang="ko-KR" sz="2800" baseline="0" dirty="0"/>
                         <a:t> from MM to GCM</a:t>
                       </a:r>
                       <a:endParaRPr lang="ko-KR" altLang="en-US" sz="2800" dirty="0"/>
@@ -10052,6 +10030,11 @@
                   </a:txBody>
                   <a:tcPr/>
                 </a:tc>
+                <a:extLst>
+                  <a:ext uri="{0D108BD9-81ED-4DB2-BD59-A6C34878D82A}">
+                    <a16:rowId xmlns:a16="http://schemas.microsoft.com/office/drawing/2014/main" val="10002"/>
+                  </a:ext>
+                </a:extLst>
               </a:tr>
               <a:tr h="662474">
                 <a:tc>
@@ -10061,7 +10044,7 @@
                     <a:p>
                       <a:pPr latinLnBrk="1"/>
                       <a:r>
-                        <a:rPr lang="en-US" altLang="ko-KR" sz="2800" b="1" dirty="0" err="1" smtClean="0"/>
+                        <a:rPr lang="en-US" altLang="ko-KR" sz="2800" b="1" dirty="0" err="1"/>
                         <a:t>cudaMemcpyDeviceToHost</a:t>
                       </a:r>
                       <a:endParaRPr lang="ko-KR" altLang="en-US" sz="2800" b="1" dirty="0"/>
@@ -10076,7 +10059,7 @@
                     <a:p>
                       <a:pPr latinLnBrk="1"/>
                       <a:r>
-                        <a:rPr lang="en-US" altLang="ko-KR" sz="2800" dirty="0" smtClean="0"/>
+                        <a:rPr lang="en-US" altLang="ko-KR" sz="2800" dirty="0"/>
                         <a:t>Copy from GCM to MM</a:t>
                       </a:r>
                       <a:endParaRPr lang="ko-KR" altLang="en-US" sz="2800" dirty="0"/>
@@ -10084,6 +10067,11 @@
                   </a:txBody>
                   <a:tcPr/>
                 </a:tc>
+                <a:extLst>
+                  <a:ext uri="{0D108BD9-81ED-4DB2-BD59-A6C34878D82A}">
+                    <a16:rowId xmlns:a16="http://schemas.microsoft.com/office/drawing/2014/main" val="10003"/>
+                  </a:ext>
+                </a:extLst>
               </a:tr>
               <a:tr h="662474">
                 <a:tc>
@@ -10093,7 +10081,7 @@
                     <a:p>
                       <a:pPr latinLnBrk="1"/>
                       <a:r>
-                        <a:rPr lang="en-US" altLang="ko-KR" sz="2800" b="1" dirty="0" err="1" smtClean="0"/>
+                        <a:rPr lang="en-US" altLang="ko-KR" sz="2800" b="1" dirty="0" err="1"/>
                         <a:t>cudaMemcpyDeviceToDevice</a:t>
                       </a:r>
                       <a:endParaRPr lang="ko-KR" altLang="en-US" sz="2800" b="1" dirty="0"/>
@@ -10108,7 +10096,7 @@
                     <a:p>
                       <a:pPr latinLnBrk="1"/>
                       <a:r>
-                        <a:rPr lang="en-US" altLang="ko-KR" sz="2800" dirty="0" smtClean="0"/>
+                        <a:rPr lang="en-US" altLang="ko-KR" sz="2800" dirty="0"/>
                         <a:t>Copy from GCM to GCM</a:t>
                       </a:r>
                       <a:endParaRPr lang="ko-KR" altLang="en-US" sz="2800" dirty="0"/>
@@ -10116,6 +10104,11 @@
                   </a:txBody>
                   <a:tcPr/>
                 </a:tc>
+                <a:extLst>
+                  <a:ext uri="{0D108BD9-81ED-4DB2-BD59-A6C34878D82A}">
+                    <a16:rowId xmlns:a16="http://schemas.microsoft.com/office/drawing/2014/main" val="10004"/>
+                  </a:ext>
+                </a:extLst>
               </a:tr>
             </a:tbl>
           </a:graphicData>
@@ -10131,13 +10124,6 @@
   <p:clrMapOvr>
     <a:masterClrMapping/>
   </p:clrMapOvr>
-  <p:timing>
-    <p:tnLst>
-      <p:par>
-        <p:cTn id="1" dur="indefinite" restart="never" nodeType="tmRoot"/>
-      </p:par>
-    </p:tnLst>
-  </p:timing>
 </p:sld>
 </file>
 
@@ -10174,7 +10160,7 @@
           <a:lstStyle/>
           <a:p>
             <a:r>
-              <a:rPr lang="en-US" altLang="ko-KR" dirty="0" smtClean="0"/>
+              <a:rPr lang="en-US" altLang="ko-KR" dirty="0"/>
               <a:t>Flynn’s Taxonomy</a:t>
             </a:r>
             <a:endParaRPr lang="ko-KR" altLang="en-US" dirty="0"/>
@@ -10310,7 +10296,7 @@
           <a:lstStyle/>
           <a:p>
             <a:r>
-              <a:rPr lang="en-US" altLang="ko-KR" dirty="0" smtClean="0"/>
+              <a:rPr lang="en-US" altLang="ko-KR" dirty="0"/>
               <a:t>GPU Parallel Processing</a:t>
             </a:r>
             <a:endParaRPr lang="ko-KR" altLang="en-US" dirty="0"/>
@@ -10446,13 +10432,6 @@
   <p:clrMapOvr>
     <a:masterClrMapping/>
   </p:clrMapOvr>
-  <p:timing>
-    <p:tnLst>
-      <p:par>
-        <p:cTn id="1" dur="indefinite" restart="never" nodeType="tmRoot"/>
-      </p:par>
-    </p:tnLst>
-  </p:timing>
 </p:sld>
 </file>
 
@@ -10489,7 +10468,7 @@
           <a:lstStyle/>
           <a:p>
             <a:r>
-              <a:rPr lang="en-US" altLang="ko-KR" dirty="0" smtClean="0"/>
+              <a:rPr lang="en-US" altLang="ko-KR" dirty="0"/>
               <a:t>Processing Procedure</a:t>
             </a:r>
             <a:endParaRPr lang="ko-KR" altLang="en-US" dirty="0"/>
@@ -10518,7 +10497,7 @@
               <a:buAutoNum type="arabicPeriod"/>
             </a:pPr>
             <a:r>
-              <a:rPr lang="en-US" altLang="ko-KR" dirty="0" smtClean="0"/>
+              <a:rPr lang="en-US" altLang="ko-KR" dirty="0"/>
               <a:t>Allocation of I/O Main Memory</a:t>
             </a:r>
           </a:p>
@@ -10528,7 +10507,7 @@
               <a:buAutoNum type="arabicPeriod"/>
             </a:pPr>
             <a:r>
-              <a:rPr lang="en-US" altLang="ko-KR" dirty="0" smtClean="0"/>
+              <a:rPr lang="en-US" altLang="ko-KR" dirty="0"/>
               <a:t>Allocation of I/O GCM</a:t>
             </a:r>
           </a:p>
@@ -10538,7 +10517,7 @@
               <a:buAutoNum type="arabicPeriod"/>
             </a:pPr>
             <a:r>
-              <a:rPr lang="en-US" altLang="ko-KR" dirty="0" smtClean="0"/>
+              <a:rPr lang="en-US" altLang="ko-KR" dirty="0"/>
               <a:t>Input data to Main Memory</a:t>
             </a:r>
           </a:p>
@@ -10548,7 +10527,7 @@
               <a:buAutoNum type="arabicPeriod"/>
             </a:pPr>
             <a:r>
-              <a:rPr lang="en-US" altLang="ko-KR" dirty="0" smtClean="0"/>
+              <a:rPr lang="en-US" altLang="ko-KR" dirty="0"/>
               <a:t>Copy input data from MM to GCM</a:t>
             </a:r>
           </a:p>
@@ -10558,7 +10537,7 @@
               <a:buAutoNum type="arabicPeriod"/>
             </a:pPr>
             <a:r>
-              <a:rPr lang="en-US" altLang="ko-KR" dirty="0" smtClean="0"/>
+              <a:rPr lang="en-US" altLang="ko-KR" dirty="0"/>
               <a:t>Distribute the data to the memory of GPU</a:t>
             </a:r>
           </a:p>
@@ -10568,7 +10547,7 @@
               <a:buAutoNum type="arabicPeriod"/>
             </a:pPr>
             <a:r>
-              <a:rPr lang="en-US" altLang="ko-KR" dirty="0" smtClean="0"/>
+              <a:rPr lang="en-US" altLang="ko-KR" dirty="0"/>
               <a:t>Process by executing threads in parallel</a:t>
             </a:r>
           </a:p>
@@ -10578,7 +10557,7 @@
               <a:buAutoNum type="arabicPeriod"/>
             </a:pPr>
             <a:r>
-              <a:rPr lang="en-US" altLang="ko-KR" dirty="0" smtClean="0"/>
+              <a:rPr lang="en-US" altLang="ko-KR" dirty="0"/>
               <a:t>Load the process data to the output GCM</a:t>
             </a:r>
           </a:p>
@@ -10588,7 +10567,7 @@
               <a:buAutoNum type="arabicPeriod"/>
             </a:pPr>
             <a:r>
-              <a:rPr lang="en-US" altLang="ko-KR" dirty="0" smtClean="0"/>
+              <a:rPr lang="en-US" altLang="ko-KR" dirty="0"/>
               <a:t>Send the output data of GCM to MM</a:t>
             </a:r>
           </a:p>
@@ -10598,7 +10577,7 @@
               <a:buAutoNum type="arabicPeriod"/>
             </a:pPr>
             <a:r>
-              <a:rPr lang="en-US" altLang="ko-KR" dirty="0" smtClean="0"/>
+              <a:rPr lang="en-US" altLang="ko-KR" dirty="0"/>
               <a:t>Free GCM</a:t>
             </a:r>
           </a:p>
@@ -10608,7 +10587,7 @@
               <a:buAutoNum type="arabicPeriod"/>
             </a:pPr>
             <a:r>
-              <a:rPr lang="en-US" altLang="ko-KR" dirty="0" smtClean="0"/>
+              <a:rPr lang="en-US" altLang="ko-KR" dirty="0"/>
               <a:t>Free MM</a:t>
             </a:r>
             <a:endParaRPr lang="ko-KR" altLang="en-US" dirty="0"/>
@@ -10661,13 +10640,6 @@
   <p:clrMapOvr>
     <a:masterClrMapping/>
   </p:clrMapOvr>
-  <p:timing>
-    <p:tnLst>
-      <p:par>
-        <p:cTn id="1" dur="indefinite" restart="never" nodeType="tmRoot"/>
-      </p:par>
-    </p:tnLst>
-  </p:timing>
 </p:sld>
 </file>
 
@@ -10704,7 +10676,7 @@
           <a:lstStyle/>
           <a:p>
             <a:r>
-              <a:rPr lang="en-US" altLang="ko-KR" dirty="0" smtClean="0"/>
+              <a:rPr lang="en-US" altLang="ko-KR" dirty="0"/>
               <a:t>Host and Device</a:t>
             </a:r>
             <a:endParaRPr lang="ko-KR" altLang="en-US" dirty="0"/>
@@ -10727,13 +10699,13 @@
           <a:lstStyle/>
           <a:p>
             <a:r>
-              <a:rPr lang="en-US" altLang="ko-KR" dirty="0" smtClean="0"/>
+              <a:rPr lang="en-US" altLang="ko-KR" dirty="0"/>
               <a:t>Host:  The CPU and the System’s Memory</a:t>
             </a:r>
           </a:p>
           <a:p>
             <a:r>
-              <a:rPr lang="en-US" altLang="ko-KR" dirty="0" smtClean="0"/>
+              <a:rPr lang="en-US" altLang="ko-KR" dirty="0"/>
               <a:t>Device: the GPU and its memory</a:t>
             </a:r>
             <a:endParaRPr lang="ko-KR" altLang="en-US" dirty="0"/>
@@ -10786,13 +10758,6 @@
   <p:clrMapOvr>
     <a:masterClrMapping/>
   </p:clrMapOvr>
-  <p:timing>
-    <p:tnLst>
-      <p:par>
-        <p:cTn id="1" dur="indefinite" restart="never" nodeType="tmRoot"/>
-      </p:par>
-    </p:tnLst>
-  </p:timing>
 </p:sld>
 </file>
 
@@ -10829,7 +10794,7 @@
           <a:lstStyle/>
           <a:p>
             <a:r>
-              <a:rPr lang="en-US" altLang="ko-KR" dirty="0" smtClean="0"/>
+              <a:rPr lang="en-US" altLang="ko-KR" dirty="0"/>
               <a:t>Kernel Function of CUDA</a:t>
             </a:r>
             <a:endParaRPr lang="ko-KR" altLang="en-US" dirty="0"/>
@@ -10857,7 +10822,7 @@
               <a:buNone/>
             </a:pPr>
             <a:r>
-              <a:rPr lang="en-US" altLang="ko-KR" u="sng" dirty="0" smtClean="0">
+              <a:rPr lang="en-US" altLang="ko-KR" u="sng" dirty="0">
                 <a:solidFill>
                   <a:srgbClr val="FF0000"/>
                 </a:solidFill>
@@ -10870,39 +10835,39 @@
               <a:buNone/>
             </a:pPr>
             <a:r>
-              <a:rPr lang="en-US" altLang="ko-KR" dirty="0" smtClean="0"/>
+              <a:rPr lang="en-US" altLang="ko-KR" dirty="0"/>
               <a:t>_ _ global_ _ void </a:t>
             </a:r>
             <a:r>
-              <a:rPr lang="en-US" altLang="ko-KR" dirty="0" err="1" smtClean="0"/>
+              <a:rPr lang="en-US" altLang="ko-KR" dirty="0" err="1"/>
               <a:t>KernelFunction</a:t>
             </a:r>
             <a:r>
-              <a:rPr lang="en-US" altLang="ko-KR" dirty="0" smtClean="0"/>
+              <a:rPr lang="en-US" altLang="ko-KR" dirty="0"/>
               <a:t>(</a:t>
             </a:r>
             <a:r>
-              <a:rPr lang="en-US" altLang="ko-KR" dirty="0" err="1" smtClean="0"/>
+              <a:rPr lang="en-US" altLang="ko-KR" dirty="0" err="1"/>
               <a:t>int</a:t>
             </a:r>
             <a:r>
-              <a:rPr lang="en-US" altLang="ko-KR" dirty="0" smtClean="0"/>
+              <a:rPr lang="en-US" altLang="ko-KR" dirty="0"/>
               <a:t> a , </a:t>
             </a:r>
             <a:r>
-              <a:rPr lang="en-US" altLang="ko-KR" dirty="0" err="1" smtClean="0"/>
+              <a:rPr lang="en-US" altLang="ko-KR" dirty="0" err="1"/>
               <a:t>int</a:t>
             </a:r>
             <a:r>
-              <a:rPr lang="en-US" altLang="ko-KR" dirty="0" smtClean="0"/>
+              <a:rPr lang="en-US" altLang="ko-KR" dirty="0"/>
               <a:t> b, </a:t>
             </a:r>
             <a:r>
-              <a:rPr lang="en-US" altLang="ko-KR" dirty="0" err="1" smtClean="0"/>
+              <a:rPr lang="en-US" altLang="ko-KR" dirty="0" err="1"/>
               <a:t>int</a:t>
             </a:r>
             <a:r>
-              <a:rPr lang="en-US" altLang="ko-KR" dirty="0" smtClean="0"/>
+              <a:rPr lang="en-US" altLang="ko-KR" dirty="0"/>
               <a:t> c)</a:t>
             </a:r>
           </a:p>
@@ -10911,7 +10876,7 @@
               <a:buNone/>
             </a:pPr>
             <a:r>
-              <a:rPr lang="en-US" altLang="ko-KR" dirty="0" smtClean="0"/>
+              <a:rPr lang="en-US" altLang="ko-KR" dirty="0"/>
               <a:t>{</a:t>
             </a:r>
           </a:p>
@@ -10921,11 +10886,7 @@
             </a:pPr>
             <a:r>
               <a:rPr lang="en-US" altLang="ko-KR" dirty="0"/>
-              <a:t> </a:t>
-            </a:r>
-            <a:r>
-              <a:rPr lang="en-US" altLang="ko-KR" dirty="0" smtClean="0"/>
-              <a:t>  ….</a:t>
+              <a:t>   ….</a:t>
             </a:r>
           </a:p>
           <a:p>
@@ -10933,7 +10894,7 @@
               <a:buNone/>
             </a:pPr>
             <a:r>
-              <a:rPr lang="en-US" altLang="ko-KR" dirty="0" smtClean="0"/>
+              <a:rPr lang="en-US" altLang="ko-KR" dirty="0"/>
               <a:t>}</a:t>
             </a:r>
           </a:p>
@@ -10942,7 +10903,7 @@
               <a:buNone/>
             </a:pPr>
             <a:r>
-              <a:rPr lang="en-US" altLang="ko-KR" dirty="0" smtClean="0"/>
+              <a:rPr lang="en-US" altLang="ko-KR" dirty="0"/>
               <a:t>/* </a:t>
             </a:r>
           </a:p>
@@ -10951,11 +10912,11 @@
               <a:buNone/>
             </a:pPr>
             <a:r>
-              <a:rPr lang="en-US" altLang="ko-KR" dirty="0" smtClean="0"/>
+              <a:rPr lang="en-US" altLang="ko-KR" dirty="0"/>
               <a:t>Qualifier </a:t>
             </a:r>
             <a:r>
-              <a:rPr lang="en-US" altLang="ko-KR" dirty="0" smtClean="0">
+              <a:rPr lang="en-US" altLang="ko-KR" dirty="0">
                 <a:solidFill>
                   <a:srgbClr val="FF0000"/>
                 </a:solidFill>
@@ -10963,7 +10924,7 @@
               <a:t>_ _ global_ _ </a:t>
             </a:r>
             <a:r>
-              <a:rPr lang="en-US" altLang="ko-KR" dirty="0" smtClean="0"/>
+              <a:rPr lang="en-US" altLang="ko-KR" dirty="0"/>
               <a:t>: It alerts the compiler that a function should be compiled to run on a device instead of the host.</a:t>
             </a:r>
           </a:p>
@@ -10972,7 +10933,7 @@
               <a:buNone/>
             </a:pPr>
             <a:r>
-              <a:rPr lang="en-US" altLang="ko-KR" dirty="0" smtClean="0"/>
+              <a:rPr lang="en-US" altLang="ko-KR" dirty="0"/>
               <a:t>No return value: void</a:t>
             </a:r>
           </a:p>
@@ -10981,7 +10942,7 @@
               <a:buNone/>
             </a:pPr>
             <a:r>
-              <a:rPr lang="en-US" altLang="ko-KR" dirty="0" smtClean="0"/>
+              <a:rPr lang="en-US" altLang="ko-KR" dirty="0"/>
               <a:t>*/</a:t>
             </a:r>
             <a:endParaRPr lang="ko-KR" altLang="en-US" dirty="0"/>
@@ -11034,13 +10995,6 @@
   <p:clrMapOvr>
     <a:masterClrMapping/>
   </p:clrMapOvr>
-  <p:timing>
-    <p:tnLst>
-      <p:par>
-        <p:cTn id="1" dur="indefinite" restart="never" nodeType="tmRoot"/>
-      </p:par>
-    </p:tnLst>
-  </p:timing>
 </p:sld>
 </file>
 
@@ -11077,16 +11031,12 @@
           <a:lstStyle/>
           <a:p>
             <a:r>
-              <a:rPr lang="en-US" altLang="ko-KR" dirty="0" smtClean="0"/>
+              <a:rPr lang="en-US" altLang="ko-KR" dirty="0"/>
               <a:t>Calling a </a:t>
             </a:r>
             <a:r>
               <a:rPr lang="en-US" altLang="ko-KR" dirty="0" err="1"/>
-              <a:t>K</a:t>
-            </a:r>
-            <a:r>
-              <a:rPr lang="en-US" altLang="ko-KR" dirty="0" err="1" smtClean="0"/>
-              <a:t>ernelFunction</a:t>
+              <a:t>KernelFunction</a:t>
             </a:r>
             <a:endParaRPr lang="ko-KR" altLang="en-US" dirty="0"/>
           </a:p>
@@ -11113,15 +11063,15 @@
               <a:buNone/>
             </a:pPr>
             <a:r>
-              <a:rPr lang="en-US" altLang="ko-KR" dirty="0" smtClean="0"/>
+              <a:rPr lang="en-US" altLang="ko-KR" dirty="0"/>
               <a:t>#include &lt;</a:t>
             </a:r>
             <a:r>
-              <a:rPr lang="en-US" altLang="ko-KR" dirty="0" err="1" smtClean="0"/>
+              <a:rPr lang="en-US" altLang="ko-KR" dirty="0" err="1"/>
               <a:t>stdio.h</a:t>
             </a:r>
             <a:r>
-              <a:rPr lang="en-US" altLang="ko-KR" dirty="0" smtClean="0"/>
+              <a:rPr lang="en-US" altLang="ko-KR" dirty="0"/>
               <a:t>&gt;</a:t>
             </a:r>
           </a:p>
@@ -11136,23 +11086,23 @@
               <a:buNone/>
             </a:pPr>
             <a:r>
-              <a:rPr lang="en-US" altLang="ko-KR" dirty="0" smtClean="0"/>
+              <a:rPr lang="en-US" altLang="ko-KR" dirty="0"/>
               <a:t>__global__ void kernel(</a:t>
             </a:r>
             <a:r>
-              <a:rPr lang="en-US" altLang="ko-KR" dirty="0" err="1" smtClean="0"/>
+              <a:rPr lang="en-US" altLang="ko-KR" dirty="0" err="1"/>
               <a:t>int</a:t>
             </a:r>
             <a:r>
-              <a:rPr lang="en-US" altLang="ko-KR" dirty="0" smtClean="0"/>
+              <a:rPr lang="en-US" altLang="ko-KR" dirty="0"/>
               <a:t> a, </a:t>
             </a:r>
             <a:r>
-              <a:rPr lang="en-US" altLang="ko-KR" dirty="0" err="1" smtClean="0"/>
+              <a:rPr lang="en-US" altLang="ko-KR" dirty="0" err="1"/>
               <a:t>int</a:t>
             </a:r>
             <a:r>
-              <a:rPr lang="en-US" altLang="ko-KR" dirty="0" smtClean="0"/>
+              <a:rPr lang="en-US" altLang="ko-KR" dirty="0"/>
               <a:t> b){</a:t>
             </a:r>
           </a:p>
@@ -11165,19 +11115,19 @@
               <a:t>	</a:t>
             </a:r>
             <a:r>
-              <a:rPr lang="en-US" altLang="ko-KR" dirty="0" err="1" smtClean="0"/>
+              <a:rPr lang="en-US" altLang="ko-KR" dirty="0" err="1"/>
               <a:t>int</a:t>
             </a:r>
             <a:r>
-              <a:rPr lang="en-US" altLang="ko-KR" dirty="0" smtClean="0"/>
+              <a:rPr lang="en-US" altLang="ko-KR" dirty="0"/>
               <a:t> sum=</a:t>
             </a:r>
             <a:r>
-              <a:rPr lang="en-US" altLang="ko-KR" dirty="0" err="1" smtClean="0"/>
+              <a:rPr lang="en-US" altLang="ko-KR" dirty="0" err="1"/>
               <a:t>a+b</a:t>
             </a:r>
             <a:r>
-              <a:rPr lang="en-US" altLang="ko-KR" dirty="0" smtClean="0"/>
+              <a:rPr lang="en-US" altLang="ko-KR" dirty="0"/>
               <a:t>;</a:t>
             </a:r>
           </a:p>
@@ -11186,7 +11136,7 @@
               <a:buNone/>
             </a:pPr>
             <a:r>
-              <a:rPr lang="en-US" altLang="ko-KR" dirty="0" smtClean="0"/>
+              <a:rPr lang="en-US" altLang="ko-KR" dirty="0"/>
               <a:t>}</a:t>
             </a:r>
           </a:p>
@@ -11195,11 +11145,11 @@
               <a:buNone/>
             </a:pPr>
             <a:r>
-              <a:rPr lang="en-US" altLang="ko-KR" dirty="0" err="1" smtClean="0"/>
+              <a:rPr lang="en-US" altLang="ko-KR" dirty="0" err="1"/>
               <a:t>int</a:t>
             </a:r>
             <a:r>
-              <a:rPr lang="en-US" altLang="ko-KR" dirty="0" smtClean="0"/>
+              <a:rPr lang="en-US" altLang="ko-KR" dirty="0"/>
               <a:t> main()</a:t>
             </a:r>
           </a:p>
@@ -11208,7 +11158,7 @@
               <a:buNone/>
             </a:pPr>
             <a:r>
-              <a:rPr lang="en-US" altLang="ko-KR" dirty="0" smtClean="0"/>
+              <a:rPr lang="en-US" altLang="ko-KR" dirty="0"/>
               <a:t>{</a:t>
             </a:r>
           </a:p>
@@ -11218,14 +11168,10 @@
             </a:pPr>
             <a:r>
               <a:rPr lang="en-US" altLang="ko-KR" dirty="0"/>
-              <a:t>	</a:t>
-            </a:r>
-            <a:r>
-              <a:rPr lang="en-US" altLang="ko-KR" dirty="0" smtClean="0"/>
-              <a:t>kernel</a:t>
-            </a:r>
-            <a:r>
-              <a:rPr lang="en-US" altLang="ko-KR" dirty="0" smtClean="0">
+              <a:t>	kernel</a:t>
+            </a:r>
+            <a:r>
+              <a:rPr lang="en-US" altLang="ko-KR" dirty="0">
                 <a:solidFill>
                   <a:srgbClr val="FF0000"/>
                 </a:solidFill>
@@ -11233,7 +11179,7 @@
               <a:t>&lt;&lt;&lt;6, 1&gt;&gt;&gt;</a:t>
             </a:r>
             <a:r>
-              <a:rPr lang="en-US" altLang="ko-KR" dirty="0" smtClean="0"/>
+              <a:rPr lang="en-US" altLang="ko-KR" dirty="0"/>
               <a:t>(10,21);</a:t>
             </a:r>
           </a:p>
@@ -11246,11 +11192,11 @@
               <a:t>	</a:t>
             </a:r>
             <a:r>
-              <a:rPr lang="en-US" altLang="ko-KR" dirty="0" err="1" smtClean="0"/>
+              <a:rPr lang="en-US" altLang="ko-KR" dirty="0" err="1"/>
               <a:t>printf</a:t>
             </a:r>
             <a:r>
-              <a:rPr lang="en-US" altLang="ko-KR" dirty="0" smtClean="0"/>
+              <a:rPr lang="en-US" altLang="ko-KR" dirty="0"/>
               <a:t>(…);</a:t>
             </a:r>
           </a:p>
@@ -11262,7 +11208,6 @@
               <a:rPr lang="en-US" altLang="ko-KR" dirty="0"/>
               <a:t>}</a:t>
             </a:r>
-            <a:endParaRPr lang="en-US" altLang="ko-KR" dirty="0" smtClean="0"/>
           </a:p>
         </p:txBody>
       </p:sp>
@@ -11312,13 +11257,6 @@
   <p:clrMapOvr>
     <a:masterClrMapping/>
   </p:clrMapOvr>
-  <p:timing>
-    <p:tnLst>
-      <p:par>
-        <p:cTn id="1" dur="indefinite" restart="never" nodeType="tmRoot"/>
-      </p:par>
-    </p:tnLst>
-  </p:timing>
 </p:sld>
 </file>
 
@@ -11355,7 +11293,7 @@
           <a:lstStyle/>
           <a:p>
             <a:r>
-              <a:rPr lang="en-US" altLang="ko-KR" dirty="0" smtClean="0"/>
+              <a:rPr lang="en-US" altLang="ko-KR" dirty="0"/>
               <a:t>Kernel&lt;&lt;&lt;6,1&gt;&gt;&gt;(10,21)</a:t>
             </a:r>
             <a:endParaRPr lang="ko-KR" altLang="en-US" dirty="0"/>
@@ -11378,7 +11316,7 @@
           <a:lstStyle/>
           <a:p>
             <a:r>
-              <a:rPr lang="en-US" altLang="ko-KR" dirty="0" smtClean="0"/>
+              <a:rPr lang="en-US" altLang="ko-KR" dirty="0"/>
               <a:t>&lt;&lt;&lt;6,1&gt;&gt;&gt; ; the number of blocks = 6, </a:t>
             </a:r>
           </a:p>
@@ -11387,7 +11325,7 @@
               <a:buNone/>
             </a:pPr>
             <a:r>
-              <a:rPr lang="en-US" altLang="ko-KR" dirty="0" smtClean="0"/>
+              <a:rPr lang="en-US" altLang="ko-KR" dirty="0"/>
               <a:t>		   the number of thread(s) per 				block=1.</a:t>
             </a:r>
             <a:endParaRPr lang="ko-KR" altLang="en-US" dirty="0"/>
@@ -11440,13 +11378,6 @@
   <p:clrMapOvr>
     <a:masterClrMapping/>
   </p:clrMapOvr>
-  <p:timing>
-    <p:tnLst>
-      <p:par>
-        <p:cTn id="1" dur="indefinite" restart="never" nodeType="tmRoot"/>
-      </p:par>
-    </p:tnLst>
-  </p:timing>
 </p:sld>
 </file>
 
@@ -11483,7 +11414,7 @@
           <a:lstStyle/>
           <a:p>
             <a:r>
-              <a:rPr lang="en-US" altLang="ko-KR" dirty="0" smtClean="0"/>
+              <a:rPr lang="en-US" altLang="ko-KR" dirty="0"/>
               <a:t>Thread-Block-Grid Model</a:t>
             </a:r>
             <a:endParaRPr lang="ko-KR" altLang="en-US" dirty="0"/>
@@ -12510,7 +12441,7 @@
           <a:lstStyle/>
           <a:p>
             <a:r>
-              <a:rPr lang="en-US" altLang="ko-KR" dirty="0" smtClean="0"/>
+              <a:rPr lang="en-US" altLang="ko-KR" dirty="0"/>
               <a:t>thread</a:t>
             </a:r>
             <a:endParaRPr lang="ko-KR" altLang="en-US" dirty="0"/>
@@ -12540,7 +12471,7 @@
           <a:lstStyle/>
           <a:p>
             <a:r>
-              <a:rPr lang="en-US" altLang="ko-KR" dirty="0" smtClean="0"/>
+              <a:rPr lang="en-US" altLang="ko-KR" dirty="0"/>
               <a:t>block</a:t>
             </a:r>
             <a:endParaRPr lang="ko-KR" altLang="en-US" dirty="0"/>
@@ -12570,7 +12501,7 @@
           <a:lstStyle/>
           <a:p>
             <a:r>
-              <a:rPr lang="en-US" altLang="ko-KR" dirty="0" smtClean="0"/>
+              <a:rPr lang="en-US" altLang="ko-KR" dirty="0"/>
               <a:t>grid</a:t>
             </a:r>
             <a:endParaRPr lang="ko-KR" altLang="en-US" dirty="0"/>
@@ -12587,13 +12518,6 @@
   <p:clrMapOvr>
     <a:masterClrMapping/>
   </p:clrMapOvr>
-  <p:timing>
-    <p:tnLst>
-      <p:par>
-        <p:cTn id="1" dur="indefinite" restart="never" nodeType="tmRoot"/>
-      </p:par>
-    </p:tnLst>
-  </p:timing>
 </p:sld>
 </file>
 
@@ -12635,14 +12559,14 @@
           <a:lstStyle/>
           <a:p>
             <a:r>
-              <a:rPr lang="en-US" altLang="ko-KR" dirty="0" smtClean="0"/>
+              <a:rPr lang="en-US" altLang="ko-KR" dirty="0"/>
               <a:t>Memory Hierarchy and</a:t>
             </a:r>
             <a:br>
-              <a:rPr lang="en-US" altLang="ko-KR" dirty="0" smtClean="0"/>
+              <a:rPr lang="en-US" altLang="ko-KR" dirty="0"/>
             </a:br>
             <a:r>
-              <a:rPr lang="en-US" altLang="ko-KR" dirty="0" smtClean="0"/>
+              <a:rPr lang="en-US" altLang="ko-KR" dirty="0"/>
               <a:t> Thread-Block-Grid</a:t>
             </a:r>
             <a:endParaRPr lang="ko-KR" altLang="en-US" dirty="0"/>
@@ -12718,7 +12642,7 @@
           <a:lstStyle/>
           <a:p>
             <a:r>
-              <a:rPr lang="en-US" altLang="ko-KR" sz="3200" dirty="0" smtClean="0">
+              <a:rPr lang="en-US" altLang="ko-KR" sz="3200" dirty="0">
                 <a:latin typeface="+mn-lt"/>
               </a:rPr>
               <a:t>GRID</a:t>
@@ -12807,7 +12731,7 @@
           <a:p>
             <a:pPr algn="ctr"/>
             <a:r>
-              <a:rPr lang="en-US" altLang="ko-KR" dirty="0" smtClean="0"/>
+              <a:rPr lang="en-US" altLang="ko-KR" dirty="0"/>
               <a:t>Shared Memory</a:t>
             </a:r>
             <a:endParaRPr lang="ko-KR" altLang="en-US" dirty="0"/>
@@ -12851,7 +12775,7 @@
           <a:p>
             <a:pPr algn="ctr"/>
             <a:r>
-              <a:rPr lang="en-US" altLang="ko-KR" dirty="0" smtClean="0"/>
+              <a:rPr lang="en-US" altLang="ko-KR" dirty="0"/>
               <a:t>Thread(0,0)</a:t>
             </a:r>
             <a:endParaRPr lang="ko-KR" altLang="en-US" dirty="0"/>
@@ -12895,7 +12819,7 @@
           <a:p>
             <a:pPr algn="ctr"/>
             <a:r>
-              <a:rPr lang="en-US" altLang="ko-KR" dirty="0" smtClean="0"/>
+              <a:rPr lang="en-US" altLang="ko-KR" dirty="0"/>
               <a:t>Thread(1,0)</a:t>
             </a:r>
             <a:endParaRPr lang="ko-KR" altLang="en-US" dirty="0"/>
@@ -12939,7 +12863,7 @@
           <a:p>
             <a:pPr algn="ctr"/>
             <a:r>
-              <a:rPr lang="en-US" altLang="ko-KR" dirty="0" smtClean="0"/>
+              <a:rPr lang="en-US" altLang="ko-KR" dirty="0"/>
               <a:t>Thread(2,0)</a:t>
             </a:r>
             <a:endParaRPr lang="ko-KR" altLang="en-US" dirty="0"/>
@@ -12983,7 +12907,7 @@
           <a:p>
             <a:pPr algn="ctr"/>
             <a:r>
-              <a:rPr lang="en-US" altLang="ko-KR" dirty="0" smtClean="0"/>
+              <a:rPr lang="en-US" altLang="ko-KR" dirty="0"/>
               <a:t>Thread(3,0)</a:t>
             </a:r>
             <a:endParaRPr lang="ko-KR" altLang="en-US" dirty="0"/>
@@ -13013,7 +12937,7 @@
           <a:lstStyle/>
           <a:p>
             <a:r>
-              <a:rPr lang="en-US" altLang="ko-KR" sz="3200" dirty="0" smtClean="0">
+              <a:rPr lang="en-US" altLang="ko-KR" sz="3200" dirty="0">
                 <a:latin typeface="+mn-lt"/>
               </a:rPr>
               <a:t>Block(0,0)</a:t>
@@ -13064,7 +12988,7 @@
           <a:p>
             <a:pPr algn="ctr"/>
             <a:r>
-              <a:rPr lang="en-US" altLang="ko-KR" dirty="0" smtClean="0"/>
+              <a:rPr lang="en-US" altLang="ko-KR" dirty="0"/>
               <a:t>Global Memory</a:t>
             </a:r>
             <a:endParaRPr lang="ko-KR" altLang="en-US" dirty="0"/>
@@ -13111,7 +13035,7 @@
           <a:p>
             <a:pPr algn="ctr"/>
             <a:r>
-              <a:rPr lang="en-US" altLang="ko-KR" sz="3200" dirty="0" smtClean="0"/>
+              <a:rPr lang="en-US" altLang="ko-KR" sz="3200" dirty="0"/>
               <a:t>Host</a:t>
             </a:r>
             <a:endParaRPr lang="ko-KR" altLang="en-US" sz="3200" dirty="0"/>
@@ -13528,14 +13452,14 @@
           <a:lstStyle/>
           <a:p>
             <a:r>
-              <a:rPr lang="en-US" altLang="ko-KR" dirty="0" err="1" smtClean="0">
+              <a:rPr lang="en-US" altLang="ko-KR" dirty="0" err="1">
                 <a:latin typeface="Arial Unicode MS" pitchFamily="50" charset="-127"/>
                 <a:ea typeface="Arial Unicode MS" pitchFamily="50" charset="-127"/>
                 <a:cs typeface="Arial Unicode MS" pitchFamily="50" charset="-127"/>
               </a:rPr>
               <a:t>cudaMalloc</a:t>
             </a:r>
-            <a:endParaRPr lang="en-US" altLang="ko-KR" dirty="0" smtClean="0">
+            <a:endParaRPr lang="en-US" altLang="ko-KR" dirty="0">
               <a:latin typeface="Arial Unicode MS" pitchFamily="50" charset="-127"/>
               <a:ea typeface="Arial Unicode MS" pitchFamily="50" charset="-127"/>
               <a:cs typeface="Arial Unicode MS" pitchFamily="50" charset="-127"/>
@@ -13543,14 +13467,14 @@
           </a:p>
           <a:p>
             <a:r>
-              <a:rPr lang="en-US" altLang="ko-KR" dirty="0" err="1" smtClean="0">
+              <a:rPr lang="en-US" altLang="ko-KR" dirty="0" err="1">
                 <a:latin typeface="Arial Unicode MS" pitchFamily="50" charset="-127"/>
                 <a:ea typeface="Arial Unicode MS" pitchFamily="50" charset="-127"/>
                 <a:cs typeface="Arial Unicode MS" pitchFamily="50" charset="-127"/>
               </a:rPr>
               <a:t>cudaMemcpy</a:t>
             </a:r>
-            <a:endParaRPr lang="en-US" altLang="ko-KR" dirty="0" smtClean="0">
+            <a:endParaRPr lang="en-US" altLang="ko-KR" dirty="0">
               <a:latin typeface="Arial Unicode MS" pitchFamily="50" charset="-127"/>
               <a:ea typeface="Arial Unicode MS" pitchFamily="50" charset="-127"/>
               <a:cs typeface="Arial Unicode MS" pitchFamily="50" charset="-127"/>
@@ -13558,14 +13482,14 @@
           </a:p>
           <a:p>
             <a:r>
-              <a:rPr lang="en-US" altLang="ko-KR" dirty="0" err="1" smtClean="0">
+              <a:rPr lang="en-US" altLang="ko-KR" dirty="0" err="1">
                 <a:latin typeface="Arial Unicode MS" pitchFamily="50" charset="-127"/>
                 <a:ea typeface="Arial Unicode MS" pitchFamily="50" charset="-127"/>
                 <a:cs typeface="Arial Unicode MS" pitchFamily="50" charset="-127"/>
               </a:rPr>
               <a:t>cudaMemset</a:t>
             </a:r>
-            <a:endParaRPr lang="en-US" altLang="ko-KR" dirty="0" smtClean="0">
+            <a:endParaRPr lang="en-US" altLang="ko-KR" dirty="0">
               <a:latin typeface="Arial Unicode MS" pitchFamily="50" charset="-127"/>
               <a:ea typeface="Arial Unicode MS" pitchFamily="50" charset="-127"/>
               <a:cs typeface="Arial Unicode MS" pitchFamily="50" charset="-127"/>
@@ -13573,7 +13497,7 @@
           </a:p>
           <a:p>
             <a:r>
-              <a:rPr lang="en-US" altLang="ko-KR" dirty="0" err="1" smtClean="0">
+              <a:rPr lang="en-US" altLang="ko-KR" dirty="0" err="1">
                 <a:latin typeface="Arial Unicode MS" pitchFamily="50" charset="-127"/>
                 <a:ea typeface="Arial Unicode MS" pitchFamily="50" charset="-127"/>
                 <a:cs typeface="Arial Unicode MS" pitchFamily="50" charset="-127"/>
@@ -13611,7 +13535,7 @@
           <a:lstStyle/>
           <a:p>
             <a:r>
-              <a:rPr lang="en-US" altLang="ko-KR" sz="2000" b="1" dirty="0" smtClean="0">
+              <a:rPr lang="en-US" altLang="ko-KR" sz="2000" b="1" dirty="0">
                 <a:solidFill>
                   <a:srgbClr val="FF0000"/>
                 </a:solidFill>
@@ -13638,13 +13562,6 @@
   <p:clrMapOvr>
     <a:masterClrMapping/>
   </p:clrMapOvr>
-  <p:timing>
-    <p:tnLst>
-      <p:par>
-        <p:cTn id="1" dur="indefinite" restart="never" nodeType="tmRoot"/>
-      </p:par>
-    </p:tnLst>
-  </p:timing>
 </p:sld>
 </file>
 
@@ -13681,31 +13598,9 @@
           <a:lstStyle/>
           <a:p>
             <a:r>
-              <a:rPr lang="en-US" altLang="ko-KR" dirty="0" smtClean="0"/>
+              <a:rPr lang="en-US" altLang="ko-KR" dirty="0"/>
               <a:t>CUDA Processor Architecture</a:t>
             </a:r>
-            <a:endParaRPr lang="ko-KR" altLang="en-US" dirty="0"/>
-          </a:p>
-        </p:txBody>
-      </p:sp>
-      <p:sp>
-        <p:nvSpPr>
-          <p:cNvPr id="3" name="내용 개체 틀 2"/>
-          <p:cNvSpPr>
-            <a:spLocks noGrp="1"/>
-          </p:cNvSpPr>
-          <p:nvPr>
-            <p:ph idx="1"/>
-          </p:nvPr>
-        </p:nvSpPr>
-        <p:spPr/>
-        <p:txBody>
-          <a:bodyPr/>
-          <a:lstStyle/>
-          <a:p>
-            <a:pPr marL="0" indent="0">
-              <a:buNone/>
-            </a:pPr>
             <a:endParaRPr lang="ko-KR" altLang="en-US" dirty="0"/>
           </a:p>
         </p:txBody>
@@ -13820,13 +13715,6 @@
   <p:clrMapOvr>
     <a:masterClrMapping/>
   </p:clrMapOvr>
-  <p:timing>
-    <p:tnLst>
-      <p:par>
-        <p:cTn id="1" dur="indefinite" restart="never" nodeType="tmRoot"/>
-      </p:par>
-    </p:tnLst>
-  </p:timing>
 </p:sld>
 </file>
 
@@ -13863,28 +13751,9 @@
           <a:lstStyle/>
           <a:p>
             <a:r>
-              <a:rPr lang="en-US" altLang="ko-KR" dirty="0" smtClean="0"/>
+              <a:rPr lang="en-US" altLang="ko-KR" dirty="0"/>
               <a:t>Streaming Processor(SP)</a:t>
             </a:r>
-            <a:endParaRPr lang="ko-KR" altLang="en-US" dirty="0"/>
-          </a:p>
-        </p:txBody>
-      </p:sp>
-      <p:sp>
-        <p:nvSpPr>
-          <p:cNvPr id="3" name="내용 개체 틀 2"/>
-          <p:cNvSpPr>
-            <a:spLocks noGrp="1"/>
-          </p:cNvSpPr>
-          <p:nvPr>
-            <p:ph idx="1"/>
-          </p:nvPr>
-        </p:nvSpPr>
-        <p:spPr/>
-        <p:txBody>
-          <a:bodyPr/>
-          <a:lstStyle/>
-          <a:p>
             <a:endParaRPr lang="ko-KR" altLang="en-US" dirty="0"/>
           </a:p>
         </p:txBody>
@@ -13999,13 +13868,6 @@
   <p:clrMapOvr>
     <a:masterClrMapping/>
   </p:clrMapOvr>
-  <p:timing>
-    <p:tnLst>
-      <p:par>
-        <p:cTn id="1" dur="indefinite" restart="never" nodeType="tmRoot"/>
-      </p:par>
-    </p:tnLst>
-  </p:timing>
 </p:sld>
 </file>
 
@@ -14042,7 +13904,7 @@
           <a:lstStyle/>
           <a:p>
             <a:r>
-              <a:rPr lang="en-US" altLang="ko-KR" sz="3200" b="1" dirty="0" smtClean="0"/>
+              <a:rPr lang="en-US" altLang="ko-KR" sz="3200" b="1" dirty="0"/>
               <a:t>Classification based on the memory organization</a:t>
             </a:r>
             <a:endParaRPr lang="ko-KR" altLang="en-US" sz="3200" b="1" dirty="0"/>
@@ -14065,7 +13927,7 @@
           <a:lstStyle/>
           <a:p>
             <a:r>
-              <a:rPr lang="en-US" altLang="ko-KR" sz="3600" dirty="0" smtClean="0"/>
+              <a:rPr lang="en-US" altLang="ko-KR" sz="3600" dirty="0"/>
               <a:t>Multi-node with distributed memory</a:t>
             </a:r>
           </a:p>
@@ -14075,16 +13937,12 @@
             </a:pPr>
             <a:r>
               <a:rPr lang="en-US" altLang="ko-KR" sz="3600" dirty="0"/>
-              <a:t>	</a:t>
-            </a:r>
-            <a:r>
-              <a:rPr lang="en-US" altLang="ko-KR" sz="3600" dirty="0" smtClean="0"/>
-              <a:t>(Shared nothing architecture)</a:t>
-            </a:r>
-          </a:p>
-          <a:p>
-            <a:r>
-              <a:rPr lang="en-US" altLang="ko-KR" sz="3600" dirty="0" smtClean="0"/>
+              <a:t>	(Shared nothing architecture)</a:t>
+            </a:r>
+          </a:p>
+          <a:p>
+            <a:r>
+              <a:rPr lang="en-US" altLang="ko-KR" sz="3600" dirty="0"/>
               <a:t>Multiprocessor with shared memory</a:t>
             </a:r>
           </a:p>
@@ -14094,17 +13952,13 @@
             </a:pPr>
             <a:r>
               <a:rPr lang="en-US" altLang="ko-KR" sz="3600" dirty="0"/>
-              <a:t>	</a:t>
-            </a:r>
-            <a:r>
-              <a:rPr lang="en-US" altLang="ko-KR" sz="3600" dirty="0" smtClean="0"/>
-              <a:t>(Shared </a:t>
-            </a:r>
-            <a:r>
-              <a:rPr lang="en-US" altLang="ko-KR" sz="3600" smtClean="0"/>
+              <a:t>	(Shared </a:t>
+            </a:r>
+            <a:r>
+              <a:rPr lang="en-US" altLang="ko-KR" sz="3600"/>
               <a:t>everything architecture)</a:t>
             </a:r>
-            <a:endParaRPr lang="en-US" altLang="ko-KR" sz="3600" dirty="0" smtClean="0"/>
+            <a:endParaRPr lang="en-US" altLang="ko-KR" sz="3600" dirty="0"/>
           </a:p>
           <a:p>
             <a:pPr marL="457200" lvl="1" indent="0">
@@ -14112,11 +13966,7 @@
             </a:pPr>
             <a:r>
               <a:rPr lang="en-US" altLang="ko-KR" dirty="0"/>
-              <a:t> </a:t>
-            </a:r>
-            <a:r>
-              <a:rPr lang="en-US" altLang="ko-KR" dirty="0" smtClean="0"/>
-              <a:t>  	</a:t>
+              <a:t>   	</a:t>
             </a:r>
             <a:endParaRPr lang="ko-KR" altLang="en-US" dirty="0"/>
           </a:p>
@@ -14168,7 +14018,7 @@
           <a:lstStyle/>
           <a:p>
             <a:r>
-              <a:rPr lang="en-US" altLang="ko-KR" dirty="0" smtClean="0"/>
+              <a:rPr lang="en-US" altLang="ko-KR" dirty="0"/>
               <a:t>SM(Streaming Multiprocessor)</a:t>
             </a:r>
             <a:endParaRPr lang="ko-KR" altLang="en-US" dirty="0"/>
@@ -14304,13 +14154,6 @@
   <p:clrMapOvr>
     <a:masterClrMapping/>
   </p:clrMapOvr>
-  <p:timing>
-    <p:tnLst>
-      <p:par>
-        <p:cTn id="1" dur="indefinite" restart="never" nodeType="tmRoot"/>
-      </p:par>
-    </p:tnLst>
-  </p:timing>
 </p:sld>
 </file>
 
@@ -14347,31 +14190,19 @@
           <a:lstStyle/>
           <a:p>
             <a:r>
-              <a:rPr lang="en-US" altLang="ko-KR" dirty="0" smtClean="0"/>
+              <a:rPr lang="en-US" altLang="ko-KR" dirty="0"/>
               <a:t>Heterogeneous Computing</a:t>
             </a:r>
             <a:br>
-              <a:rPr lang="en-US" altLang="ko-KR" dirty="0" smtClean="0"/>
+              <a:rPr lang="en-US" altLang="ko-KR" dirty="0"/>
             </a:br>
             <a:r>
               <a:rPr lang="en-US" altLang="ko-KR" dirty="0"/>
-              <a:t> </a:t>
-            </a:r>
-            <a:r>
-              <a:rPr lang="en-US" altLang="ko-KR" dirty="0" smtClean="0"/>
-              <a:t>         						</a:t>
-            </a:r>
-            <a:r>
-              <a:rPr lang="en-US" altLang="ko-KR" sz="2400" dirty="0" smtClean="0"/>
-              <a:t>[</a:t>
+              <a:t>          						</a:t>
             </a:r>
             <a:r>
               <a:rPr lang="en-US" altLang="ko-KR" sz="2400" dirty="0"/>
-              <a:t>N</a:t>
-            </a:r>
-            <a:r>
-              <a:rPr lang="en-US" altLang="ko-KR" sz="2400" dirty="0" smtClean="0"/>
-              <a:t>VIDIA]</a:t>
+              <a:t>[NVIDIA]</a:t>
             </a:r>
             <a:endParaRPr lang="ko-KR" altLang="en-US" sz="2400" dirty="0"/>
           </a:p>
@@ -14506,7 +14337,7 @@
           <a:lstStyle/>
           <a:p>
             <a:r>
-              <a:rPr lang="en-US" altLang="ko-KR" dirty="0" smtClean="0"/>
+              <a:rPr lang="en-US" altLang="ko-KR" dirty="0"/>
               <a:t>NVIDIA’s GPU</a:t>
             </a:r>
             <a:endParaRPr lang="ko-KR" altLang="en-US" dirty="0"/>
@@ -14539,8 +14370,20 @@
                 <a:tableStyleId>{5C22544A-7EE6-4342-B048-85BDC9FD1C3A}</a:tableStyleId>
               </a:tblPr>
               <a:tblGrid>
-                <a:gridCol w="1693597"/>
-                <a:gridCol w="6669675"/>
+                <a:gridCol w="1693597">
+                  <a:extLst>
+                    <a:ext uri="{9D8B030D-6E8A-4147-A177-3AD203B41FA5}">
+                      <a16:colId xmlns:a16="http://schemas.microsoft.com/office/drawing/2014/main" val="20000"/>
+                    </a:ext>
+                  </a:extLst>
+                </a:gridCol>
+                <a:gridCol w="6669675">
+                  <a:extLst>
+                    <a:ext uri="{9D8B030D-6E8A-4147-A177-3AD203B41FA5}">
+                      <a16:colId xmlns:a16="http://schemas.microsoft.com/office/drawing/2014/main" val="20001"/>
+                    </a:ext>
+                  </a:extLst>
+                </a:gridCol>
               </a:tblGrid>
               <a:tr h="871246">
                 <a:tc>
@@ -14550,7 +14393,7 @@
                     <a:p>
                       <a:pPr latinLnBrk="1"/>
                       <a:r>
-                        <a:rPr lang="en-US" altLang="ko-KR" dirty="0" err="1" smtClean="0"/>
+                        <a:rPr lang="en-US" altLang="ko-KR" dirty="0" err="1"/>
                         <a:t>Tegra</a:t>
                       </a:r>
                       <a:endParaRPr lang="ko-KR" altLang="en-US" dirty="0"/>
@@ -14565,11 +14408,11 @@
                     <a:p>
                       <a:pPr latinLnBrk="1"/>
                       <a:r>
-                        <a:rPr lang="en-US" altLang="ko-KR" dirty="0" smtClean="0"/>
+                        <a:rPr lang="en-US" altLang="ko-KR" dirty="0"/>
                         <a:t>For</a:t>
                       </a:r>
                       <a:r>
-                        <a:rPr lang="en-US" altLang="ko-KR" baseline="0" dirty="0" smtClean="0"/>
+                        <a:rPr lang="en-US" altLang="ko-KR" baseline="0" dirty="0"/>
                         <a:t> mobile and embedded devices such as tablets and phones.</a:t>
                       </a:r>
                       <a:endParaRPr lang="ko-KR" altLang="en-US" dirty="0"/>
@@ -14577,6 +14420,11 @@
                   </a:txBody>
                   <a:tcPr/>
                 </a:tc>
+                <a:extLst>
+                  <a:ext uri="{0D108BD9-81ED-4DB2-BD59-A6C34878D82A}">
+                    <a16:rowId xmlns:a16="http://schemas.microsoft.com/office/drawing/2014/main" val="10000"/>
+                  </a:ext>
+                </a:extLst>
               </a:tr>
               <a:tr h="871246">
                 <a:tc>
@@ -14586,7 +14434,7 @@
                     <a:p>
                       <a:pPr latinLnBrk="1"/>
                       <a:r>
-                        <a:rPr lang="en-US" altLang="ko-KR" dirty="0" smtClean="0"/>
+                        <a:rPr lang="en-US" altLang="ko-KR" dirty="0"/>
                         <a:t>GeForce</a:t>
                       </a:r>
                       <a:endParaRPr lang="ko-KR" altLang="en-US" dirty="0"/>
@@ -14601,7 +14449,7 @@
                     <a:p>
                       <a:pPr latinLnBrk="1"/>
                       <a:r>
-                        <a:rPr lang="en-US" altLang="ko-KR" dirty="0" smtClean="0"/>
+                        <a:rPr lang="en-US" altLang="ko-KR" dirty="0"/>
                         <a:t>For consumer graphics.</a:t>
                       </a:r>
                       <a:endParaRPr lang="ko-KR" altLang="en-US" dirty="0"/>
@@ -14609,6 +14457,11 @@
                   </a:txBody>
                   <a:tcPr/>
                 </a:tc>
+                <a:extLst>
+                  <a:ext uri="{0D108BD9-81ED-4DB2-BD59-A6C34878D82A}">
+                    <a16:rowId xmlns:a16="http://schemas.microsoft.com/office/drawing/2014/main" val="10001"/>
+                  </a:ext>
+                </a:extLst>
               </a:tr>
               <a:tr h="871246">
                 <a:tc>
@@ -14618,7 +14471,7 @@
                     <a:p>
                       <a:pPr latinLnBrk="1"/>
                       <a:r>
-                        <a:rPr lang="en-US" altLang="ko-KR" dirty="0" err="1" smtClean="0"/>
+                        <a:rPr lang="en-US" altLang="ko-KR" dirty="0" err="1"/>
                         <a:t>Quadro</a:t>
                       </a:r>
                       <a:endParaRPr lang="ko-KR" altLang="en-US" dirty="0"/>
@@ -14633,19 +14486,19 @@
                     <a:p>
                       <a:pPr latinLnBrk="1"/>
                       <a:r>
-                        <a:rPr lang="en-US" altLang="ko-KR" dirty="0" smtClean="0"/>
+                        <a:rPr lang="en-US" altLang="ko-KR" dirty="0"/>
                         <a:t>For</a:t>
                       </a:r>
                       <a:r>
-                        <a:rPr lang="en-US" altLang="ko-KR" baseline="0" dirty="0" smtClean="0"/>
+                        <a:rPr lang="en-US" altLang="ko-KR" baseline="0" dirty="0"/>
                         <a:t> </a:t>
                       </a:r>
                       <a:r>
-                        <a:rPr lang="en-US" altLang="ko-KR" baseline="0" dirty="0" err="1" smtClean="0"/>
+                        <a:rPr lang="en-US" altLang="ko-KR" baseline="0" dirty="0" err="1"/>
                         <a:t>professionl</a:t>
                       </a:r>
                       <a:r>
-                        <a:rPr lang="en-US" altLang="ko-KR" baseline="0" dirty="0" smtClean="0"/>
+                        <a:rPr lang="en-US" altLang="ko-KR" baseline="0" dirty="0"/>
                         <a:t> visualization.</a:t>
                       </a:r>
                       <a:endParaRPr lang="ko-KR" altLang="en-US" dirty="0"/>
@@ -14653,6 +14506,11 @@
                   </a:txBody>
                   <a:tcPr/>
                 </a:tc>
+                <a:extLst>
+                  <a:ext uri="{0D108BD9-81ED-4DB2-BD59-A6C34878D82A}">
+                    <a16:rowId xmlns:a16="http://schemas.microsoft.com/office/drawing/2014/main" val="10002"/>
+                  </a:ext>
+                </a:extLst>
               </a:tr>
               <a:tr h="871246">
                 <a:tc>
@@ -14662,7 +14520,7 @@
                     <a:p>
                       <a:pPr latinLnBrk="1"/>
                       <a:r>
-                        <a:rPr lang="en-US" altLang="ko-KR" dirty="0" smtClean="0"/>
+                        <a:rPr lang="en-US" altLang="ko-KR" dirty="0"/>
                         <a:t>Tesla</a:t>
                       </a:r>
                       <a:endParaRPr lang="ko-KR" altLang="en-US" dirty="0"/>
@@ -14677,19 +14535,19 @@
                     <a:p>
                       <a:pPr latinLnBrk="1"/>
                       <a:r>
-                        <a:rPr lang="en-US" altLang="ko-KR" dirty="0" smtClean="0"/>
+                        <a:rPr lang="en-US" altLang="ko-KR" dirty="0"/>
                         <a:t>For data</a:t>
                       </a:r>
                       <a:r>
-                        <a:rPr lang="en-US" altLang="ko-KR" baseline="0" dirty="0" smtClean="0"/>
+                        <a:rPr lang="en-US" altLang="ko-KR" baseline="0" dirty="0"/>
                         <a:t> center parallel computing. Fermi: GPU accelerator in the Tesla product family.  </a:t>
                       </a:r>
                       <a:r>
-                        <a:rPr lang="en-US" altLang="ko-KR" baseline="0" dirty="0" err="1" smtClean="0"/>
+                        <a:rPr lang="en-US" altLang="ko-KR" baseline="0" dirty="0" err="1"/>
                         <a:t>Kepler</a:t>
                       </a:r>
                       <a:r>
-                        <a:rPr lang="en-US" altLang="ko-KR" baseline="0" dirty="0" smtClean="0"/>
+                        <a:rPr lang="en-US" altLang="ko-KR" baseline="0" dirty="0"/>
                         <a:t>: the current generation of GPU computing architecture after Fermi.</a:t>
                       </a:r>
                       <a:endParaRPr lang="ko-KR" altLang="en-US" dirty="0"/>
@@ -14697,6 +14555,11 @@
                   </a:txBody>
                   <a:tcPr/>
                 </a:tc>
+                <a:extLst>
+                  <a:ext uri="{0D108BD9-81ED-4DB2-BD59-A6C34878D82A}">
+                    <a16:rowId xmlns:a16="http://schemas.microsoft.com/office/drawing/2014/main" val="10003"/>
+                  </a:ext>
+                </a:extLst>
               </a:tr>
             </a:tbl>
           </a:graphicData>
@@ -14712,13 +14575,6 @@
   <p:clrMapOvr>
     <a:masterClrMapping/>
   </p:clrMapOvr>
-  <p:timing>
-    <p:tnLst>
-      <p:par>
-        <p:cTn id="1" dur="indefinite" restart="never" nodeType="tmRoot"/>
-      </p:par>
-    </p:tnLst>
-  </p:timing>
 </p:sld>
 </file>
 
@@ -14755,11 +14611,11 @@
           <a:lstStyle/>
           <a:p>
             <a:r>
-              <a:rPr lang="en-US" altLang="ko-KR" dirty="0" smtClean="0"/>
+              <a:rPr lang="en-US" altLang="ko-KR" dirty="0"/>
               <a:t>Fermi and </a:t>
             </a:r>
             <a:r>
-              <a:rPr lang="en-US" altLang="ko-KR" dirty="0" err="1" smtClean="0"/>
+              <a:rPr lang="en-US" altLang="ko-KR" dirty="0" err="1"/>
               <a:t>Kepler</a:t>
             </a:r>
             <a:endParaRPr lang="ko-KR" altLang="en-US" dirty="0"/>
@@ -14792,9 +14648,27 @@
                 <a:tableStyleId>{5C22544A-7EE6-4342-B048-85BDC9FD1C3A}</a:tableStyleId>
               </a:tblPr>
               <a:tblGrid>
-                <a:gridCol w="2763755"/>
-                <a:gridCol w="2763755"/>
-                <a:gridCol w="2763755"/>
+                <a:gridCol w="2763755">
+                  <a:extLst>
+                    <a:ext uri="{9D8B030D-6E8A-4147-A177-3AD203B41FA5}">
+                      <a16:colId xmlns:a16="http://schemas.microsoft.com/office/drawing/2014/main" val="20000"/>
+                    </a:ext>
+                  </a:extLst>
+                </a:gridCol>
+                <a:gridCol w="2763755">
+                  <a:extLst>
+                    <a:ext uri="{9D8B030D-6E8A-4147-A177-3AD203B41FA5}">
+                      <a16:colId xmlns:a16="http://schemas.microsoft.com/office/drawing/2014/main" val="20001"/>
+                    </a:ext>
+                  </a:extLst>
+                </a:gridCol>
+                <a:gridCol w="2763755">
+                  <a:extLst>
+                    <a:ext uri="{9D8B030D-6E8A-4147-A177-3AD203B41FA5}">
+                      <a16:colId xmlns:a16="http://schemas.microsoft.com/office/drawing/2014/main" val="20002"/>
+                    </a:ext>
+                  </a:extLst>
+                </a:gridCol>
               </a:tblGrid>
               <a:tr h="855414">
                 <a:tc>
@@ -14815,14 +14689,14 @@
                     <a:p>
                       <a:pPr latinLnBrk="1"/>
                       <a:r>
-                        <a:rPr lang="en-US" altLang="ko-KR" dirty="0" smtClean="0"/>
+                        <a:rPr lang="en-US" altLang="ko-KR" dirty="0"/>
                         <a:t>FERMI</a:t>
                       </a:r>
                     </a:p>
                     <a:p>
                       <a:pPr latinLnBrk="1"/>
                       <a:r>
-                        <a:rPr lang="en-US" altLang="ko-KR" dirty="0" smtClean="0"/>
+                        <a:rPr lang="en-US" altLang="ko-KR" dirty="0"/>
                         <a:t>(Tesla c2050)</a:t>
                       </a:r>
                       <a:endParaRPr lang="ko-KR" altLang="en-US" dirty="0"/>
@@ -14837,18 +14711,18 @@
                     <a:p>
                       <a:pPr latinLnBrk="1"/>
                       <a:r>
-                        <a:rPr lang="en-US" altLang="ko-KR" dirty="0" smtClean="0"/>
+                        <a:rPr lang="en-US" altLang="ko-KR" dirty="0"/>
                         <a:t>KEPLER</a:t>
                       </a:r>
                     </a:p>
                     <a:p>
                       <a:pPr latinLnBrk="1"/>
                       <a:r>
-                        <a:rPr lang="en-US" altLang="ko-KR" dirty="0" smtClean="0"/>
+                        <a:rPr lang="en-US" altLang="ko-KR" dirty="0"/>
                         <a:t>(Tesla</a:t>
                       </a:r>
                       <a:r>
-                        <a:rPr lang="en-US" altLang="ko-KR" baseline="0" dirty="0" smtClean="0"/>
+                        <a:rPr lang="en-US" altLang="ko-KR" baseline="0" dirty="0"/>
                         <a:t> k10)</a:t>
                       </a:r>
                       <a:endParaRPr lang="ko-KR" altLang="en-US" dirty="0"/>
@@ -14856,6 +14730,11 @@
                   </a:txBody>
                   <a:tcPr/>
                 </a:tc>
+                <a:extLst>
+                  <a:ext uri="{0D108BD9-81ED-4DB2-BD59-A6C34878D82A}">
+                    <a16:rowId xmlns:a16="http://schemas.microsoft.com/office/drawing/2014/main" val="10000"/>
+                  </a:ext>
+                </a:extLst>
               </a:tr>
               <a:tr h="855414">
                 <a:tc>
@@ -14865,7 +14744,7 @@
                     <a:p>
                       <a:pPr latinLnBrk="1"/>
                       <a:r>
-                        <a:rPr lang="en-US" altLang="ko-KR" dirty="0" smtClean="0"/>
+                        <a:rPr lang="en-US" altLang="ko-KR" dirty="0"/>
                         <a:t>CUDA cores</a:t>
                       </a:r>
                       <a:endParaRPr lang="ko-KR" altLang="en-US" dirty="0"/>
@@ -14880,7 +14759,7 @@
                     <a:p>
                       <a:pPr latinLnBrk="1"/>
                       <a:r>
-                        <a:rPr lang="en-US" altLang="ko-KR" dirty="0" smtClean="0"/>
+                        <a:rPr lang="en-US" altLang="ko-KR" dirty="0"/>
                         <a:t>    448</a:t>
                       </a:r>
                       <a:endParaRPr lang="ko-KR" altLang="en-US" dirty="0"/>
@@ -14895,7 +14774,7 @@
                     <a:p>
                       <a:pPr latinLnBrk="1"/>
                       <a:r>
-                        <a:rPr lang="en-US" altLang="ko-KR" dirty="0" smtClean="0"/>
+                        <a:rPr lang="en-US" altLang="ko-KR" dirty="0"/>
                         <a:t>    1536 x 2</a:t>
                       </a:r>
                       <a:endParaRPr lang="ko-KR" altLang="en-US" dirty="0"/>
@@ -14903,6 +14782,11 @@
                   </a:txBody>
                   <a:tcPr/>
                 </a:tc>
+                <a:extLst>
+                  <a:ext uri="{0D108BD9-81ED-4DB2-BD59-A6C34878D82A}">
+                    <a16:rowId xmlns:a16="http://schemas.microsoft.com/office/drawing/2014/main" val="10001"/>
+                  </a:ext>
+                </a:extLst>
               </a:tr>
               <a:tr h="855414">
                 <a:tc>
@@ -14912,7 +14796,7 @@
                     <a:p>
                       <a:pPr latinLnBrk="1"/>
                       <a:r>
-                        <a:rPr lang="en-US" altLang="ko-KR" dirty="0" smtClean="0"/>
+                        <a:rPr lang="en-US" altLang="ko-KR" dirty="0"/>
                         <a:t>Memory</a:t>
                       </a:r>
                       <a:endParaRPr lang="ko-KR" altLang="en-US" dirty="0"/>
@@ -14927,7 +14811,7 @@
                     <a:p>
                       <a:pPr latinLnBrk="1"/>
                       <a:r>
-                        <a:rPr lang="en-US" altLang="ko-KR" dirty="0" smtClean="0"/>
+                        <a:rPr lang="en-US" altLang="ko-KR" dirty="0"/>
                         <a:t>    6GBytes</a:t>
                       </a:r>
                       <a:endParaRPr lang="ko-KR" altLang="en-US" dirty="0"/>
@@ -14942,7 +14826,7 @@
                     <a:p>
                       <a:pPr latinLnBrk="1"/>
                       <a:r>
-                        <a:rPr lang="en-US" altLang="ko-KR" dirty="0" smtClean="0"/>
+                        <a:rPr lang="en-US" altLang="ko-KR" dirty="0"/>
                         <a:t>    8GBytes</a:t>
                       </a:r>
                       <a:endParaRPr lang="ko-KR" altLang="en-US" dirty="0"/>
@@ -14950,6 +14834,11 @@
                   </a:txBody>
                   <a:tcPr/>
                 </a:tc>
+                <a:extLst>
+                  <a:ext uri="{0D108BD9-81ED-4DB2-BD59-A6C34878D82A}">
+                    <a16:rowId xmlns:a16="http://schemas.microsoft.com/office/drawing/2014/main" val="10002"/>
+                  </a:ext>
+                </a:extLst>
               </a:tr>
               <a:tr h="855414">
                 <a:tc>
@@ -14959,7 +14848,7 @@
                     <a:p>
                       <a:pPr latinLnBrk="1"/>
                       <a:r>
-                        <a:rPr lang="en-US" altLang="ko-KR" dirty="0" smtClean="0"/>
+                        <a:rPr lang="en-US" altLang="ko-KR" dirty="0"/>
                         <a:t>Peak Performance</a:t>
                       </a:r>
                       <a:endParaRPr lang="ko-KR" altLang="en-US" dirty="0"/>
@@ -14974,7 +14863,7 @@
                     <a:p>
                       <a:pPr latinLnBrk="1"/>
                       <a:r>
-                        <a:rPr lang="en-US" altLang="ko-KR" dirty="0" smtClean="0"/>
+                        <a:rPr lang="en-US" altLang="ko-KR" dirty="0"/>
                         <a:t>    1.0 TFLOPS</a:t>
                       </a:r>
                       <a:endParaRPr lang="ko-KR" altLang="en-US" dirty="0"/>
@@ -14989,11 +14878,11 @@
                     <a:p>
                       <a:pPr latinLnBrk="1"/>
                       <a:r>
-                        <a:rPr lang="en-US" altLang="ko-KR" dirty="0" smtClean="0"/>
+                        <a:rPr lang="en-US" altLang="ko-KR" dirty="0"/>
                         <a:t>    4.6</a:t>
                       </a:r>
                       <a:r>
-                        <a:rPr lang="en-US" altLang="ko-KR" baseline="0" dirty="0" smtClean="0"/>
+                        <a:rPr lang="en-US" altLang="ko-KR" baseline="0" dirty="0"/>
                         <a:t> TFLOPS</a:t>
                       </a:r>
                       <a:endParaRPr lang="ko-KR" altLang="en-US" dirty="0"/>
@@ -15001,6 +14890,11 @@
                   </a:txBody>
                   <a:tcPr/>
                 </a:tc>
+                <a:extLst>
+                  <a:ext uri="{0D108BD9-81ED-4DB2-BD59-A6C34878D82A}">
+                    <a16:rowId xmlns:a16="http://schemas.microsoft.com/office/drawing/2014/main" val="10003"/>
+                  </a:ext>
+                </a:extLst>
               </a:tr>
               <a:tr h="855414">
                 <a:tc>
@@ -15010,7 +14904,7 @@
                     <a:p>
                       <a:pPr latinLnBrk="1"/>
                       <a:r>
-                        <a:rPr lang="en-US" altLang="ko-KR" dirty="0" smtClean="0"/>
+                        <a:rPr lang="en-US" altLang="ko-KR" dirty="0"/>
                         <a:t>Memory Bandwidth</a:t>
                       </a:r>
                       <a:endParaRPr lang="ko-KR" altLang="en-US" dirty="0"/>
@@ -15025,7 +14919,7 @@
                     <a:p>
                       <a:pPr latinLnBrk="1"/>
                       <a:r>
-                        <a:rPr lang="en-US" altLang="ko-KR" dirty="0" smtClean="0"/>
+                        <a:rPr lang="en-US" altLang="ko-KR" dirty="0"/>
                         <a:t>    144GBytes/s</a:t>
                       </a:r>
                       <a:endParaRPr lang="ko-KR" altLang="en-US" dirty="0"/>
@@ -15040,19 +14934,19 @@
                     <a:p>
                       <a:pPr latinLnBrk="1"/>
                       <a:r>
-                        <a:rPr lang="en-US" altLang="ko-KR" dirty="0" smtClean="0"/>
+                        <a:rPr lang="en-US" altLang="ko-KR" dirty="0"/>
                         <a:t>    320</a:t>
                       </a:r>
                       <a:r>
-                        <a:rPr lang="en-US" altLang="ko-KR" baseline="0" dirty="0" smtClean="0"/>
+                        <a:rPr lang="en-US" altLang="ko-KR" baseline="0" dirty="0"/>
                         <a:t> </a:t>
                       </a:r>
                       <a:r>
-                        <a:rPr lang="en-US" altLang="ko-KR" baseline="0" dirty="0" err="1" smtClean="0"/>
+                        <a:rPr lang="en-US" altLang="ko-KR" baseline="0" dirty="0" err="1"/>
                         <a:t>Gbytes</a:t>
                       </a:r>
                       <a:r>
-                        <a:rPr lang="en-US" altLang="ko-KR" baseline="0" dirty="0" smtClean="0"/>
+                        <a:rPr lang="en-US" altLang="ko-KR" baseline="0" dirty="0"/>
                         <a:t>/s</a:t>
                       </a:r>
                       <a:endParaRPr lang="ko-KR" altLang="en-US" dirty="0"/>
@@ -15060,6 +14954,11 @@
                   </a:txBody>
                   <a:tcPr/>
                 </a:tc>
+                <a:extLst>
+                  <a:ext uri="{0D108BD9-81ED-4DB2-BD59-A6C34878D82A}">
+                    <a16:rowId xmlns:a16="http://schemas.microsoft.com/office/drawing/2014/main" val="10004"/>
+                  </a:ext>
+                </a:extLst>
               </a:tr>
             </a:tbl>
           </a:graphicData>
@@ -15075,13 +14974,6 @@
   <p:clrMapOvr>
     <a:masterClrMapping/>
   </p:clrMapOvr>
-  <p:timing>
-    <p:tnLst>
-      <p:par>
-        <p:cTn id="1" dur="indefinite" restart="never" nodeType="tmRoot"/>
-      </p:par>
-    </p:tnLst>
-  </p:timing>
 </p:sld>
 </file>
 
@@ -15118,11 +15010,11 @@
           <a:lstStyle/>
           <a:p>
             <a:r>
-              <a:rPr lang="en-US" altLang="ko-KR" dirty="0" err="1" smtClean="0"/>
+              <a:rPr lang="en-US" altLang="ko-KR" dirty="0" err="1"/>
               <a:t>Kepler</a:t>
             </a:r>
             <a:r>
-              <a:rPr lang="en-US" altLang="ko-KR" dirty="0" smtClean="0"/>
+              <a:rPr lang="en-US" altLang="ko-KR" dirty="0"/>
               <a:t> and Maxwell</a:t>
             </a:r>
             <a:endParaRPr lang="ko-KR" altLang="en-US" dirty="0"/>
@@ -15258,7 +15150,7 @@
           <a:lstStyle/>
           <a:p>
             <a:r>
-              <a:rPr lang="en-US" altLang="ko-KR" dirty="0" smtClean="0"/>
+              <a:rPr lang="en-US" altLang="ko-KR" dirty="0"/>
               <a:t>Compute Capability</a:t>
             </a:r>
             <a:endParaRPr lang="ko-KR" altLang="en-US" dirty="0"/>
@@ -15352,19 +15244,19 @@
           <a:lstStyle/>
           <a:p>
             <a:r>
-              <a:rPr lang="en-US" altLang="ko-KR" dirty="0" smtClean="0">
+              <a:rPr lang="en-US" altLang="ko-KR" dirty="0">
                 <a:latin typeface="+mn-lt"/>
               </a:rPr>
               <a:t>CC 1: Tesla, 2: Fermi, 3: </a:t>
             </a:r>
             <a:r>
-              <a:rPr lang="en-US" altLang="ko-KR" dirty="0" err="1" smtClean="0">
+              <a:rPr lang="en-US" altLang="ko-KR" dirty="0" err="1">
                 <a:latin typeface="+mn-lt"/>
               </a:rPr>
               <a:t>Kepler</a:t>
             </a:r>
             <a:r>
-              <a:rPr lang="en-US" altLang="ko-KR" dirty="0" smtClean="0">
+              <a:rPr lang="en-US" altLang="ko-KR" dirty="0">
                 <a:latin typeface="+mn-lt"/>
               </a:rPr>
               <a:t>, 5: Maxwell, 6: Pascal, 7: Volta</a:t>

--- a/gpu/EE817 Lecture 2 CUDA Programming.pptx
+++ b/gpu/EE817 Lecture 2 CUDA Programming.pptx
@@ -5,10 +5,10 @@
     <p:sldMasterId id="2147483660" r:id="rId1"/>
   </p:sldMasterIdLst>
   <p:notesMasterIdLst>
-    <p:notesMasterId r:id="rId42"/>
+    <p:notesMasterId r:id="rId43"/>
   </p:notesMasterIdLst>
   <p:handoutMasterIdLst>
-    <p:handoutMasterId r:id="rId43"/>
+    <p:handoutMasterId r:id="rId44"/>
   </p:handoutMasterIdLst>
   <p:sldIdLst>
     <p:sldId id="282" r:id="rId2"/>
@@ -27,30 +27,31 @@
     <p:sldId id="389" r:id="rId15"/>
     <p:sldId id="373" r:id="rId16"/>
     <p:sldId id="377" r:id="rId17"/>
-    <p:sldId id="378" r:id="rId18"/>
-    <p:sldId id="287" r:id="rId19"/>
-    <p:sldId id="288" r:id="rId20"/>
-    <p:sldId id="289" r:id="rId21"/>
-    <p:sldId id="290" r:id="rId22"/>
-    <p:sldId id="291" r:id="rId23"/>
-    <p:sldId id="292" r:id="rId24"/>
-    <p:sldId id="293" r:id="rId25"/>
-    <p:sldId id="294" r:id="rId26"/>
-    <p:sldId id="379" r:id="rId27"/>
-    <p:sldId id="295" r:id="rId28"/>
-    <p:sldId id="380" r:id="rId29"/>
-    <p:sldId id="296" r:id="rId30"/>
-    <p:sldId id="297" r:id="rId31"/>
-    <p:sldId id="298" r:id="rId32"/>
-    <p:sldId id="299" r:id="rId33"/>
-    <p:sldId id="300" r:id="rId34"/>
-    <p:sldId id="301" r:id="rId35"/>
-    <p:sldId id="302" r:id="rId36"/>
-    <p:sldId id="303" r:id="rId37"/>
-    <p:sldId id="381" r:id="rId38"/>
-    <p:sldId id="304" r:id="rId39"/>
-    <p:sldId id="305" r:id="rId40"/>
-    <p:sldId id="306" r:id="rId41"/>
+    <p:sldId id="391" r:id="rId18"/>
+    <p:sldId id="378" r:id="rId19"/>
+    <p:sldId id="287" r:id="rId20"/>
+    <p:sldId id="288" r:id="rId21"/>
+    <p:sldId id="289" r:id="rId22"/>
+    <p:sldId id="290" r:id="rId23"/>
+    <p:sldId id="291" r:id="rId24"/>
+    <p:sldId id="292" r:id="rId25"/>
+    <p:sldId id="293" r:id="rId26"/>
+    <p:sldId id="294" r:id="rId27"/>
+    <p:sldId id="379" r:id="rId28"/>
+    <p:sldId id="295" r:id="rId29"/>
+    <p:sldId id="380" r:id="rId30"/>
+    <p:sldId id="296" r:id="rId31"/>
+    <p:sldId id="297" r:id="rId32"/>
+    <p:sldId id="298" r:id="rId33"/>
+    <p:sldId id="299" r:id="rId34"/>
+    <p:sldId id="300" r:id="rId35"/>
+    <p:sldId id="301" r:id="rId36"/>
+    <p:sldId id="302" r:id="rId37"/>
+    <p:sldId id="303" r:id="rId38"/>
+    <p:sldId id="381" r:id="rId39"/>
+    <p:sldId id="304" r:id="rId40"/>
+    <p:sldId id="305" r:id="rId41"/>
+    <p:sldId id="306" r:id="rId42"/>
   </p:sldIdLst>
   <p:sldSz cx="9144000" cy="6858000" type="screen4x3"/>
   <p:notesSz cx="9928225" cy="6669088"/>
@@ -280,7 +281,7 @@
           <a:p>
             <a:fld id="{0958D145-3F61-4970-8B92-DDA610F3EB4F}" type="datetimeFigureOut">
               <a:rPr lang="ko-KR" altLang="en-US" smtClean="0"/>
-              <a:t>2017-03-14</a:t>
+              <a:t>2017-03-22</a:t>
             </a:fld>
             <a:endParaRPr lang="ko-KR" altLang="en-US"/>
           </a:p>
@@ -475,7 +476,7 @@
               <a:pPr>
                 <a:defRPr/>
               </a:pPr>
-              <a:t>2017-03-14</a:t>
+              <a:t>2017-03-22</a:t>
             </a:fld>
             <a:endParaRPr lang="ko-KR" altLang="en-US"/>
           </a:p>
@@ -1247,7 +1248,7 @@
               <a:pPr>
                 <a:defRPr/>
               </a:pPr>
-              <a:t>3/14/2017</a:t>
+              <a:t>3/22/2017</a:t>
             </a:fld>
             <a:endParaRPr lang="en-US" altLang="ko-KR"/>
           </a:p>
@@ -1449,7 +1450,7 @@
               <a:pPr>
                 <a:defRPr/>
               </a:pPr>
-              <a:t>3/14/2017</a:t>
+              <a:t>3/22/2017</a:t>
             </a:fld>
             <a:endParaRPr lang="en-US" altLang="ko-KR"/>
           </a:p>
@@ -1882,7 +1883,7 @@
               <a:pPr>
                 <a:defRPr/>
               </a:pPr>
-              <a:t>3/14/2017</a:t>
+              <a:t>3/22/2017</a:t>
             </a:fld>
             <a:endParaRPr lang="en-US" altLang="ko-KR"/>
           </a:p>
@@ -2079,7 +2080,7 @@
               <a:pPr>
                 <a:defRPr/>
               </a:pPr>
-              <a:t>3/14/2017</a:t>
+              <a:t>3/22/2017</a:t>
             </a:fld>
             <a:endParaRPr lang="en-US" altLang="ko-KR"/>
           </a:p>
@@ -2594,7 +2595,7 @@
               <a:pPr>
                 <a:defRPr/>
               </a:pPr>
-              <a:t>3/14/2017</a:t>
+              <a:t>3/22/2017</a:t>
             </a:fld>
             <a:endParaRPr lang="en-US" altLang="ko-KR"/>
           </a:p>
@@ -2909,7 +2910,7 @@
               <a:pPr>
                 <a:defRPr/>
               </a:pPr>
-              <a:t>3/14/2017</a:t>
+              <a:t>3/22/2017</a:t>
             </a:fld>
             <a:endParaRPr lang="en-US" altLang="ko-KR"/>
           </a:p>
@@ -3412,7 +3413,7 @@
               <a:pPr>
                 <a:defRPr/>
               </a:pPr>
-              <a:t>3/14/2017</a:t>
+              <a:t>3/22/2017</a:t>
             </a:fld>
             <a:endParaRPr lang="en-US" altLang="ko-KR"/>
           </a:p>
@@ -3800,7 +3801,7 @@
               <a:pPr>
                 <a:defRPr/>
               </a:pPr>
-              <a:t>3/14/2017</a:t>
+              <a:t>3/22/2017</a:t>
             </a:fld>
             <a:endParaRPr lang="en-US" altLang="ko-KR"/>
           </a:p>
@@ -4258,7 +4259,7 @@
               <a:pPr>
                 <a:defRPr/>
               </a:pPr>
-              <a:t>3/14/2017</a:t>
+              <a:t>3/22/2017</a:t>
             </a:fld>
             <a:endParaRPr lang="en-US" altLang="ko-KR"/>
           </a:p>
@@ -4556,7 +4557,7 @@
               <a:pPr>
                 <a:defRPr/>
               </a:pPr>
-              <a:t>3/14/2017</a:t>
+              <a:t>3/22/2017</a:t>
             </a:fld>
             <a:endParaRPr lang="en-US" altLang="ko-KR"/>
           </a:p>
@@ -4886,7 +4887,7 @@
               <a:pPr>
                 <a:defRPr/>
               </a:pPr>
-              <a:t>3/14/2017</a:t>
+              <a:t>3/22/2017</a:t>
             </a:fld>
             <a:endParaRPr lang="en-US" altLang="ko-KR"/>
           </a:p>
@@ -5404,7 +5405,7 @@
               <a:pPr>
                 <a:defRPr/>
               </a:pPr>
-              <a:t>3/14/2017</a:t>
+              <a:t>3/22/2017</a:t>
             </a:fld>
             <a:endParaRPr lang="en-US" altLang="ko-KR"/>
           </a:p>
@@ -7156,6 +7157,78 @@
           <a:bodyPr/>
           <a:lstStyle/>
           <a:p>
+            <a:endParaRPr lang="ko-KR" altLang="en-US"/>
+          </a:p>
+        </p:txBody>
+      </p:sp>
+      <p:pic>
+        <p:nvPicPr>
+          <p:cNvPr id="4" name="그림 3"/>
+          <p:cNvPicPr>
+            <a:picLocks noChangeAspect="1"/>
+          </p:cNvPicPr>
+          <p:nvPr/>
+        </p:nvPicPr>
+        <p:blipFill rotWithShape="1">
+          <a:blip r:embed="rId2"/>
+          <a:srcRect l="10237" t="25200" r="59838" b="39520"/>
+          <a:stretch/>
+        </p:blipFill>
+        <p:spPr>
+          <a:xfrm>
+            <a:off x="457200" y="2204864"/>
+            <a:ext cx="8013462" cy="2952328"/>
+          </a:xfrm>
+          <a:prstGeom prst="rect">
+            <a:avLst/>
+          </a:prstGeom>
+        </p:spPr>
+      </p:pic>
+    </p:spTree>
+    <p:extLst>
+      <p:ext uri="{BB962C8B-B14F-4D97-AF65-F5344CB8AC3E}">
+        <p14:creationId xmlns:p14="http://schemas.microsoft.com/office/powerpoint/2010/main" val="21893645"/>
+      </p:ext>
+    </p:extLst>
+  </p:cSld>
+  <p:clrMapOvr>
+    <a:masterClrMapping/>
+  </p:clrMapOvr>
+</p:sld>
+</file>
+
+<file path=ppt/slides/slide18.xml><?xml version="1.0" encoding="utf-8"?>
+<p:sld xmlns:a="http://schemas.openxmlformats.org/drawingml/2006/main" xmlns:r="http://schemas.openxmlformats.org/officeDocument/2006/relationships" xmlns:p="http://schemas.openxmlformats.org/presentationml/2006/main">
+  <p:cSld>
+    <p:spTree>
+      <p:nvGrpSpPr>
+        <p:cNvPr id="1" name=""/>
+        <p:cNvGrpSpPr/>
+        <p:nvPr/>
+      </p:nvGrpSpPr>
+      <p:grpSpPr>
+        <a:xfrm>
+          <a:off x="0" y="0"/>
+          <a:ext cx="0" cy="0"/>
+          <a:chOff x="0" y="0"/>
+          <a:chExt cx="0" cy="0"/>
+        </a:xfrm>
+      </p:grpSpPr>
+      <p:sp>
+        <p:nvSpPr>
+          <p:cNvPr id="2" name="제목 1"/>
+          <p:cNvSpPr>
+            <a:spLocks noGrp="1"/>
+          </p:cNvSpPr>
+          <p:nvPr>
+            <p:ph type="title"/>
+          </p:nvPr>
+        </p:nvSpPr>
+        <p:spPr/>
+        <p:txBody>
+          <a:bodyPr/>
+          <a:lstStyle/>
+          <a:p>
             <a:r>
               <a:rPr lang="en-US" altLang="ko-KR" dirty="0"/>
               <a:t>CUDA NVCC</a:t>
@@ -7441,7 +7514,7 @@
 </p:sld>
 </file>
 
-<file path=ppt/slides/slide18.xml><?xml version="1.0" encoding="utf-8"?>
+<file path=ppt/slides/slide19.xml><?xml version="1.0" encoding="utf-8"?>
 <p:sld xmlns:a="http://schemas.openxmlformats.org/drawingml/2006/main" xmlns:r="http://schemas.openxmlformats.org/officeDocument/2006/relationships" xmlns:p="http://schemas.openxmlformats.org/presentationml/2006/main">
   <p:cSld>
     <p:spTree>
@@ -7626,434 +7699,6 @@
     <p:extLst>
       <p:ext uri="{BB962C8B-B14F-4D97-AF65-F5344CB8AC3E}">
         <p14:creationId xmlns:p14="http://schemas.microsoft.com/office/powerpoint/2010/main" val="1441314191"/>
-      </p:ext>
-    </p:extLst>
-  </p:cSld>
-  <p:clrMapOvr>
-    <a:masterClrMapping/>
-  </p:clrMapOvr>
-</p:sld>
-</file>
-
-<file path=ppt/slides/slide19.xml><?xml version="1.0" encoding="utf-8"?>
-<p:sld xmlns:a="http://schemas.openxmlformats.org/drawingml/2006/main" xmlns:r="http://schemas.openxmlformats.org/officeDocument/2006/relationships" xmlns:p="http://schemas.openxmlformats.org/presentationml/2006/main">
-  <p:cSld>
-    <p:spTree>
-      <p:nvGrpSpPr>
-        <p:cNvPr id="1" name=""/>
-        <p:cNvGrpSpPr/>
-        <p:nvPr/>
-      </p:nvGrpSpPr>
-      <p:grpSpPr>
-        <a:xfrm>
-          <a:off x="0" y="0"/>
-          <a:ext cx="0" cy="0"/>
-          <a:chOff x="0" y="0"/>
-          <a:chExt cx="0" cy="0"/>
-        </a:xfrm>
-      </p:grpSpPr>
-      <p:sp>
-        <p:nvSpPr>
-          <p:cNvPr id="2" name="제목 1"/>
-          <p:cNvSpPr>
-            <a:spLocks noGrp="1"/>
-          </p:cNvSpPr>
-          <p:nvPr>
-            <p:ph type="title"/>
-          </p:nvPr>
-        </p:nvSpPr>
-        <p:spPr/>
-        <p:txBody>
-          <a:bodyPr/>
-          <a:lstStyle/>
-          <a:p>
-            <a:r>
-              <a:rPr lang="en-US" altLang="ko-KR" dirty="0"/>
-              <a:t>__global__ void function1</a:t>
-            </a:r>
-            <a:endParaRPr lang="ko-KR" altLang="en-US" dirty="0"/>
-          </a:p>
-        </p:txBody>
-      </p:sp>
-      <p:sp>
-        <p:nvSpPr>
-          <p:cNvPr id="3" name="내용 개체 틀 2"/>
-          <p:cNvSpPr>
-            <a:spLocks noGrp="1"/>
-          </p:cNvSpPr>
-          <p:nvPr>
-            <p:ph idx="1"/>
-          </p:nvPr>
-        </p:nvSpPr>
-        <p:spPr/>
-        <p:txBody>
-          <a:bodyPr/>
-          <a:lstStyle/>
-          <a:p>
-            <a:pPr marL="0" indent="0">
-              <a:buNone/>
-            </a:pPr>
-            <a:r>
-              <a:rPr lang="en-US" altLang="ko-KR" sz="1200" dirty="0"/>
-              <a:t>#include &lt;</a:t>
-            </a:r>
-            <a:r>
-              <a:rPr lang="en-US" altLang="ko-KR" sz="1200" dirty="0" err="1"/>
-              <a:t>stdio</a:t>
-            </a:r>
-            <a:r>
-              <a:rPr lang="en-US" altLang="ko-KR" sz="1200" dirty="0"/>
-              <a:t> .h&gt;</a:t>
-            </a:r>
-          </a:p>
-          <a:p>
-            <a:pPr marL="0" indent="0">
-              <a:buNone/>
-            </a:pPr>
-            <a:r>
-              <a:rPr lang="en-US" altLang="ko-KR" sz="1200" dirty="0"/>
-              <a:t> </a:t>
-            </a:r>
-          </a:p>
-          <a:p>
-            <a:pPr marL="0" indent="0">
-              <a:buNone/>
-            </a:pPr>
-            <a:r>
-              <a:rPr lang="en-US" altLang="ko-KR" sz="1200" dirty="0"/>
-              <a:t>__global__ void add(</a:t>
-            </a:r>
-            <a:r>
-              <a:rPr lang="en-US" altLang="ko-KR" sz="1200" dirty="0" err="1"/>
-              <a:t>int</a:t>
-            </a:r>
-            <a:r>
-              <a:rPr lang="en-US" altLang="ko-KR" sz="1200" dirty="0"/>
-              <a:t> a, </a:t>
-            </a:r>
-            <a:r>
-              <a:rPr lang="en-US" altLang="ko-KR" sz="1200" dirty="0" err="1"/>
-              <a:t>int</a:t>
-            </a:r>
-            <a:r>
-              <a:rPr lang="en-US" altLang="ko-KR" sz="1200" dirty="0"/>
-              <a:t> b, </a:t>
-            </a:r>
-            <a:r>
-              <a:rPr lang="en-US" altLang="ko-KR" sz="1200" dirty="0" err="1"/>
-              <a:t>int</a:t>
-            </a:r>
-            <a:r>
-              <a:rPr lang="en-US" altLang="ko-KR" sz="1200" dirty="0"/>
-              <a:t> *c) {</a:t>
-            </a:r>
-          </a:p>
-          <a:p>
-            <a:pPr marL="0" indent="0">
-              <a:buNone/>
-            </a:pPr>
-            <a:r>
-              <a:rPr lang="en-US" altLang="ko-KR" sz="1200" dirty="0"/>
-              <a:t> *c = a + b;</a:t>
-            </a:r>
-          </a:p>
-          <a:p>
-            <a:pPr marL="0" indent="0">
-              <a:buNone/>
-            </a:pPr>
-            <a:r>
-              <a:rPr lang="en-US" altLang="ko-KR" sz="1200" dirty="0"/>
-              <a:t>}</a:t>
-            </a:r>
-          </a:p>
-          <a:p>
-            <a:pPr marL="0" indent="0">
-              <a:buNone/>
-            </a:pPr>
-            <a:r>
-              <a:rPr lang="en-US" altLang="ko-KR" sz="1200" dirty="0"/>
-              <a:t> </a:t>
-            </a:r>
-          </a:p>
-          <a:p>
-            <a:pPr marL="0" indent="0">
-              <a:buNone/>
-            </a:pPr>
-            <a:r>
-              <a:rPr lang="en-US" altLang="ko-KR" sz="1200" dirty="0" err="1"/>
-              <a:t>int</a:t>
-            </a:r>
-            <a:r>
-              <a:rPr lang="en-US" altLang="ko-KR" sz="1200" dirty="0"/>
-              <a:t> main() {</a:t>
-            </a:r>
-          </a:p>
-          <a:p>
-            <a:pPr marL="0" indent="0">
-              <a:buNone/>
-            </a:pPr>
-            <a:r>
-              <a:rPr lang="en-US" altLang="ko-KR" sz="1200" dirty="0"/>
-              <a:t> </a:t>
-            </a:r>
-            <a:r>
-              <a:rPr lang="en-US" altLang="ko-KR" sz="1200" dirty="0" err="1"/>
-              <a:t>int</a:t>
-            </a:r>
-            <a:r>
-              <a:rPr lang="en-US" altLang="ko-KR" sz="1200" dirty="0"/>
-              <a:t> c;</a:t>
-            </a:r>
-          </a:p>
-          <a:p>
-            <a:pPr marL="0" indent="0">
-              <a:buNone/>
-            </a:pPr>
-            <a:r>
-              <a:rPr lang="en-US" altLang="ko-KR" sz="1200" dirty="0"/>
-              <a:t> </a:t>
-            </a:r>
-            <a:r>
-              <a:rPr lang="en-US" altLang="ko-KR" sz="1200" dirty="0" err="1"/>
-              <a:t>int</a:t>
-            </a:r>
-            <a:r>
-              <a:rPr lang="en-US" altLang="ko-KR" sz="1200" dirty="0"/>
-              <a:t> *</a:t>
-            </a:r>
-            <a:r>
-              <a:rPr lang="en-US" altLang="ko-KR" sz="1200" dirty="0" err="1"/>
-              <a:t>dev_c</a:t>
-            </a:r>
-            <a:r>
-              <a:rPr lang="en-US" altLang="ko-KR" sz="1200" dirty="0"/>
-              <a:t>;</a:t>
-            </a:r>
-          </a:p>
-          <a:p>
-            <a:pPr marL="0" indent="0">
-              <a:buNone/>
-            </a:pPr>
-            <a:r>
-              <a:rPr lang="en-US" altLang="ko-KR" sz="1200" dirty="0"/>
-              <a:t> </a:t>
-            </a:r>
-          </a:p>
-          <a:p>
-            <a:pPr marL="0" indent="0">
-              <a:buNone/>
-            </a:pPr>
-            <a:r>
-              <a:rPr lang="en-US" altLang="ko-KR" sz="1200" dirty="0"/>
-              <a:t> </a:t>
-            </a:r>
-            <a:r>
-              <a:rPr lang="en-US" altLang="ko-KR" sz="1200" dirty="0" err="1"/>
-              <a:t>cudaMalloc</a:t>
-            </a:r>
-            <a:r>
-              <a:rPr lang="en-US" altLang="ko-KR" sz="1200" dirty="0"/>
-              <a:t>((void**)&amp;</a:t>
-            </a:r>
-            <a:r>
-              <a:rPr lang="en-US" altLang="ko-KR" sz="1200" dirty="0" err="1"/>
-              <a:t>dev_c</a:t>
-            </a:r>
-            <a:r>
-              <a:rPr lang="en-US" altLang="ko-KR" sz="1200" dirty="0"/>
-              <a:t>, </a:t>
-            </a:r>
-            <a:r>
-              <a:rPr lang="en-US" altLang="ko-KR" sz="1200" dirty="0" err="1"/>
-              <a:t>sizeof</a:t>
-            </a:r>
-            <a:r>
-              <a:rPr lang="en-US" altLang="ko-KR" sz="1200" dirty="0"/>
-              <a:t>(</a:t>
-            </a:r>
-            <a:r>
-              <a:rPr lang="en-US" altLang="ko-KR" sz="1200" dirty="0" err="1"/>
-              <a:t>int</a:t>
-            </a:r>
-            <a:r>
-              <a:rPr lang="en-US" altLang="ko-KR" sz="1200" dirty="0"/>
-              <a:t>));</a:t>
-            </a:r>
-          </a:p>
-          <a:p>
-            <a:pPr marL="0" indent="0">
-              <a:buNone/>
-            </a:pPr>
-            <a:r>
-              <a:rPr lang="en-US" altLang="ko-KR" sz="1200" dirty="0"/>
-              <a:t> add&lt;&lt;&lt;1, 1&gt;&gt;&gt;(2, 7, </a:t>
-            </a:r>
-            <a:r>
-              <a:rPr lang="en-US" altLang="ko-KR" sz="1200" dirty="0" err="1"/>
-              <a:t>dev_c</a:t>
-            </a:r>
-            <a:r>
-              <a:rPr lang="en-US" altLang="ko-KR" sz="1200" dirty="0"/>
-              <a:t>);</a:t>
-            </a:r>
-          </a:p>
-          <a:p>
-            <a:pPr marL="0" indent="0">
-              <a:buNone/>
-            </a:pPr>
-            <a:r>
-              <a:rPr lang="en-US" altLang="ko-KR" sz="1200" dirty="0"/>
-              <a:t> </a:t>
-            </a:r>
-          </a:p>
-          <a:p>
-            <a:pPr marL="0" indent="0">
-              <a:buNone/>
-            </a:pPr>
-            <a:r>
-              <a:rPr lang="en-US" altLang="ko-KR" sz="1200" dirty="0"/>
-              <a:t> </a:t>
-            </a:r>
-            <a:r>
-              <a:rPr lang="en-US" altLang="ko-KR" sz="1200" dirty="0" err="1"/>
-              <a:t>cudaMemcpy</a:t>
-            </a:r>
-            <a:r>
-              <a:rPr lang="en-US" altLang="ko-KR" sz="1200" dirty="0"/>
-              <a:t>(&amp;c, </a:t>
-            </a:r>
-            <a:r>
-              <a:rPr lang="en-US" altLang="ko-KR" sz="1200" dirty="0" err="1"/>
-              <a:t>dev_c</a:t>
-            </a:r>
-            <a:r>
-              <a:rPr lang="en-US" altLang="ko-KR" sz="1200" dirty="0"/>
-              <a:t>, </a:t>
-            </a:r>
-            <a:r>
-              <a:rPr lang="en-US" altLang="ko-KR" sz="1200" dirty="0" err="1"/>
-              <a:t>sizeof</a:t>
-            </a:r>
-            <a:r>
-              <a:rPr lang="en-US" altLang="ko-KR" sz="1200" dirty="0"/>
-              <a:t>(</a:t>
-            </a:r>
-            <a:r>
-              <a:rPr lang="en-US" altLang="ko-KR" sz="1200" dirty="0" err="1"/>
-              <a:t>int</a:t>
-            </a:r>
-            <a:r>
-              <a:rPr lang="en-US" altLang="ko-KR" sz="1200" dirty="0"/>
-              <a:t>), </a:t>
-            </a:r>
-            <a:r>
-              <a:rPr lang="en-US" altLang="ko-KR" sz="1200" dirty="0" err="1"/>
-              <a:t>cudaMemcpyDeviceToHost</a:t>
-            </a:r>
-            <a:r>
-              <a:rPr lang="en-US" altLang="ko-KR" sz="1200" dirty="0"/>
-              <a:t>);</a:t>
-            </a:r>
-          </a:p>
-          <a:p>
-            <a:pPr marL="0" indent="0">
-              <a:buNone/>
-            </a:pPr>
-            <a:r>
-              <a:rPr lang="en-US" altLang="ko-KR" sz="1200" dirty="0"/>
-              <a:t>  </a:t>
-            </a:r>
-          </a:p>
-          <a:p>
-            <a:pPr marL="0" indent="0">
-              <a:buNone/>
-            </a:pPr>
-            <a:r>
-              <a:rPr lang="en-US" altLang="ko-KR" sz="1200" dirty="0"/>
-              <a:t> </a:t>
-            </a:r>
-            <a:r>
-              <a:rPr lang="en-US" altLang="ko-KR" sz="1200" dirty="0" err="1"/>
-              <a:t>printf</a:t>
-            </a:r>
-            <a:r>
-              <a:rPr lang="en-US" altLang="ko-KR" sz="1200" dirty="0"/>
-              <a:t>("2 + 7 = %d\n", c);</a:t>
-            </a:r>
-          </a:p>
-          <a:p>
-            <a:pPr marL="0" indent="0">
-              <a:buNone/>
-            </a:pPr>
-            <a:r>
-              <a:rPr lang="en-US" altLang="ko-KR" sz="1200" dirty="0"/>
-              <a:t> </a:t>
-            </a:r>
-          </a:p>
-          <a:p>
-            <a:pPr marL="0" indent="0">
-              <a:buNone/>
-            </a:pPr>
-            <a:r>
-              <a:rPr lang="en-US" altLang="ko-KR" sz="1200" dirty="0"/>
-              <a:t> </a:t>
-            </a:r>
-            <a:r>
-              <a:rPr lang="en-US" altLang="ko-KR" sz="1200" dirty="0" err="1"/>
-              <a:t>cudaFree</a:t>
-            </a:r>
-            <a:r>
-              <a:rPr lang="en-US" altLang="ko-KR" sz="1200" dirty="0"/>
-              <a:t>(</a:t>
-            </a:r>
-            <a:r>
-              <a:rPr lang="en-US" altLang="ko-KR" sz="1200" dirty="0" err="1"/>
-              <a:t>dev_c</a:t>
-            </a:r>
-            <a:r>
-              <a:rPr lang="en-US" altLang="ko-KR" sz="1200" dirty="0"/>
-              <a:t>);</a:t>
-            </a:r>
-          </a:p>
-          <a:p>
-            <a:pPr marL="0" indent="0">
-              <a:buNone/>
-            </a:pPr>
-            <a:r>
-              <a:rPr lang="en-US" altLang="ko-KR" sz="1200" dirty="0"/>
-              <a:t> </a:t>
-            </a:r>
-          </a:p>
-          <a:p>
-            <a:pPr marL="0" indent="0">
-              <a:buNone/>
-            </a:pPr>
-            <a:r>
-              <a:rPr lang="en-US" altLang="ko-KR" sz="1200" dirty="0"/>
-              <a:t> return 0;</a:t>
-            </a:r>
-          </a:p>
-          <a:p>
-            <a:pPr marL="0" indent="0">
-              <a:buNone/>
-            </a:pPr>
-            <a:r>
-              <a:rPr lang="en-US" altLang="ko-KR" sz="1200" dirty="0"/>
-              <a:t>}</a:t>
-            </a:r>
-          </a:p>
-          <a:p>
-            <a:pPr marL="0" indent="0">
-              <a:buNone/>
-            </a:pPr>
-            <a:endParaRPr lang="ko-KR" altLang="en-US" dirty="0"/>
-          </a:p>
-        </p:txBody>
-      </p:sp>
-    </p:spTree>
-    <p:extLst>
-      <p:ext uri="{BB962C8B-B14F-4D97-AF65-F5344CB8AC3E}">
-        <p14:creationId xmlns:p14="http://schemas.microsoft.com/office/powerpoint/2010/main" val="1927956537"/>
       </p:ext>
     </p:extLst>
   </p:cSld>
@@ -8339,7 +7984,7 @@
           <a:p>
             <a:r>
               <a:rPr lang="en-US" altLang="ko-KR" dirty="0"/>
-              <a:t>__global__ void function&lt;&lt; 6,4&gt;&gt;</a:t>
+              <a:t>__global__ void function1</a:t>
             </a:r>
             <a:endParaRPr lang="ko-KR" altLang="en-US" dirty="0"/>
           </a:p>
@@ -8360,71 +8005,361 @@
           <a:bodyPr/>
           <a:lstStyle/>
           <a:p>
-            <a:pPr marL="514350" indent="-514350">
-              <a:buFont typeface="+mj-lt"/>
-              <a:buAutoNum type="arabicPeriod"/>
-            </a:pPr>
-            <a:r>
-              <a:rPr lang="en-US" altLang="ko-KR" dirty="0"/>
-              <a:t>return value is always void,</a:t>
-            </a:r>
-          </a:p>
-          <a:p>
-            <a:pPr marL="514350" indent="-514350">
-              <a:buFont typeface="+mj-lt"/>
-              <a:buAutoNum type="arabicPeriod"/>
-            </a:pPr>
-            <a:r>
-              <a:rPr lang="en-US" altLang="ko-KR" dirty="0"/>
-              <a:t>recursive call is not allowed,</a:t>
-            </a:r>
-          </a:p>
-          <a:p>
-            <a:pPr marL="514350" indent="-514350">
-              <a:buFont typeface="+mj-lt"/>
-              <a:buAutoNum type="arabicPeriod"/>
-            </a:pPr>
-            <a:r>
-              <a:rPr lang="en-US" altLang="ko-KR" dirty="0"/>
-              <a:t>function </a:t>
-            </a:r>
-            <a:r>
-              <a:rPr lang="en-US" altLang="ko-KR" dirty="0">
-                <a:solidFill>
-                  <a:srgbClr val="FF0000"/>
-                </a:solidFill>
-              </a:rPr>
-              <a:t>cannot have static variables</a:t>
-            </a:r>
-            <a:r>
-              <a:rPr lang="en-US" altLang="ko-KR" dirty="0"/>
-              <a:t>,</a:t>
-            </a:r>
-          </a:p>
-          <a:p>
-            <a:pPr marL="514350" indent="-514350">
-              <a:buFont typeface="+mj-lt"/>
-              <a:buAutoNum type="arabicPeriod"/>
-            </a:pPr>
-            <a:r>
-              <a:rPr lang="en-US" altLang="ko-KR" dirty="0"/>
-              <a:t>can not declare __host__ at the same time,</a:t>
-            </a:r>
-          </a:p>
-          <a:p>
-            <a:pPr marL="514350" indent="-514350">
-              <a:buFont typeface="+mj-lt"/>
-              <a:buAutoNum type="arabicPeriod"/>
-            </a:pPr>
-            <a:r>
-              <a:rPr lang="en-US" altLang="ko-KR" dirty="0"/>
-              <a:t>declared 6 blocks and 4 threads per block.</a:t>
-            </a:r>
-          </a:p>
-          <a:p>
-            <a:pPr marL="514350" indent="-514350">
-              <a:buFont typeface="+mj-lt"/>
-              <a:buAutoNum type="arabicPeriod"/>
+            <a:pPr marL="0" indent="0">
+              <a:buNone/>
+            </a:pPr>
+            <a:r>
+              <a:rPr lang="en-US" altLang="ko-KR" sz="1200" dirty="0"/>
+              <a:t>#include &lt;</a:t>
+            </a:r>
+            <a:r>
+              <a:rPr lang="en-US" altLang="ko-KR" sz="1200" dirty="0" err="1"/>
+              <a:t>stdio</a:t>
+            </a:r>
+            <a:r>
+              <a:rPr lang="en-US" altLang="ko-KR" sz="1200" dirty="0"/>
+              <a:t> .h&gt;</a:t>
+            </a:r>
+          </a:p>
+          <a:p>
+            <a:pPr marL="0" indent="0">
+              <a:buNone/>
+            </a:pPr>
+            <a:r>
+              <a:rPr lang="en-US" altLang="ko-KR" sz="1200" dirty="0"/>
+              <a:t> </a:t>
+            </a:r>
+          </a:p>
+          <a:p>
+            <a:pPr marL="0" indent="0">
+              <a:buNone/>
+            </a:pPr>
+            <a:r>
+              <a:rPr lang="en-US" altLang="ko-KR" sz="1200" dirty="0"/>
+              <a:t>__global__ void add(</a:t>
+            </a:r>
+            <a:r>
+              <a:rPr lang="en-US" altLang="ko-KR" sz="1200" dirty="0" err="1"/>
+              <a:t>int</a:t>
+            </a:r>
+            <a:r>
+              <a:rPr lang="en-US" altLang="ko-KR" sz="1200" dirty="0"/>
+              <a:t> a, </a:t>
+            </a:r>
+            <a:r>
+              <a:rPr lang="en-US" altLang="ko-KR" sz="1200" dirty="0" err="1"/>
+              <a:t>int</a:t>
+            </a:r>
+            <a:r>
+              <a:rPr lang="en-US" altLang="ko-KR" sz="1200" dirty="0"/>
+              <a:t> b, </a:t>
+            </a:r>
+            <a:r>
+              <a:rPr lang="en-US" altLang="ko-KR" sz="1200" dirty="0" err="1"/>
+              <a:t>int</a:t>
+            </a:r>
+            <a:r>
+              <a:rPr lang="en-US" altLang="ko-KR" sz="1200" dirty="0"/>
+              <a:t> *c) {</a:t>
+            </a:r>
+          </a:p>
+          <a:p>
+            <a:pPr marL="0" indent="0">
+              <a:buNone/>
+            </a:pPr>
+            <a:r>
+              <a:rPr lang="en-US" altLang="ko-KR" sz="1200" dirty="0"/>
+              <a:t> *c = a + b;</a:t>
+            </a:r>
+          </a:p>
+          <a:p>
+            <a:pPr marL="0" indent="0">
+              <a:buNone/>
+            </a:pPr>
+            <a:r>
+              <a:rPr lang="en-US" altLang="ko-KR" sz="1200" dirty="0"/>
+              <a:t>}</a:t>
+            </a:r>
+          </a:p>
+          <a:p>
+            <a:pPr marL="0" indent="0">
+              <a:buNone/>
+            </a:pPr>
+            <a:r>
+              <a:rPr lang="en-US" altLang="ko-KR" sz="1200" dirty="0"/>
+              <a:t> </a:t>
+            </a:r>
+          </a:p>
+          <a:p>
+            <a:pPr marL="0" indent="0">
+              <a:buNone/>
+            </a:pPr>
+            <a:r>
+              <a:rPr lang="en-US" altLang="ko-KR" sz="1200" dirty="0" err="1"/>
+              <a:t>int</a:t>
+            </a:r>
+            <a:r>
+              <a:rPr lang="en-US" altLang="ko-KR" sz="1200" dirty="0"/>
+              <a:t> main() {</a:t>
+            </a:r>
+          </a:p>
+          <a:p>
+            <a:pPr marL="0" indent="0">
+              <a:buNone/>
+            </a:pPr>
+            <a:r>
+              <a:rPr lang="en-US" altLang="ko-KR" sz="1200" dirty="0"/>
+              <a:t> </a:t>
+            </a:r>
+            <a:r>
+              <a:rPr lang="en-US" altLang="ko-KR" sz="1200" dirty="0" err="1"/>
+              <a:t>int</a:t>
+            </a:r>
+            <a:r>
+              <a:rPr lang="en-US" altLang="ko-KR" sz="1200" dirty="0"/>
+              <a:t> c;</a:t>
+            </a:r>
+          </a:p>
+          <a:p>
+            <a:pPr marL="0" indent="0">
+              <a:buNone/>
+            </a:pPr>
+            <a:r>
+              <a:rPr lang="en-US" altLang="ko-KR" sz="1200" dirty="0"/>
+              <a:t> </a:t>
+            </a:r>
+            <a:r>
+              <a:rPr lang="en-US" altLang="ko-KR" sz="1200" dirty="0" err="1"/>
+              <a:t>int</a:t>
+            </a:r>
+            <a:r>
+              <a:rPr lang="en-US" altLang="ko-KR" sz="1200" dirty="0"/>
+              <a:t> *</a:t>
+            </a:r>
+            <a:r>
+              <a:rPr lang="en-US" altLang="ko-KR" sz="1200" dirty="0" err="1"/>
+              <a:t>dev_c</a:t>
+            </a:r>
+            <a:r>
+              <a:rPr lang="en-US" altLang="ko-KR" sz="1200" dirty="0"/>
+              <a:t>;</a:t>
+            </a:r>
+          </a:p>
+          <a:p>
+            <a:pPr marL="0" indent="0">
+              <a:buNone/>
+            </a:pPr>
+            <a:r>
+              <a:rPr lang="en-US" altLang="ko-KR" sz="1200" dirty="0"/>
+              <a:t> </a:t>
+            </a:r>
+          </a:p>
+          <a:p>
+            <a:pPr marL="0" indent="0">
+              <a:buNone/>
+            </a:pPr>
+            <a:r>
+              <a:rPr lang="en-US" altLang="ko-KR" sz="1200" dirty="0"/>
+              <a:t> </a:t>
+            </a:r>
+            <a:r>
+              <a:rPr lang="en-US" altLang="ko-KR" sz="1200" dirty="0" err="1"/>
+              <a:t>cudaMalloc</a:t>
+            </a:r>
+            <a:r>
+              <a:rPr lang="en-US" altLang="ko-KR" sz="1200" dirty="0"/>
+              <a:t>((void**)&amp;</a:t>
+            </a:r>
+            <a:r>
+              <a:rPr lang="en-US" altLang="ko-KR" sz="1200" dirty="0" err="1"/>
+              <a:t>dev_c</a:t>
+            </a:r>
+            <a:r>
+              <a:rPr lang="en-US" altLang="ko-KR" sz="1200" dirty="0"/>
+              <a:t>, </a:t>
+            </a:r>
+            <a:r>
+              <a:rPr lang="en-US" altLang="ko-KR" sz="1200" dirty="0" err="1"/>
+              <a:t>sizeof</a:t>
+            </a:r>
+            <a:r>
+              <a:rPr lang="en-US" altLang="ko-KR" sz="1200" dirty="0"/>
+              <a:t>(</a:t>
+            </a:r>
+            <a:r>
+              <a:rPr lang="en-US" altLang="ko-KR" sz="1200" dirty="0" err="1"/>
+              <a:t>int</a:t>
+            </a:r>
+            <a:r>
+              <a:rPr lang="en-US" altLang="ko-KR" sz="1200" dirty="0"/>
+              <a:t>));</a:t>
+            </a:r>
+          </a:p>
+          <a:p>
+            <a:pPr marL="0" indent="0">
+              <a:buNone/>
+            </a:pPr>
+            <a:r>
+              <a:rPr lang="en-US" altLang="ko-KR" sz="1200" dirty="0"/>
+              <a:t> add&lt;&lt;&lt;1, 1&gt;&gt;&gt;(2, 7, </a:t>
+            </a:r>
+            <a:r>
+              <a:rPr lang="en-US" altLang="ko-KR" sz="1200" dirty="0" err="1"/>
+              <a:t>dev_c</a:t>
+            </a:r>
+            <a:r>
+              <a:rPr lang="en-US" altLang="ko-KR" sz="1200" dirty="0"/>
+              <a:t>);</a:t>
+            </a:r>
+          </a:p>
+          <a:p>
+            <a:pPr marL="0" indent="0">
+              <a:buNone/>
+            </a:pPr>
+            <a:r>
+              <a:rPr lang="en-US" altLang="ko-KR" sz="1200" dirty="0"/>
+              <a:t> </a:t>
+            </a:r>
+          </a:p>
+          <a:p>
+            <a:pPr marL="0" indent="0">
+              <a:buNone/>
+            </a:pPr>
+            <a:r>
+              <a:rPr lang="en-US" altLang="ko-KR" sz="1200" dirty="0"/>
+              <a:t> </a:t>
+            </a:r>
+            <a:r>
+              <a:rPr lang="en-US" altLang="ko-KR" sz="1200" dirty="0" err="1"/>
+              <a:t>cudaMemcpy</a:t>
+            </a:r>
+            <a:r>
+              <a:rPr lang="en-US" altLang="ko-KR" sz="1200" dirty="0"/>
+              <a:t>(&amp;c, </a:t>
+            </a:r>
+            <a:r>
+              <a:rPr lang="en-US" altLang="ko-KR" sz="1200" dirty="0" err="1"/>
+              <a:t>dev_c</a:t>
+            </a:r>
+            <a:r>
+              <a:rPr lang="en-US" altLang="ko-KR" sz="1200" dirty="0"/>
+              <a:t>, </a:t>
+            </a:r>
+            <a:r>
+              <a:rPr lang="en-US" altLang="ko-KR" sz="1200" dirty="0" err="1"/>
+              <a:t>sizeof</a:t>
+            </a:r>
+            <a:r>
+              <a:rPr lang="en-US" altLang="ko-KR" sz="1200" dirty="0"/>
+              <a:t>(</a:t>
+            </a:r>
+            <a:r>
+              <a:rPr lang="en-US" altLang="ko-KR" sz="1200" dirty="0" err="1"/>
+              <a:t>int</a:t>
+            </a:r>
+            <a:r>
+              <a:rPr lang="en-US" altLang="ko-KR" sz="1200" dirty="0"/>
+              <a:t>), </a:t>
+            </a:r>
+            <a:r>
+              <a:rPr lang="en-US" altLang="ko-KR" sz="1200" dirty="0" err="1"/>
+              <a:t>cudaMemcpyDeviceToHost</a:t>
+            </a:r>
+            <a:r>
+              <a:rPr lang="en-US" altLang="ko-KR" sz="1200" dirty="0"/>
+              <a:t>);</a:t>
+            </a:r>
+          </a:p>
+          <a:p>
+            <a:pPr marL="0" indent="0">
+              <a:buNone/>
+            </a:pPr>
+            <a:r>
+              <a:rPr lang="en-US" altLang="ko-KR" sz="1200" dirty="0"/>
+              <a:t>  </a:t>
+            </a:r>
+          </a:p>
+          <a:p>
+            <a:pPr marL="0" indent="0">
+              <a:buNone/>
+            </a:pPr>
+            <a:r>
+              <a:rPr lang="en-US" altLang="ko-KR" sz="1200" dirty="0"/>
+              <a:t> </a:t>
+            </a:r>
+            <a:r>
+              <a:rPr lang="en-US" altLang="ko-KR" sz="1200" dirty="0" err="1"/>
+              <a:t>printf</a:t>
+            </a:r>
+            <a:r>
+              <a:rPr lang="en-US" altLang="ko-KR" sz="1200" dirty="0"/>
+              <a:t>("2 + 7 = %d\n", c);</a:t>
+            </a:r>
+          </a:p>
+          <a:p>
+            <a:pPr marL="0" indent="0">
+              <a:buNone/>
+            </a:pPr>
+            <a:r>
+              <a:rPr lang="en-US" altLang="ko-KR" sz="1200" dirty="0"/>
+              <a:t> </a:t>
+            </a:r>
+          </a:p>
+          <a:p>
+            <a:pPr marL="0" indent="0">
+              <a:buNone/>
+            </a:pPr>
+            <a:r>
+              <a:rPr lang="en-US" altLang="ko-KR" sz="1200" dirty="0"/>
+              <a:t> </a:t>
+            </a:r>
+            <a:r>
+              <a:rPr lang="en-US" altLang="ko-KR" sz="1200" dirty="0" err="1"/>
+              <a:t>cudaFree</a:t>
+            </a:r>
+            <a:r>
+              <a:rPr lang="en-US" altLang="ko-KR" sz="1200" dirty="0"/>
+              <a:t>(</a:t>
+            </a:r>
+            <a:r>
+              <a:rPr lang="en-US" altLang="ko-KR" sz="1200" dirty="0" err="1"/>
+              <a:t>dev_c</a:t>
+            </a:r>
+            <a:r>
+              <a:rPr lang="en-US" altLang="ko-KR" sz="1200" dirty="0"/>
+              <a:t>);</a:t>
+            </a:r>
+          </a:p>
+          <a:p>
+            <a:pPr marL="0" indent="0">
+              <a:buNone/>
+            </a:pPr>
+            <a:r>
+              <a:rPr lang="en-US" altLang="ko-KR" sz="1200" dirty="0"/>
+              <a:t> </a:t>
+            </a:r>
+          </a:p>
+          <a:p>
+            <a:pPr marL="0" indent="0">
+              <a:buNone/>
+            </a:pPr>
+            <a:r>
+              <a:rPr lang="en-US" altLang="ko-KR" sz="1200" dirty="0"/>
+              <a:t> return 0;</a:t>
+            </a:r>
+          </a:p>
+          <a:p>
+            <a:pPr marL="0" indent="0">
+              <a:buNone/>
+            </a:pPr>
+            <a:r>
+              <a:rPr lang="en-US" altLang="ko-KR" sz="1200" dirty="0"/>
+              <a:t>}</a:t>
+            </a:r>
+          </a:p>
+          <a:p>
+            <a:pPr marL="0" indent="0">
+              <a:buNone/>
             </a:pPr>
             <a:endParaRPr lang="ko-KR" altLang="en-US" dirty="0"/>
           </a:p>
@@ -8433,7 +8368,7 @@
     </p:spTree>
     <p:extLst>
       <p:ext uri="{BB962C8B-B14F-4D97-AF65-F5344CB8AC3E}">
-        <p14:creationId xmlns:p14="http://schemas.microsoft.com/office/powerpoint/2010/main" val="529301328"/>
+        <p14:creationId xmlns:p14="http://schemas.microsoft.com/office/powerpoint/2010/main" val="1927956537"/>
       </p:ext>
     </p:extLst>
   </p:cSld>
@@ -8477,15 +8412,7 @@
           <a:p>
             <a:r>
               <a:rPr lang="en-US" altLang="ko-KR" dirty="0"/>
-              <a:t>__device__ </a:t>
-            </a:r>
-            <a:r>
-              <a:rPr lang="en-US" altLang="ko-KR" dirty="0" err="1"/>
-              <a:t>int</a:t>
-            </a:r>
-            <a:r>
-              <a:rPr lang="en-US" altLang="ko-KR" dirty="0"/>
-              <a:t> function( )</a:t>
+              <a:t>__global__ void function&lt;&lt; 6,4&gt;&gt;</a:t>
             </a:r>
             <a:endParaRPr lang="ko-KR" altLang="en-US" dirty="0"/>
           </a:p>
@@ -8512,7 +8439,7 @@
             </a:pPr>
             <a:r>
               <a:rPr lang="en-US" altLang="ko-KR" dirty="0"/>
-              <a:t>The function is executed at a device,</a:t>
+              <a:t>return value is always void,</a:t>
             </a:r>
           </a:p>
           <a:p>
@@ -8522,7 +8449,7 @@
             </a:pPr>
             <a:r>
               <a:rPr lang="en-US" altLang="ko-KR" dirty="0"/>
-              <a:t>It can be called by the device and cannot be called by the host,</a:t>
+              <a:t>recursive call is not allowed,</a:t>
             </a:r>
           </a:p>
           <a:p>
@@ -8532,7 +8459,19 @@
             </a:pPr>
             <a:r>
               <a:rPr lang="en-US" altLang="ko-KR" dirty="0"/>
-              <a:t>It can not be called recursively,</a:t>
+              <a:t>function </a:t>
+            </a:r>
+            <a:r>
+              <a:rPr lang="en-US" altLang="ko-KR" dirty="0">
+                <a:solidFill>
+                  <a:srgbClr val="FF0000"/>
+                </a:solidFill>
+              </a:rPr>
+              <a:t>cannot have static variables</a:t>
+            </a:r>
+            <a:r>
+              <a:rPr lang="en-US" altLang="ko-KR" dirty="0"/>
+              <a:t>,</a:t>
             </a:r>
           </a:p>
           <a:p>
@@ -8542,12 +8481,23 @@
             </a:pPr>
             <a:r>
               <a:rPr lang="en-US" altLang="ko-KR" dirty="0"/>
-              <a:t>It can not have variable number of arguments,</a:t>
-            </a:r>
-          </a:p>
-          <a:p>
-            <a:pPr marL="0" indent="0">
-              <a:buNone/>
+              <a:t>can not declare __host__ at the same time,</a:t>
+            </a:r>
+          </a:p>
+          <a:p>
+            <a:pPr marL="514350" indent="-514350">
+              <a:buFont typeface="+mj-lt"/>
+              <a:buAutoNum type="arabicPeriod"/>
+            </a:pPr>
+            <a:r>
+              <a:rPr lang="en-US" altLang="ko-KR" dirty="0"/>
+              <a:t>declared 6 blocks and 4 threads per block.</a:t>
+            </a:r>
+          </a:p>
+          <a:p>
+            <a:pPr marL="514350" indent="-514350">
+              <a:buFont typeface="+mj-lt"/>
+              <a:buAutoNum type="arabicPeriod"/>
             </a:pPr>
             <a:endParaRPr lang="ko-KR" altLang="en-US" dirty="0"/>
           </a:p>
@@ -8556,7 +8506,7 @@
     </p:spTree>
     <p:extLst>
       <p:ext uri="{BB962C8B-B14F-4D97-AF65-F5344CB8AC3E}">
-        <p14:creationId xmlns:p14="http://schemas.microsoft.com/office/powerpoint/2010/main" val="4084691050"/>
+        <p14:creationId xmlns:p14="http://schemas.microsoft.com/office/powerpoint/2010/main" val="529301328"/>
       </p:ext>
     </p:extLst>
   </p:cSld>
@@ -8600,7 +8550,7 @@
           <a:p>
             <a:r>
               <a:rPr lang="en-US" altLang="ko-KR" dirty="0"/>
-              <a:t>__host__ </a:t>
+              <a:t>__device__ </a:t>
             </a:r>
             <a:r>
               <a:rPr lang="en-US" altLang="ko-KR" dirty="0" err="1"/>
@@ -8608,23 +8558,7 @@
             </a:r>
             <a:r>
               <a:rPr lang="en-US" altLang="ko-KR" dirty="0"/>
-              <a:t> function (</a:t>
-            </a:r>
-            <a:r>
-              <a:rPr lang="en-US" altLang="ko-KR" dirty="0" err="1"/>
-              <a:t>int</a:t>
-            </a:r>
-            <a:r>
-              <a:rPr lang="en-US" altLang="ko-KR" dirty="0"/>
-              <a:t> a, </a:t>
-            </a:r>
-            <a:r>
-              <a:rPr lang="en-US" altLang="ko-KR" dirty="0" err="1"/>
-              <a:t>int</a:t>
-            </a:r>
-            <a:r>
-              <a:rPr lang="en-US" altLang="ko-KR" dirty="0"/>
-              <a:t> b)</a:t>
+              <a:t> function( )</a:t>
             </a:r>
             <a:endParaRPr lang="ko-KR" altLang="en-US" dirty="0"/>
           </a:p>
@@ -8651,7 +8585,7 @@
             </a:pPr>
             <a:r>
               <a:rPr lang="en-US" altLang="ko-KR" dirty="0"/>
-              <a:t>It is executed only at a host,</a:t>
+              <a:t>The function is executed at a device,</a:t>
             </a:r>
           </a:p>
           <a:p>
@@ -8661,7 +8595,7 @@
             </a:pPr>
             <a:r>
               <a:rPr lang="en-US" altLang="ko-KR" dirty="0"/>
-              <a:t>It can not be called by the device,</a:t>
+              <a:t>It can be called by the device and cannot be called by the host,</a:t>
             </a:r>
           </a:p>
           <a:p>
@@ -8671,7 +8605,7 @@
             </a:pPr>
             <a:r>
               <a:rPr lang="en-US" altLang="ko-KR" dirty="0"/>
-              <a:t>If __global__, __host__, __device__ are not declared, it is considered as __host__,</a:t>
+              <a:t>It can not be called recursively,</a:t>
             </a:r>
           </a:p>
           <a:p>
@@ -8681,18 +8615,13 @@
             </a:pPr>
             <a:r>
               <a:rPr lang="en-US" altLang="ko-KR" dirty="0"/>
-              <a:t>It cat not be used with __global__ ,</a:t>
-            </a:r>
-          </a:p>
-          <a:p>
-            <a:pPr marL="514350" indent="-514350">
-              <a:buFont typeface="+mj-lt"/>
-              <a:buAutoNum type="arabicPeriod"/>
-            </a:pPr>
-            <a:r>
-              <a:rPr lang="en-US" altLang="ko-KR" dirty="0"/>
-              <a:t>It can be declared with __device__ , in this case the function can be executed at the host and the device.</a:t>
-            </a:r>
+              <a:t>It can not have variable number of arguments,</a:t>
+            </a:r>
+          </a:p>
+          <a:p>
+            <a:pPr marL="0" indent="0">
+              <a:buNone/>
+            </a:pPr>
             <a:endParaRPr lang="ko-KR" altLang="en-US" dirty="0"/>
           </a:p>
         </p:txBody>
@@ -8700,7 +8629,7 @@
     </p:spTree>
     <p:extLst>
       <p:ext uri="{BB962C8B-B14F-4D97-AF65-F5344CB8AC3E}">
-        <p14:creationId xmlns:p14="http://schemas.microsoft.com/office/powerpoint/2010/main" val="1711146631"/>
+        <p14:creationId xmlns:p14="http://schemas.microsoft.com/office/powerpoint/2010/main" val="4084691050"/>
       </p:ext>
     </p:extLst>
   </p:cSld>
@@ -8744,7 +8673,31 @@
           <a:p>
             <a:r>
               <a:rPr lang="en-US" altLang="ko-KR" dirty="0"/>
-              <a:t>variable type qualifiers</a:t>
+              <a:t>__host__ </a:t>
+            </a:r>
+            <a:r>
+              <a:rPr lang="en-US" altLang="ko-KR" dirty="0" err="1"/>
+              <a:t>int</a:t>
+            </a:r>
+            <a:r>
+              <a:rPr lang="en-US" altLang="ko-KR" dirty="0"/>
+              <a:t> function (</a:t>
+            </a:r>
+            <a:r>
+              <a:rPr lang="en-US" altLang="ko-KR" dirty="0" err="1"/>
+              <a:t>int</a:t>
+            </a:r>
+            <a:r>
+              <a:rPr lang="en-US" altLang="ko-KR" dirty="0"/>
+              <a:t> a, </a:t>
+            </a:r>
+            <a:r>
+              <a:rPr lang="en-US" altLang="ko-KR" dirty="0" err="1"/>
+              <a:t>int</a:t>
+            </a:r>
+            <a:r>
+              <a:rPr lang="en-US" altLang="ko-KR" dirty="0"/>
+              <a:t> b)</a:t>
             </a:r>
             <a:endParaRPr lang="ko-KR" altLang="en-US" dirty="0"/>
           </a:p>
@@ -8771,44 +8724,47 @@
             </a:pPr>
             <a:r>
               <a:rPr lang="en-US" altLang="ko-KR" dirty="0"/>
-              <a:t>__device__</a:t>
-            </a:r>
-          </a:p>
-          <a:p>
-            <a:pPr marL="857250" lvl="1" indent="-457200"/>
-            <a:r>
-              <a:rPr lang="en-US" altLang="ko-KR" dirty="0"/>
-              <a:t>the variable is allocated to the global memory,</a:t>
-            </a:r>
-          </a:p>
-          <a:p>
-            <a:pPr marL="857250" lvl="1" indent="-457200"/>
-            <a:r>
-              <a:rPr lang="en-US" altLang="ko-KR" dirty="0"/>
-              <a:t>effective until the end of program execution,</a:t>
-            </a:r>
-          </a:p>
-          <a:p>
-            <a:pPr marL="857250" lvl="1" indent="-457200"/>
-            <a:r>
-              <a:rPr lang="en-US" altLang="ko-KR" dirty="0"/>
-              <a:t>all threads can access the variable,</a:t>
-            </a:r>
-          </a:p>
-          <a:p>
-            <a:pPr marL="857250" lvl="1" indent="-457200"/>
-            <a:r>
-              <a:rPr lang="en-US" altLang="ko-KR" dirty="0"/>
-              <a:t>the host can access it through API function.</a:t>
-            </a:r>
-          </a:p>
-          <a:p>
-            <a:pPr marL="0" indent="0">
-              <a:buNone/>
-            </a:pPr>
-            <a:r>
-              <a:rPr lang="en-US" altLang="ko-KR" dirty="0"/>
-              <a:t>	</a:t>
+              <a:t>It is executed only at a host,</a:t>
+            </a:r>
+          </a:p>
+          <a:p>
+            <a:pPr marL="514350" indent="-514350">
+              <a:buFont typeface="+mj-lt"/>
+              <a:buAutoNum type="arabicPeriod"/>
+            </a:pPr>
+            <a:r>
+              <a:rPr lang="en-US" altLang="ko-KR" dirty="0"/>
+              <a:t>It can not be called by the device,</a:t>
+            </a:r>
+          </a:p>
+          <a:p>
+            <a:pPr marL="514350" indent="-514350">
+              <a:buFont typeface="+mj-lt"/>
+              <a:buAutoNum type="arabicPeriod"/>
+            </a:pPr>
+            <a:r>
+              <a:rPr lang="en-US" altLang="ko-KR" dirty="0"/>
+              <a:t>If __global__, __host__, __device__ are not declared, it is considered as __host__,</a:t>
+            </a:r>
+          </a:p>
+          <a:p>
+            <a:pPr marL="514350" indent="-514350">
+              <a:buFont typeface="+mj-lt"/>
+              <a:buAutoNum type="arabicPeriod"/>
+            </a:pPr>
+            <a:r>
+              <a:rPr lang="en-US" altLang="ko-KR" dirty="0"/>
+              <a:t>It cat not be used with __global__ ,</a:t>
+            </a:r>
+          </a:p>
+          <a:p>
+            <a:pPr marL="514350" indent="-514350">
+              <a:buFont typeface="+mj-lt"/>
+              <a:buAutoNum type="arabicPeriod"/>
+            </a:pPr>
+            <a:r>
+              <a:rPr lang="en-US" altLang="ko-KR" dirty="0"/>
+              <a:t>It can be declared with __device__ , in this case the function can be executed at the host and the device.</a:t>
             </a:r>
             <a:endParaRPr lang="ko-KR" altLang="en-US" dirty="0"/>
           </a:p>
@@ -8817,7 +8773,7 @@
     </p:spTree>
     <p:extLst>
       <p:ext uri="{BB962C8B-B14F-4D97-AF65-F5344CB8AC3E}">
-        <p14:creationId xmlns:p14="http://schemas.microsoft.com/office/powerpoint/2010/main" val="2652563559"/>
+        <p14:creationId xmlns:p14="http://schemas.microsoft.com/office/powerpoint/2010/main" val="1711146631"/>
       </p:ext>
     </p:extLst>
   </p:cSld>
@@ -8861,7 +8817,7 @@
           <a:p>
             <a:r>
               <a:rPr lang="en-US" altLang="ko-KR" dirty="0"/>
-              <a:t>__constant__</a:t>
+              <a:t>variable type qualifiers</a:t>
             </a:r>
             <a:endParaRPr lang="ko-KR" altLang="en-US" dirty="0"/>
           </a:p>
@@ -8882,41 +8838,50 @@
           <a:bodyPr/>
           <a:lstStyle/>
           <a:p>
+            <a:pPr marL="514350" indent="-514350">
+              <a:buFont typeface="+mj-lt"/>
+              <a:buAutoNum type="arabicPeriod"/>
+            </a:pPr>
+            <a:r>
+              <a:rPr lang="en-US" altLang="ko-KR" dirty="0"/>
+              <a:t>__device__</a:t>
+            </a:r>
+          </a:p>
+          <a:p>
+            <a:pPr marL="857250" lvl="1" indent="-457200"/>
+            <a:r>
+              <a:rPr lang="en-US" altLang="ko-KR" dirty="0"/>
+              <a:t>the variable is allocated to the global memory,</a:t>
+            </a:r>
+          </a:p>
+          <a:p>
+            <a:pPr marL="857250" lvl="1" indent="-457200"/>
+            <a:r>
+              <a:rPr lang="en-US" altLang="ko-KR" dirty="0"/>
+              <a:t>effective until the end of program execution,</a:t>
+            </a:r>
+          </a:p>
+          <a:p>
+            <a:pPr marL="857250" lvl="1" indent="-457200"/>
+            <a:r>
+              <a:rPr lang="en-US" altLang="ko-KR" dirty="0"/>
+              <a:t>all threads can access the variable,</a:t>
+            </a:r>
+          </a:p>
+          <a:p>
+            <a:pPr marL="857250" lvl="1" indent="-457200"/>
+            <a:r>
+              <a:rPr lang="en-US" altLang="ko-KR" dirty="0"/>
+              <a:t>the host can access it through API function.</a:t>
+            </a:r>
+          </a:p>
+          <a:p>
             <a:pPr marL="0" indent="0">
               <a:buNone/>
             </a:pPr>
             <a:r>
               <a:rPr lang="en-US" altLang="ko-KR" dirty="0"/>
-              <a:t>2. __constant__</a:t>
-            </a:r>
-          </a:p>
-          <a:p>
-            <a:pPr lvl="1"/>
-            <a:r>
-              <a:rPr lang="en-US" altLang="ko-KR" dirty="0"/>
-              <a:t>the variable is allocated to the constant memory area,</a:t>
-            </a:r>
-          </a:p>
-          <a:p>
-            <a:pPr lvl="1"/>
-            <a:r>
-              <a:rPr lang="en-US" altLang="ko-KR" dirty="0"/>
-              <a:t>all can read only the variable,</a:t>
-            </a:r>
-          </a:p>
-          <a:p>
-            <a:pPr lvl="1"/>
-            <a:r>
-              <a:rPr lang="en-US" altLang="ko-KR" dirty="0"/>
-              <a:t>the host can write the value through </a:t>
-            </a:r>
-            <a:r>
-              <a:rPr lang="en-US" altLang="ko-KR" dirty="0" err="1"/>
-              <a:t>cudaMemcpyToSymbol</a:t>
-            </a:r>
-            <a:r>
-              <a:rPr lang="en-US" altLang="ko-KR" dirty="0"/>
-              <a:t>( ) API.</a:t>
+              <a:t>	</a:t>
             </a:r>
             <a:endParaRPr lang="ko-KR" altLang="en-US" dirty="0"/>
           </a:p>
@@ -8925,7 +8890,7 @@
     </p:spTree>
     <p:extLst>
       <p:ext uri="{BB962C8B-B14F-4D97-AF65-F5344CB8AC3E}">
-        <p14:creationId xmlns:p14="http://schemas.microsoft.com/office/powerpoint/2010/main" val="3828983066"/>
+        <p14:creationId xmlns:p14="http://schemas.microsoft.com/office/powerpoint/2010/main" val="2652563559"/>
       </p:ext>
     </p:extLst>
   </p:cSld>
@@ -8969,6 +8934,114 @@
           <a:p>
             <a:r>
               <a:rPr lang="en-US" altLang="ko-KR" dirty="0"/>
+              <a:t>__constant__</a:t>
+            </a:r>
+            <a:endParaRPr lang="ko-KR" altLang="en-US" dirty="0"/>
+          </a:p>
+        </p:txBody>
+      </p:sp>
+      <p:sp>
+        <p:nvSpPr>
+          <p:cNvPr id="3" name="내용 개체 틀 2"/>
+          <p:cNvSpPr>
+            <a:spLocks noGrp="1"/>
+          </p:cNvSpPr>
+          <p:nvPr>
+            <p:ph idx="1"/>
+          </p:nvPr>
+        </p:nvSpPr>
+        <p:spPr/>
+        <p:txBody>
+          <a:bodyPr/>
+          <a:lstStyle/>
+          <a:p>
+            <a:pPr marL="0" indent="0">
+              <a:buNone/>
+            </a:pPr>
+            <a:r>
+              <a:rPr lang="en-US" altLang="ko-KR" dirty="0"/>
+              <a:t>2. __constant__</a:t>
+            </a:r>
+          </a:p>
+          <a:p>
+            <a:pPr lvl="1"/>
+            <a:r>
+              <a:rPr lang="en-US" altLang="ko-KR" dirty="0"/>
+              <a:t>the variable is allocated to the constant memory area,</a:t>
+            </a:r>
+          </a:p>
+          <a:p>
+            <a:pPr lvl="1"/>
+            <a:r>
+              <a:rPr lang="en-US" altLang="ko-KR" dirty="0"/>
+              <a:t>all can read only the variable,</a:t>
+            </a:r>
+          </a:p>
+          <a:p>
+            <a:pPr lvl="1"/>
+            <a:r>
+              <a:rPr lang="en-US" altLang="ko-KR" dirty="0"/>
+              <a:t>the host can write the value through </a:t>
+            </a:r>
+            <a:r>
+              <a:rPr lang="en-US" altLang="ko-KR" dirty="0" err="1"/>
+              <a:t>cudaMemcpyToSymbol</a:t>
+            </a:r>
+            <a:r>
+              <a:rPr lang="en-US" altLang="ko-KR" dirty="0"/>
+              <a:t>( ) API.</a:t>
+            </a:r>
+            <a:endParaRPr lang="ko-KR" altLang="en-US" dirty="0"/>
+          </a:p>
+        </p:txBody>
+      </p:sp>
+    </p:spTree>
+    <p:extLst>
+      <p:ext uri="{BB962C8B-B14F-4D97-AF65-F5344CB8AC3E}">
+        <p14:creationId xmlns:p14="http://schemas.microsoft.com/office/powerpoint/2010/main" val="3828983066"/>
+      </p:ext>
+    </p:extLst>
+  </p:cSld>
+  <p:clrMapOvr>
+    <a:masterClrMapping/>
+  </p:clrMapOvr>
+</p:sld>
+</file>
+
+<file path=ppt/slides/slide26.xml><?xml version="1.0" encoding="utf-8"?>
+<p:sld xmlns:a="http://schemas.openxmlformats.org/drawingml/2006/main" xmlns:r="http://schemas.openxmlformats.org/officeDocument/2006/relationships" xmlns:p="http://schemas.openxmlformats.org/presentationml/2006/main">
+  <p:cSld>
+    <p:spTree>
+      <p:nvGrpSpPr>
+        <p:cNvPr id="1" name=""/>
+        <p:cNvGrpSpPr/>
+        <p:nvPr/>
+      </p:nvGrpSpPr>
+      <p:grpSpPr>
+        <a:xfrm>
+          <a:off x="0" y="0"/>
+          <a:ext cx="0" cy="0"/>
+          <a:chOff x="0" y="0"/>
+          <a:chExt cx="0" cy="0"/>
+        </a:xfrm>
+      </p:grpSpPr>
+      <p:sp>
+        <p:nvSpPr>
+          <p:cNvPr id="2" name="제목 1"/>
+          <p:cNvSpPr>
+            <a:spLocks noGrp="1"/>
+          </p:cNvSpPr>
+          <p:nvPr>
+            <p:ph type="title"/>
+          </p:nvPr>
+        </p:nvSpPr>
+        <p:spPr/>
+        <p:txBody>
+          <a:bodyPr/>
+          <a:lstStyle/>
+          <a:p>
+            <a:r>
+              <a:rPr lang="en-US" altLang="ko-KR" dirty="0"/>
               <a:t>__shared__</a:t>
             </a:r>
             <a:endParaRPr lang="ko-KR" altLang="en-US" dirty="0"/>
@@ -9067,7 +9140,7 @@
 </p:sld>
 </file>
 
-<file path=ppt/slides/slide26.xml><?xml version="1.0" encoding="utf-8"?>
+<file path=ppt/slides/slide27.xml><?xml version="1.0" encoding="utf-8"?>
 <p:sld xmlns:a="http://schemas.openxmlformats.org/drawingml/2006/main" xmlns:r="http://schemas.openxmlformats.org/officeDocument/2006/relationships" xmlns:p="http://schemas.openxmlformats.org/presentationml/2006/main">
   <p:cSld>
     <p:spTree>
@@ -9358,316 +9431,6 @@
 </p:sld>
 </file>
 
-<file path=ppt/slides/slide27.xml><?xml version="1.0" encoding="utf-8"?>
-<p:sld xmlns:a="http://schemas.openxmlformats.org/drawingml/2006/main" xmlns:r="http://schemas.openxmlformats.org/officeDocument/2006/relationships" xmlns:p="http://schemas.openxmlformats.org/presentationml/2006/main">
-  <p:cSld>
-    <p:spTree>
-      <p:nvGrpSpPr>
-        <p:cNvPr id="1" name=""/>
-        <p:cNvGrpSpPr/>
-        <p:nvPr/>
-      </p:nvGrpSpPr>
-      <p:grpSpPr>
-        <a:xfrm>
-          <a:off x="0" y="0"/>
-          <a:ext cx="0" cy="0"/>
-          <a:chOff x="0" y="0"/>
-          <a:chExt cx="0" cy="0"/>
-        </a:xfrm>
-      </p:grpSpPr>
-      <p:sp>
-        <p:nvSpPr>
-          <p:cNvPr id="2" name="제목 1"/>
-          <p:cNvSpPr>
-            <a:spLocks noGrp="1"/>
-          </p:cNvSpPr>
-          <p:nvPr>
-            <p:ph type="title"/>
-          </p:nvPr>
-        </p:nvSpPr>
-        <p:spPr/>
-        <p:txBody>
-          <a:bodyPr>
-            <a:normAutofit fontScale="90000"/>
-          </a:bodyPr>
-          <a:lstStyle/>
-          <a:p>
-            <a:r>
-              <a:rPr lang="en-US" altLang="ko-KR" dirty="0"/>
-              <a:t>Allocation, </a:t>
-            </a:r>
-            <a:r>
-              <a:rPr lang="en-US" altLang="ko-KR" dirty="0" err="1"/>
-              <a:t>Deallocation</a:t>
-            </a:r>
-            <a:r>
-              <a:rPr lang="en-US" altLang="ko-KR" dirty="0"/>
-              <a:t> and Copying of Graphic Card Memory(GCM)</a:t>
-            </a:r>
-            <a:br>
-              <a:rPr lang="en-US" altLang="ko-KR" dirty="0"/>
-            </a:br>
-            <a:endParaRPr lang="ko-KR" altLang="en-US" dirty="0"/>
-          </a:p>
-        </p:txBody>
-      </p:sp>
-      <p:sp>
-        <p:nvSpPr>
-          <p:cNvPr id="3" name="내용 개체 틀 2"/>
-          <p:cNvSpPr>
-            <a:spLocks noGrp="1"/>
-          </p:cNvSpPr>
-          <p:nvPr>
-            <p:ph idx="1"/>
-          </p:nvPr>
-        </p:nvSpPr>
-        <p:spPr/>
-        <p:txBody>
-          <a:bodyPr>
-            <a:normAutofit fontScale="92500" lnSpcReduction="10000"/>
-          </a:bodyPr>
-          <a:lstStyle/>
-          <a:p>
-            <a:pPr marL="0" indent="0">
-              <a:buNone/>
-            </a:pPr>
-            <a:r>
-              <a:rPr lang="en-US" altLang="ko-KR" dirty="0"/>
-              <a:t>1. Memory Allocation of GCM</a:t>
-            </a:r>
-          </a:p>
-          <a:p>
-            <a:pPr marL="0" indent="0">
-              <a:buNone/>
-            </a:pPr>
-            <a:r>
-              <a:rPr lang="en-US" altLang="ko-KR" dirty="0" err="1"/>
-              <a:t>cudaError_t</a:t>
-            </a:r>
-            <a:r>
-              <a:rPr lang="en-US" altLang="ko-KR" dirty="0"/>
-              <a:t> </a:t>
-            </a:r>
-            <a:r>
-              <a:rPr lang="en-US" altLang="ko-KR" dirty="0" err="1"/>
-              <a:t>cudaMalloc</a:t>
-            </a:r>
-            <a:r>
-              <a:rPr lang="en-US" altLang="ko-KR" dirty="0"/>
-              <a:t>(void** </a:t>
-            </a:r>
-            <a:r>
-              <a:rPr lang="en-US" altLang="ko-KR" dirty="0" err="1"/>
-              <a:t>devPtr</a:t>
-            </a:r>
-            <a:r>
-              <a:rPr lang="en-US" altLang="ko-KR" dirty="0"/>
-              <a:t>, </a:t>
-            </a:r>
-            <a:r>
-              <a:rPr lang="en-US" altLang="ko-KR" dirty="0" err="1"/>
-              <a:t>size_t</a:t>
-            </a:r>
-            <a:r>
-              <a:rPr lang="en-US" altLang="ko-KR" dirty="0"/>
-              <a:t> count);</a:t>
-            </a:r>
-          </a:p>
-          <a:p>
-            <a:pPr marL="0" indent="0">
-              <a:buNone/>
-            </a:pPr>
-            <a:endParaRPr lang="en-US" altLang="ko-KR" dirty="0"/>
-          </a:p>
-          <a:p>
-            <a:pPr marL="0" indent="0">
-              <a:buNone/>
-            </a:pPr>
-            <a:r>
-              <a:rPr lang="en-US" altLang="ko-KR" dirty="0"/>
-              <a:t>2. Freeing GCM</a:t>
-            </a:r>
-          </a:p>
-          <a:p>
-            <a:pPr marL="0" indent="0">
-              <a:buNone/>
-            </a:pPr>
-            <a:r>
-              <a:rPr lang="en-US" altLang="ko-KR" dirty="0" err="1"/>
-              <a:t>cudaError_t</a:t>
-            </a:r>
-            <a:r>
-              <a:rPr lang="en-US" altLang="ko-KR" dirty="0"/>
-              <a:t> </a:t>
-            </a:r>
-            <a:r>
-              <a:rPr lang="en-US" altLang="ko-KR" dirty="0" err="1"/>
-              <a:t>cudaFree</a:t>
-            </a:r>
-            <a:r>
-              <a:rPr lang="en-US" altLang="ko-KR" dirty="0"/>
-              <a:t>(void* </a:t>
-            </a:r>
-            <a:r>
-              <a:rPr lang="en-US" altLang="ko-KR" dirty="0" err="1"/>
-              <a:t>devPtr</a:t>
-            </a:r>
-            <a:r>
-              <a:rPr lang="en-US" altLang="ko-KR" dirty="0"/>
-              <a:t>);</a:t>
-            </a:r>
-          </a:p>
-          <a:p>
-            <a:pPr marL="0" indent="0">
-              <a:buNone/>
-            </a:pPr>
-            <a:endParaRPr lang="en-US" altLang="ko-KR" dirty="0"/>
-          </a:p>
-          <a:p>
-            <a:pPr marL="0" indent="0">
-              <a:buNone/>
-            </a:pPr>
-            <a:r>
-              <a:rPr lang="en-US" altLang="ko-KR" dirty="0"/>
-              <a:t>3. Copying GCM</a:t>
-            </a:r>
-          </a:p>
-          <a:p>
-            <a:pPr marL="0" indent="0">
-              <a:buNone/>
-            </a:pPr>
-            <a:r>
-              <a:rPr lang="en-US" altLang="ko-KR" dirty="0" err="1"/>
-              <a:t>cudaError_t</a:t>
-            </a:r>
-            <a:r>
-              <a:rPr lang="en-US" altLang="ko-KR" dirty="0"/>
-              <a:t> </a:t>
-            </a:r>
-            <a:r>
-              <a:rPr lang="en-US" altLang="ko-KR" dirty="0" err="1"/>
-              <a:t>cudaMemcpy</a:t>
-            </a:r>
-            <a:r>
-              <a:rPr lang="en-US" altLang="ko-KR" dirty="0"/>
-              <a:t>(void* </a:t>
-            </a:r>
-            <a:r>
-              <a:rPr lang="en-US" altLang="ko-KR" dirty="0" err="1"/>
-              <a:t>dst</a:t>
-            </a:r>
-            <a:r>
-              <a:rPr lang="en-US" altLang="ko-KR" dirty="0"/>
-              <a:t>, </a:t>
-            </a:r>
-            <a:r>
-              <a:rPr lang="en-US" altLang="ko-KR" dirty="0" err="1"/>
-              <a:t>const</a:t>
-            </a:r>
-            <a:r>
-              <a:rPr lang="en-US" altLang="ko-KR" dirty="0"/>
-              <a:t> void* </a:t>
-            </a:r>
-            <a:r>
-              <a:rPr lang="en-US" altLang="ko-KR" dirty="0" err="1"/>
-              <a:t>src</a:t>
-            </a:r>
-            <a:r>
-              <a:rPr lang="en-US" altLang="ko-KR" dirty="0"/>
-              <a:t>, </a:t>
-            </a:r>
-            <a:r>
-              <a:rPr lang="en-US" altLang="ko-KR" dirty="0" err="1"/>
-              <a:t>size_t</a:t>
-            </a:r>
-            <a:r>
-              <a:rPr lang="en-US" altLang="ko-KR" dirty="0"/>
-              <a:t> count, </a:t>
-            </a:r>
-            <a:r>
-              <a:rPr lang="en-US" altLang="ko-KR" dirty="0" err="1">
-                <a:solidFill>
-                  <a:srgbClr val="FF0000"/>
-                </a:solidFill>
-              </a:rPr>
-              <a:t>cudaMemcpyHostToDevice</a:t>
-            </a:r>
-            <a:r>
-              <a:rPr lang="en-US" altLang="ko-KR" dirty="0"/>
-              <a:t>);</a:t>
-            </a:r>
-          </a:p>
-          <a:p>
-            <a:pPr marL="514350" indent="-514350">
-              <a:buFont typeface="+mj-lt"/>
-              <a:buAutoNum type="arabicPeriod"/>
-            </a:pPr>
-            <a:endParaRPr lang="en-US" altLang="ko-KR" dirty="0"/>
-          </a:p>
-          <a:p>
-            <a:pPr marL="0" indent="0">
-              <a:buNone/>
-            </a:pPr>
-            <a:endParaRPr lang="en-US" altLang="ko-KR" dirty="0"/>
-          </a:p>
-          <a:p>
-            <a:pPr marL="514350" indent="-514350">
-              <a:buFont typeface="+mj-lt"/>
-              <a:buAutoNum type="arabicPeriod"/>
-            </a:pPr>
-            <a:endParaRPr lang="ko-KR" altLang="en-US" b="1" dirty="0"/>
-          </a:p>
-        </p:txBody>
-      </p:sp>
-      <p:sp>
-        <p:nvSpPr>
-          <p:cNvPr id="4" name="슬라이드 번호 개체 틀 3"/>
-          <p:cNvSpPr>
-            <a:spLocks noGrp="1"/>
-          </p:cNvSpPr>
-          <p:nvPr>
-            <p:ph type="sldNum" sz="quarter" idx="12"/>
-          </p:nvPr>
-        </p:nvSpPr>
-        <p:spPr/>
-        <p:txBody>
-          <a:bodyPr/>
-          <a:lstStyle/>
-          <a:p>
-            <a:fld id="{4BEDD84E-25D4-4983-8AA1-2863C96F08D9}" type="slidenum">
-              <a:rPr lang="ko-KR" altLang="en-US" smtClean="0">
-                <a:solidFill>
-                  <a:prstClr val="black">
-                    <a:tint val="75000"/>
-                  </a:prstClr>
-                </a:solidFill>
-              </a:rPr>
-              <a:pPr/>
-              <a:t>27</a:t>
-            </a:fld>
-            <a:endParaRPr lang="ko-KR" altLang="en-US" dirty="0">
-              <a:solidFill>
-                <a:prstClr val="black">
-                  <a:tint val="75000"/>
-                </a:prstClr>
-              </a:solidFill>
-            </a:endParaRPr>
-          </a:p>
-        </p:txBody>
-      </p:sp>
-    </p:spTree>
-    <p:extLst>
-      <p:ext uri="{BB962C8B-B14F-4D97-AF65-F5344CB8AC3E}">
-        <p14:creationId xmlns:p14="http://schemas.microsoft.com/office/powerpoint/2010/main" val="2227112225"/>
-      </p:ext>
-    </p:extLst>
-  </p:cSld>
-  <p:clrMapOvr>
-    <a:masterClrMapping/>
-  </p:clrMapOvr>
-</p:sld>
-</file>
-
 <file path=ppt/slides/slide28.xml><?xml version="1.0" encoding="utf-8"?>
 <p:sld xmlns:a="http://schemas.openxmlformats.org/drawingml/2006/main" xmlns:r="http://schemas.openxmlformats.org/officeDocument/2006/relationships" xmlns:p="http://schemas.openxmlformats.org/presentationml/2006/main">
   <p:cSld>
@@ -9697,10 +9460,27 @@
         </p:nvSpPr>
         <p:spPr/>
         <p:txBody>
-          <a:bodyPr/>
+          <a:bodyPr>
+            <a:normAutofit fontScale="90000"/>
+          </a:bodyPr>
           <a:lstStyle/>
           <a:p>
-            <a:endParaRPr lang="ko-KR" altLang="en-US"/>
+            <a:r>
+              <a:rPr lang="en-US" altLang="ko-KR" dirty="0"/>
+              <a:t>Allocation, </a:t>
+            </a:r>
+            <a:r>
+              <a:rPr lang="en-US" altLang="ko-KR" dirty="0" err="1"/>
+              <a:t>Deallocation</a:t>
+            </a:r>
+            <a:r>
+              <a:rPr lang="en-US" altLang="ko-KR" dirty="0"/>
+              <a:t> and Copying of Graphic Card Memory(GCM)</a:t>
+            </a:r>
+            <a:br>
+              <a:rPr lang="en-US" altLang="ko-KR" dirty="0"/>
+            </a:br>
+            <a:endParaRPr lang="ko-KR" altLang="en-US" dirty="0"/>
           </a:p>
         </p:txBody>
       </p:sp>
@@ -9716,42 +9496,242 @@
         </p:nvSpPr>
         <p:spPr/>
         <p:txBody>
+          <a:bodyPr>
+            <a:normAutofit fontScale="92500" lnSpcReduction="10000"/>
+          </a:bodyPr>
+          <a:lstStyle/>
+          <a:p>
+            <a:pPr marL="0" indent="0">
+              <a:buNone/>
+            </a:pPr>
+            <a:r>
+              <a:rPr lang="en-US" altLang="ko-KR" dirty="0"/>
+              <a:t>1. Memory Allocation of GCM</a:t>
+            </a:r>
+          </a:p>
+          <a:p>
+            <a:pPr marL="0" indent="0">
+              <a:buNone/>
+            </a:pPr>
+            <a:r>
+              <a:rPr lang="en-US" altLang="ko-KR" dirty="0" err="1"/>
+              <a:t>cudaError_t</a:t>
+            </a:r>
+            <a:r>
+              <a:rPr lang="en-US" altLang="ko-KR" dirty="0"/>
+              <a:t> </a:t>
+            </a:r>
+            <a:r>
+              <a:rPr lang="en-US" altLang="ko-KR" dirty="0" err="1"/>
+              <a:t>cudaMalloc</a:t>
+            </a:r>
+            <a:r>
+              <a:rPr lang="en-US" altLang="ko-KR" dirty="0"/>
+              <a:t>(void** </a:t>
+            </a:r>
+            <a:r>
+              <a:rPr lang="en-US" altLang="ko-KR" dirty="0" err="1"/>
+              <a:t>devPtr</a:t>
+            </a:r>
+            <a:r>
+              <a:rPr lang="en-US" altLang="ko-KR" dirty="0"/>
+              <a:t>, </a:t>
+            </a:r>
+            <a:r>
+              <a:rPr lang="en-US" altLang="ko-KR" dirty="0" err="1"/>
+              <a:t>size_t</a:t>
+            </a:r>
+            <a:r>
+              <a:rPr lang="en-US" altLang="ko-KR" dirty="0"/>
+              <a:t> count);</a:t>
+            </a:r>
+          </a:p>
+          <a:p>
+            <a:pPr marL="0" indent="0">
+              <a:buNone/>
+            </a:pPr>
+            <a:endParaRPr lang="en-US" altLang="ko-KR" dirty="0"/>
+          </a:p>
+          <a:p>
+            <a:pPr marL="0" indent="0">
+              <a:buNone/>
+            </a:pPr>
+            <a:r>
+              <a:rPr lang="en-US" altLang="ko-KR" dirty="0"/>
+              <a:t>2. Freeing GCM</a:t>
+            </a:r>
+          </a:p>
+          <a:p>
+            <a:pPr marL="0" indent="0">
+              <a:buNone/>
+            </a:pPr>
+            <a:r>
+              <a:rPr lang="en-US" altLang="ko-KR" dirty="0" err="1"/>
+              <a:t>cudaError_t</a:t>
+            </a:r>
+            <a:r>
+              <a:rPr lang="en-US" altLang="ko-KR" dirty="0"/>
+              <a:t> </a:t>
+            </a:r>
+            <a:r>
+              <a:rPr lang="en-US" altLang="ko-KR" dirty="0" err="1"/>
+              <a:t>cudaFree</a:t>
+            </a:r>
+            <a:r>
+              <a:rPr lang="en-US" altLang="ko-KR" dirty="0"/>
+              <a:t>(void* </a:t>
+            </a:r>
+            <a:r>
+              <a:rPr lang="en-US" altLang="ko-KR" dirty="0" err="1"/>
+              <a:t>devPtr</a:t>
+            </a:r>
+            <a:r>
+              <a:rPr lang="en-US" altLang="ko-KR" dirty="0"/>
+              <a:t>);</a:t>
+            </a:r>
+          </a:p>
+          <a:p>
+            <a:pPr marL="0" indent="0">
+              <a:buNone/>
+            </a:pPr>
+            <a:endParaRPr lang="en-US" altLang="ko-KR" dirty="0"/>
+          </a:p>
+          <a:p>
+            <a:pPr marL="0" indent="0">
+              <a:buNone/>
+            </a:pPr>
+            <a:r>
+              <a:rPr lang="en-US" altLang="ko-KR" dirty="0"/>
+              <a:t>3. Copying GCM</a:t>
+            </a:r>
+          </a:p>
+          <a:p>
+            <a:pPr marL="0" indent="0">
+              <a:buNone/>
+            </a:pPr>
+            <a:r>
+              <a:rPr lang="en-US" altLang="ko-KR" dirty="0" err="1"/>
+              <a:t>cudaError_t</a:t>
+            </a:r>
+            <a:r>
+              <a:rPr lang="en-US" altLang="ko-KR" dirty="0"/>
+              <a:t> </a:t>
+            </a:r>
+            <a:r>
+              <a:rPr lang="en-US" altLang="ko-KR" dirty="0" err="1"/>
+              <a:t>cudaMemcpy</a:t>
+            </a:r>
+            <a:r>
+              <a:rPr lang="en-US" altLang="ko-KR" dirty="0"/>
+              <a:t>(void* </a:t>
+            </a:r>
+            <a:r>
+              <a:rPr lang="en-US" altLang="ko-KR" dirty="0" err="1"/>
+              <a:t>dst</a:t>
+            </a:r>
+            <a:r>
+              <a:rPr lang="en-US" altLang="ko-KR" dirty="0"/>
+              <a:t>, </a:t>
+            </a:r>
+            <a:r>
+              <a:rPr lang="en-US" altLang="ko-KR" dirty="0" err="1"/>
+              <a:t>const</a:t>
+            </a:r>
+            <a:r>
+              <a:rPr lang="en-US" altLang="ko-KR" dirty="0"/>
+              <a:t> void* </a:t>
+            </a:r>
+            <a:r>
+              <a:rPr lang="en-US" altLang="ko-KR" dirty="0" err="1"/>
+              <a:t>src</a:t>
+            </a:r>
+            <a:r>
+              <a:rPr lang="en-US" altLang="ko-KR" dirty="0"/>
+              <a:t>, </a:t>
+            </a:r>
+            <a:r>
+              <a:rPr lang="en-US" altLang="ko-KR" dirty="0" err="1"/>
+              <a:t>size_t</a:t>
+            </a:r>
+            <a:r>
+              <a:rPr lang="en-US" altLang="ko-KR" dirty="0"/>
+              <a:t> count, </a:t>
+            </a:r>
+            <a:r>
+              <a:rPr lang="en-US" altLang="ko-KR" dirty="0" err="1">
+                <a:solidFill>
+                  <a:srgbClr val="FF0000"/>
+                </a:solidFill>
+              </a:rPr>
+              <a:t>cudaMemcpyHostToDevice</a:t>
+            </a:r>
+            <a:r>
+              <a:rPr lang="en-US" altLang="ko-KR" dirty="0"/>
+              <a:t>);</a:t>
+            </a:r>
+          </a:p>
+          <a:p>
+            <a:pPr marL="514350" indent="-514350">
+              <a:buFont typeface="+mj-lt"/>
+              <a:buAutoNum type="arabicPeriod"/>
+            </a:pPr>
+            <a:endParaRPr lang="en-US" altLang="ko-KR" dirty="0"/>
+          </a:p>
+          <a:p>
+            <a:pPr marL="0" indent="0">
+              <a:buNone/>
+            </a:pPr>
+            <a:endParaRPr lang="en-US" altLang="ko-KR" dirty="0"/>
+          </a:p>
+          <a:p>
+            <a:pPr marL="514350" indent="-514350">
+              <a:buFont typeface="+mj-lt"/>
+              <a:buAutoNum type="arabicPeriod"/>
+            </a:pPr>
+            <a:endParaRPr lang="ko-KR" altLang="en-US" b="1" dirty="0"/>
+          </a:p>
+        </p:txBody>
+      </p:sp>
+      <p:sp>
+        <p:nvSpPr>
+          <p:cNvPr id="4" name="슬라이드 번호 개체 틀 3"/>
+          <p:cNvSpPr>
+            <a:spLocks noGrp="1"/>
+          </p:cNvSpPr>
+          <p:nvPr>
+            <p:ph type="sldNum" sz="quarter" idx="12"/>
+          </p:nvPr>
+        </p:nvSpPr>
+        <p:spPr/>
+        <p:txBody>
           <a:bodyPr/>
           <a:lstStyle/>
           <a:p>
-            <a:r>
-              <a:rPr lang="en-US" altLang="ko-KR" dirty="0"/>
-              <a:t>Every CUDA call returns </a:t>
-            </a:r>
-            <a:r>
-              <a:rPr lang="en-US" altLang="ko-KR" dirty="0" err="1"/>
-              <a:t>cudaSuccess</a:t>
-            </a:r>
-            <a:r>
-              <a:rPr lang="en-US" altLang="ko-KR" dirty="0"/>
-              <a:t> or </a:t>
-            </a:r>
-          </a:p>
-          <a:p>
-            <a:pPr marL="0" indent="0">
-              <a:buNone/>
-            </a:pPr>
-            <a:r>
-              <a:rPr lang="en-US" altLang="ko-KR" dirty="0"/>
-              <a:t>    </a:t>
-            </a:r>
-            <a:r>
-              <a:rPr lang="en-US" altLang="ko-KR" dirty="0" err="1"/>
-              <a:t>cudaErrorMemoryAllocation</a:t>
-            </a:r>
-            <a:endParaRPr lang="ko-KR" altLang="en-US" dirty="0"/>
+            <a:fld id="{4BEDD84E-25D4-4983-8AA1-2863C96F08D9}" type="slidenum">
+              <a:rPr lang="ko-KR" altLang="en-US" smtClean="0">
+                <a:solidFill>
+                  <a:prstClr val="black">
+                    <a:tint val="75000"/>
+                  </a:prstClr>
+                </a:solidFill>
+              </a:rPr>
+              <a:pPr/>
+              <a:t>28</a:t>
+            </a:fld>
+            <a:endParaRPr lang="ko-KR" altLang="en-US" dirty="0">
+              <a:solidFill>
+                <a:prstClr val="black">
+                  <a:tint val="75000"/>
+                </a:prstClr>
+              </a:solidFill>
+            </a:endParaRPr>
           </a:p>
         </p:txBody>
       </p:sp>
     </p:spTree>
     <p:extLst>
       <p:ext uri="{BB962C8B-B14F-4D97-AF65-F5344CB8AC3E}">
-        <p14:creationId xmlns:p14="http://schemas.microsoft.com/office/powerpoint/2010/main" val="2250768904"/>
+        <p14:creationId xmlns:p14="http://schemas.microsoft.com/office/powerpoint/2010/main" val="2227112225"/>
       </p:ext>
     </p:extLst>
   </p:cSld>
@@ -9793,6 +9773,235 @@
           <a:bodyPr/>
           <a:lstStyle/>
           <a:p>
+            <a:endParaRPr lang="ko-KR" altLang="en-US"/>
+          </a:p>
+        </p:txBody>
+      </p:sp>
+      <p:sp>
+        <p:nvSpPr>
+          <p:cNvPr id="3" name="내용 개체 틀 2"/>
+          <p:cNvSpPr>
+            <a:spLocks noGrp="1"/>
+          </p:cNvSpPr>
+          <p:nvPr>
+            <p:ph idx="1"/>
+          </p:nvPr>
+        </p:nvSpPr>
+        <p:spPr/>
+        <p:txBody>
+          <a:bodyPr/>
+          <a:lstStyle/>
+          <a:p>
+            <a:r>
+              <a:rPr lang="en-US" altLang="ko-KR" dirty="0"/>
+              <a:t>Every CUDA call returns </a:t>
+            </a:r>
+            <a:r>
+              <a:rPr lang="en-US" altLang="ko-KR" dirty="0" err="1"/>
+              <a:t>cudaSuccess</a:t>
+            </a:r>
+            <a:r>
+              <a:rPr lang="en-US" altLang="ko-KR" dirty="0"/>
+              <a:t> or </a:t>
+            </a:r>
+          </a:p>
+          <a:p>
+            <a:pPr marL="0" indent="0">
+              <a:buNone/>
+            </a:pPr>
+            <a:r>
+              <a:rPr lang="en-US" altLang="ko-KR" dirty="0"/>
+              <a:t>    </a:t>
+            </a:r>
+            <a:r>
+              <a:rPr lang="en-US" altLang="ko-KR" dirty="0" err="1"/>
+              <a:t>cudaErrorMemoryAllocation</a:t>
+            </a:r>
+            <a:endParaRPr lang="ko-KR" altLang="en-US" dirty="0"/>
+          </a:p>
+        </p:txBody>
+      </p:sp>
+    </p:spTree>
+    <p:extLst>
+      <p:ext uri="{BB962C8B-B14F-4D97-AF65-F5344CB8AC3E}">
+        <p14:creationId xmlns:p14="http://schemas.microsoft.com/office/powerpoint/2010/main" val="2250768904"/>
+      </p:ext>
+    </p:extLst>
+  </p:cSld>
+  <p:clrMapOvr>
+    <a:masterClrMapping/>
+  </p:clrMapOvr>
+</p:sld>
+</file>
+
+<file path=ppt/slides/slide3.xml><?xml version="1.0" encoding="utf-8"?>
+<p:sld xmlns:a="http://schemas.openxmlformats.org/drawingml/2006/main" xmlns:r="http://schemas.openxmlformats.org/officeDocument/2006/relationships" xmlns:p="http://schemas.openxmlformats.org/presentationml/2006/main">
+  <p:cSld>
+    <p:spTree>
+      <p:nvGrpSpPr>
+        <p:cNvPr id="1" name=""/>
+        <p:cNvGrpSpPr/>
+        <p:nvPr/>
+      </p:nvGrpSpPr>
+      <p:grpSpPr>
+        <a:xfrm>
+          <a:off x="0" y="0"/>
+          <a:ext cx="0" cy="0"/>
+          <a:chOff x="0" y="0"/>
+          <a:chExt cx="0" cy="0"/>
+        </a:xfrm>
+      </p:grpSpPr>
+      <p:sp>
+        <p:nvSpPr>
+          <p:cNvPr id="2" name="제목 1"/>
+          <p:cNvSpPr>
+            <a:spLocks noGrp="1"/>
+          </p:cNvSpPr>
+          <p:nvPr>
+            <p:ph type="title"/>
+          </p:nvPr>
+        </p:nvSpPr>
+        <p:spPr/>
+        <p:txBody>
+          <a:bodyPr/>
+          <a:lstStyle/>
+          <a:p>
+            <a:r>
+              <a:rPr lang="en-US" altLang="ko-KR" dirty="0"/>
+              <a:t>Flynn’s Taxonomy</a:t>
+            </a:r>
+            <a:endParaRPr lang="ko-KR" altLang="en-US" dirty="0"/>
+          </a:p>
+        </p:txBody>
+      </p:sp>
+      <p:sp>
+        <p:nvSpPr>
+          <p:cNvPr id="3" name="내용 개체 틀 2"/>
+          <p:cNvSpPr>
+            <a:spLocks noGrp="1"/>
+          </p:cNvSpPr>
+          <p:nvPr>
+            <p:ph idx="1"/>
+          </p:nvPr>
+        </p:nvSpPr>
+        <p:spPr/>
+        <p:txBody>
+          <a:bodyPr/>
+          <a:lstStyle/>
+          <a:p>
+            <a:endParaRPr lang="ko-KR" altLang="en-US" dirty="0"/>
+          </a:p>
+        </p:txBody>
+      </p:sp>
+      <p:pic>
+        <p:nvPicPr>
+          <p:cNvPr id="2050" name="Picture 2"/>
+          <p:cNvPicPr>
+            <a:picLocks noChangeAspect="1" noChangeArrowheads="1"/>
+          </p:cNvPicPr>
+          <p:nvPr/>
+        </p:nvPicPr>
+        <p:blipFill>
+          <a:blip r:embed="rId2">
+            <a:extLst>
+              <a:ext uri="{28A0092B-C50C-407E-A947-70E740481C1C}">
+                <a14:useLocalDpi xmlns:a14="http://schemas.microsoft.com/office/drawing/2010/main" val="0"/>
+              </a:ext>
+            </a:extLst>
+          </a:blip>
+          <a:srcRect/>
+          <a:stretch>
+            <a:fillRect/>
+          </a:stretch>
+        </p:blipFill>
+        <p:spPr bwMode="auto">
+          <a:xfrm>
+            <a:off x="1835696" y="1282700"/>
+            <a:ext cx="5143500" cy="5575300"/>
+          </a:xfrm>
+          <a:prstGeom prst="rect">
+            <a:avLst/>
+          </a:prstGeom>
+          <a:noFill/>
+          <a:ln>
+            <a:noFill/>
+          </a:ln>
+          <a:effectLst/>
+          <a:extLst>
+            <a:ext uri="{909E8E84-426E-40DD-AFC4-6F175D3DCCD1}">
+              <a14:hiddenFill xmlns:a14="http://schemas.microsoft.com/office/drawing/2010/main">
+                <a:solidFill>
+                  <a:schemeClr val="accent1"/>
+                </a:solidFill>
+              </a14:hiddenFill>
+            </a:ext>
+            <a:ext uri="{91240B29-F687-4F45-9708-019B960494DF}">
+              <a14:hiddenLine xmlns:a14="http://schemas.microsoft.com/office/drawing/2010/main" w="9525">
+                <a:solidFill>
+                  <a:schemeClr val="tx1"/>
+                </a:solidFill>
+                <a:miter lim="800000"/>
+                <a:headEnd/>
+                <a:tailEnd/>
+              </a14:hiddenLine>
+            </a:ext>
+            <a:ext uri="{AF507438-7753-43E0-B8FC-AC1667EBCBE1}">
+              <a14:hiddenEffects xmlns:a14="http://schemas.microsoft.com/office/drawing/2010/main">
+                <a:effectLst>
+                  <a:outerShdw dist="35921" dir="2700000" algn="ctr" rotWithShape="0">
+                    <a:schemeClr val="bg2"/>
+                  </a:outerShdw>
+                </a:effectLst>
+              </a14:hiddenEffects>
+            </a:ext>
+          </a:extLst>
+        </p:spPr>
+      </p:pic>
+    </p:spTree>
+    <p:extLst>
+      <p:ext uri="{BB962C8B-B14F-4D97-AF65-F5344CB8AC3E}">
+        <p14:creationId xmlns:p14="http://schemas.microsoft.com/office/powerpoint/2010/main" val="2924381962"/>
+      </p:ext>
+    </p:extLst>
+  </p:cSld>
+  <p:clrMapOvr>
+    <a:masterClrMapping/>
+  </p:clrMapOvr>
+</p:sld>
+</file>
+
+<file path=ppt/slides/slide30.xml><?xml version="1.0" encoding="utf-8"?>
+<p:sld xmlns:a="http://schemas.openxmlformats.org/drawingml/2006/main" xmlns:r="http://schemas.openxmlformats.org/officeDocument/2006/relationships" xmlns:p="http://schemas.openxmlformats.org/presentationml/2006/main">
+  <p:cSld>
+    <p:spTree>
+      <p:nvGrpSpPr>
+        <p:cNvPr id="1" name=""/>
+        <p:cNvGrpSpPr/>
+        <p:nvPr/>
+      </p:nvGrpSpPr>
+      <p:grpSpPr>
+        <a:xfrm>
+          <a:off x="0" y="0"/>
+          <a:ext cx="0" cy="0"/>
+          <a:chOff x="0" y="0"/>
+          <a:chExt cx="0" cy="0"/>
+        </a:xfrm>
+      </p:grpSpPr>
+      <p:sp>
+        <p:nvSpPr>
+          <p:cNvPr id="2" name="제목 1"/>
+          <p:cNvSpPr>
+            <a:spLocks noGrp="1"/>
+          </p:cNvSpPr>
+          <p:nvPr>
+            <p:ph type="title"/>
+          </p:nvPr>
+        </p:nvSpPr>
+        <p:spPr/>
+        <p:txBody>
+          <a:bodyPr/>
+          <a:lstStyle/>
+          <a:p>
             <a:r>
               <a:rPr lang="en-US" altLang="ko-KR" dirty="0" err="1"/>
               <a:t>cudaMemcpy</a:t>
@@ -9865,7 +10074,7 @@
                 </a:solidFill>
               </a:rPr>
               <a:pPr/>
-              <a:t>29</a:t>
+              <a:t>30</a:t>
             </a:fld>
             <a:endParaRPr lang="ko-KR" altLang="en-US" dirty="0">
               <a:solidFill>
@@ -10127,7 +10336,7 @@
 </p:sld>
 </file>
 
-<file path=ppt/slides/slide3.xml><?xml version="1.0" encoding="utf-8"?>
+<file path=ppt/slides/slide31.xml><?xml version="1.0" encoding="utf-8"?>
 <p:sld xmlns:a="http://schemas.openxmlformats.org/drawingml/2006/main" xmlns:r="http://schemas.openxmlformats.org/officeDocument/2006/relationships" xmlns:p="http://schemas.openxmlformats.org/presentationml/2006/main">
   <p:cSld>
     <p:spTree>
@@ -10161,142 +10370,6 @@
           <a:p>
             <a:r>
               <a:rPr lang="en-US" altLang="ko-KR" dirty="0"/>
-              <a:t>Flynn’s Taxonomy</a:t>
-            </a:r>
-            <a:endParaRPr lang="ko-KR" altLang="en-US" dirty="0"/>
-          </a:p>
-        </p:txBody>
-      </p:sp>
-      <p:sp>
-        <p:nvSpPr>
-          <p:cNvPr id="3" name="내용 개체 틀 2"/>
-          <p:cNvSpPr>
-            <a:spLocks noGrp="1"/>
-          </p:cNvSpPr>
-          <p:nvPr>
-            <p:ph idx="1"/>
-          </p:nvPr>
-        </p:nvSpPr>
-        <p:spPr/>
-        <p:txBody>
-          <a:bodyPr/>
-          <a:lstStyle/>
-          <a:p>
-            <a:endParaRPr lang="ko-KR" altLang="en-US" dirty="0"/>
-          </a:p>
-        </p:txBody>
-      </p:sp>
-      <p:pic>
-        <p:nvPicPr>
-          <p:cNvPr id="2050" name="Picture 2"/>
-          <p:cNvPicPr>
-            <a:picLocks noChangeAspect="1" noChangeArrowheads="1"/>
-          </p:cNvPicPr>
-          <p:nvPr/>
-        </p:nvPicPr>
-        <p:blipFill>
-          <a:blip r:embed="rId2">
-            <a:extLst>
-              <a:ext uri="{28A0092B-C50C-407E-A947-70E740481C1C}">
-                <a14:useLocalDpi xmlns:a14="http://schemas.microsoft.com/office/drawing/2010/main" val="0"/>
-              </a:ext>
-            </a:extLst>
-          </a:blip>
-          <a:srcRect/>
-          <a:stretch>
-            <a:fillRect/>
-          </a:stretch>
-        </p:blipFill>
-        <p:spPr bwMode="auto">
-          <a:xfrm>
-            <a:off x="1835696" y="1282700"/>
-            <a:ext cx="5143500" cy="5575300"/>
-          </a:xfrm>
-          <a:prstGeom prst="rect">
-            <a:avLst/>
-          </a:prstGeom>
-          <a:noFill/>
-          <a:ln>
-            <a:noFill/>
-          </a:ln>
-          <a:effectLst/>
-          <a:extLst>
-            <a:ext uri="{909E8E84-426E-40DD-AFC4-6F175D3DCCD1}">
-              <a14:hiddenFill xmlns:a14="http://schemas.microsoft.com/office/drawing/2010/main">
-                <a:solidFill>
-                  <a:schemeClr val="accent1"/>
-                </a:solidFill>
-              </a14:hiddenFill>
-            </a:ext>
-            <a:ext uri="{91240B29-F687-4F45-9708-019B960494DF}">
-              <a14:hiddenLine xmlns:a14="http://schemas.microsoft.com/office/drawing/2010/main" w="9525">
-                <a:solidFill>
-                  <a:schemeClr val="tx1"/>
-                </a:solidFill>
-                <a:miter lim="800000"/>
-                <a:headEnd/>
-                <a:tailEnd/>
-              </a14:hiddenLine>
-            </a:ext>
-            <a:ext uri="{AF507438-7753-43E0-B8FC-AC1667EBCBE1}">
-              <a14:hiddenEffects xmlns:a14="http://schemas.microsoft.com/office/drawing/2010/main">
-                <a:effectLst>
-                  <a:outerShdw dist="35921" dir="2700000" algn="ctr" rotWithShape="0">
-                    <a:schemeClr val="bg2"/>
-                  </a:outerShdw>
-                </a:effectLst>
-              </a14:hiddenEffects>
-            </a:ext>
-          </a:extLst>
-        </p:spPr>
-      </p:pic>
-    </p:spTree>
-    <p:extLst>
-      <p:ext uri="{BB962C8B-B14F-4D97-AF65-F5344CB8AC3E}">
-        <p14:creationId xmlns:p14="http://schemas.microsoft.com/office/powerpoint/2010/main" val="2924381962"/>
-      </p:ext>
-    </p:extLst>
-  </p:cSld>
-  <p:clrMapOvr>
-    <a:masterClrMapping/>
-  </p:clrMapOvr>
-</p:sld>
-</file>
-
-<file path=ppt/slides/slide30.xml><?xml version="1.0" encoding="utf-8"?>
-<p:sld xmlns:a="http://schemas.openxmlformats.org/drawingml/2006/main" xmlns:r="http://schemas.openxmlformats.org/officeDocument/2006/relationships" xmlns:p="http://schemas.openxmlformats.org/presentationml/2006/main">
-  <p:cSld>
-    <p:spTree>
-      <p:nvGrpSpPr>
-        <p:cNvPr id="1" name=""/>
-        <p:cNvGrpSpPr/>
-        <p:nvPr/>
-      </p:nvGrpSpPr>
-      <p:grpSpPr>
-        <a:xfrm>
-          <a:off x="0" y="0"/>
-          <a:ext cx="0" cy="0"/>
-          <a:chOff x="0" y="0"/>
-          <a:chExt cx="0" cy="0"/>
-        </a:xfrm>
-      </p:grpSpPr>
-      <p:sp>
-        <p:nvSpPr>
-          <p:cNvPr id="2" name="제목 1"/>
-          <p:cNvSpPr>
-            <a:spLocks noGrp="1"/>
-          </p:cNvSpPr>
-          <p:nvPr>
-            <p:ph type="title"/>
-          </p:nvPr>
-        </p:nvSpPr>
-        <p:spPr/>
-        <p:txBody>
-          <a:bodyPr/>
-          <a:lstStyle/>
-          <a:p>
-            <a:r>
-              <a:rPr lang="en-US" altLang="ko-KR" dirty="0"/>
               <a:t>GPU Parallel Processing</a:t>
             </a:r>
             <a:endParaRPr lang="ko-KR" altLang="en-US" dirty="0"/>
@@ -10346,7 +10419,7 @@
                 </a:solidFill>
               </a:rPr>
               <a:pPr/>
-              <a:t>30</a:t>
+              <a:t>31</a:t>
             </a:fld>
             <a:endParaRPr lang="ko-KR" altLang="en-US" dirty="0">
               <a:solidFill>
@@ -10435,214 +10508,6 @@
 </p:sld>
 </file>
 
-<file path=ppt/slides/slide31.xml><?xml version="1.0" encoding="utf-8"?>
-<p:sld xmlns:a="http://schemas.openxmlformats.org/drawingml/2006/main" xmlns:r="http://schemas.openxmlformats.org/officeDocument/2006/relationships" xmlns:p="http://schemas.openxmlformats.org/presentationml/2006/main">
-  <p:cSld>
-    <p:spTree>
-      <p:nvGrpSpPr>
-        <p:cNvPr id="1" name=""/>
-        <p:cNvGrpSpPr/>
-        <p:nvPr/>
-      </p:nvGrpSpPr>
-      <p:grpSpPr>
-        <a:xfrm>
-          <a:off x="0" y="0"/>
-          <a:ext cx="0" cy="0"/>
-          <a:chOff x="0" y="0"/>
-          <a:chExt cx="0" cy="0"/>
-        </a:xfrm>
-      </p:grpSpPr>
-      <p:sp>
-        <p:nvSpPr>
-          <p:cNvPr id="2" name="제목 1"/>
-          <p:cNvSpPr>
-            <a:spLocks noGrp="1"/>
-          </p:cNvSpPr>
-          <p:nvPr>
-            <p:ph type="title"/>
-          </p:nvPr>
-        </p:nvSpPr>
-        <p:spPr/>
-        <p:txBody>
-          <a:bodyPr/>
-          <a:lstStyle/>
-          <a:p>
-            <a:r>
-              <a:rPr lang="en-US" altLang="ko-KR" dirty="0"/>
-              <a:t>Processing Procedure</a:t>
-            </a:r>
-            <a:endParaRPr lang="ko-KR" altLang="en-US" dirty="0"/>
-          </a:p>
-        </p:txBody>
-      </p:sp>
-      <p:sp>
-        <p:nvSpPr>
-          <p:cNvPr id="3" name="내용 개체 틀 2"/>
-          <p:cNvSpPr>
-            <a:spLocks noGrp="1"/>
-          </p:cNvSpPr>
-          <p:nvPr>
-            <p:ph idx="1"/>
-          </p:nvPr>
-        </p:nvSpPr>
-        <p:spPr/>
-        <p:txBody>
-          <a:bodyPr>
-            <a:normAutofit fontScale="85000" lnSpcReduction="20000"/>
-          </a:bodyPr>
-          <a:lstStyle/>
-          <a:p>
-            <a:pPr marL="514350" indent="-514350">
-              <a:buFont typeface="+mj-lt"/>
-              <a:buAutoNum type="arabicPeriod"/>
-            </a:pPr>
-            <a:r>
-              <a:rPr lang="en-US" altLang="ko-KR" dirty="0"/>
-              <a:t>Allocation of I/O Main Memory</a:t>
-            </a:r>
-          </a:p>
-          <a:p>
-            <a:pPr marL="514350" indent="-514350">
-              <a:buFont typeface="+mj-lt"/>
-              <a:buAutoNum type="arabicPeriod"/>
-            </a:pPr>
-            <a:r>
-              <a:rPr lang="en-US" altLang="ko-KR" dirty="0"/>
-              <a:t>Allocation of I/O GCM</a:t>
-            </a:r>
-          </a:p>
-          <a:p>
-            <a:pPr marL="514350" indent="-514350">
-              <a:buFont typeface="+mj-lt"/>
-              <a:buAutoNum type="arabicPeriod"/>
-            </a:pPr>
-            <a:r>
-              <a:rPr lang="en-US" altLang="ko-KR" dirty="0"/>
-              <a:t>Input data to Main Memory</a:t>
-            </a:r>
-          </a:p>
-          <a:p>
-            <a:pPr marL="514350" indent="-514350">
-              <a:buFont typeface="+mj-lt"/>
-              <a:buAutoNum type="arabicPeriod"/>
-            </a:pPr>
-            <a:r>
-              <a:rPr lang="en-US" altLang="ko-KR" dirty="0"/>
-              <a:t>Copy input data from MM to GCM</a:t>
-            </a:r>
-          </a:p>
-          <a:p>
-            <a:pPr marL="514350" indent="-514350">
-              <a:buFont typeface="+mj-lt"/>
-              <a:buAutoNum type="arabicPeriod"/>
-            </a:pPr>
-            <a:r>
-              <a:rPr lang="en-US" altLang="ko-KR" dirty="0"/>
-              <a:t>Distribute the data to the memory of GPU</a:t>
-            </a:r>
-          </a:p>
-          <a:p>
-            <a:pPr marL="514350" indent="-514350">
-              <a:buFont typeface="+mj-lt"/>
-              <a:buAutoNum type="arabicPeriod"/>
-            </a:pPr>
-            <a:r>
-              <a:rPr lang="en-US" altLang="ko-KR" dirty="0"/>
-              <a:t>Process by executing threads in parallel</a:t>
-            </a:r>
-          </a:p>
-          <a:p>
-            <a:pPr marL="514350" indent="-514350">
-              <a:buFont typeface="+mj-lt"/>
-              <a:buAutoNum type="arabicPeriod"/>
-            </a:pPr>
-            <a:r>
-              <a:rPr lang="en-US" altLang="ko-KR" dirty="0"/>
-              <a:t>Load the process data to the output GCM</a:t>
-            </a:r>
-          </a:p>
-          <a:p>
-            <a:pPr marL="514350" indent="-514350">
-              <a:buFont typeface="+mj-lt"/>
-              <a:buAutoNum type="arabicPeriod"/>
-            </a:pPr>
-            <a:r>
-              <a:rPr lang="en-US" altLang="ko-KR" dirty="0"/>
-              <a:t>Send the output data of GCM to MM</a:t>
-            </a:r>
-          </a:p>
-          <a:p>
-            <a:pPr marL="514350" indent="-514350">
-              <a:buFont typeface="+mj-lt"/>
-              <a:buAutoNum type="arabicPeriod"/>
-            </a:pPr>
-            <a:r>
-              <a:rPr lang="en-US" altLang="ko-KR" dirty="0"/>
-              <a:t>Free GCM</a:t>
-            </a:r>
-          </a:p>
-          <a:p>
-            <a:pPr marL="514350" indent="-514350">
-              <a:buFont typeface="+mj-lt"/>
-              <a:buAutoNum type="arabicPeriod"/>
-            </a:pPr>
-            <a:r>
-              <a:rPr lang="en-US" altLang="ko-KR" dirty="0"/>
-              <a:t>Free MM</a:t>
-            </a:r>
-            <a:endParaRPr lang="ko-KR" altLang="en-US" dirty="0"/>
-          </a:p>
-        </p:txBody>
-      </p:sp>
-      <p:sp>
-        <p:nvSpPr>
-          <p:cNvPr id="4" name="슬라이드 번호 개체 틀 3"/>
-          <p:cNvSpPr>
-            <a:spLocks noGrp="1"/>
-          </p:cNvSpPr>
-          <p:nvPr>
-            <p:ph type="sldNum" sz="quarter" idx="12"/>
-          </p:nvPr>
-        </p:nvSpPr>
-        <p:spPr/>
-        <p:txBody>
-          <a:bodyPr/>
-          <a:lstStyle/>
-          <a:p>
-            <a:fld id="{4BEDD84E-25D4-4983-8AA1-2863C96F08D9}" type="slidenum">
-              <a:rPr lang="ko-KR" altLang="en-US" smtClean="0">
-                <a:solidFill>
-                  <a:prstClr val="black">
-                    <a:tint val="75000"/>
-                  </a:prstClr>
-                </a:solidFill>
-              </a:rPr>
-              <a:pPr/>
-              <a:t>31</a:t>
-            </a:fld>
-            <a:endParaRPr lang="ko-KR" altLang="en-US" dirty="0">
-              <a:solidFill>
-                <a:prstClr val="black">
-                  <a:tint val="75000"/>
-                </a:prstClr>
-              </a:solidFill>
-            </a:endParaRPr>
-          </a:p>
-        </p:txBody>
-      </p:sp>
-    </p:spTree>
-    <p:extLst>
-      <p:ext uri="{BB962C8B-B14F-4D97-AF65-F5344CB8AC3E}">
-        <p14:creationId xmlns:p14="http://schemas.microsoft.com/office/powerpoint/2010/main" val="2502688837"/>
-      </p:ext>
-    </p:extLst>
-  </p:cSld>
-  <p:clrMapOvr>
-    <a:masterClrMapping/>
-  </p:clrMapOvr>
-</p:sld>
-</file>
-
 <file path=ppt/slides/slide32.xml><?xml version="1.0" encoding="utf-8"?>
 <p:sld xmlns:a="http://schemas.openxmlformats.org/drawingml/2006/main" xmlns:r="http://schemas.openxmlformats.org/officeDocument/2006/relationships" xmlns:p="http://schemas.openxmlformats.org/presentationml/2006/main">
   <p:cSld>
@@ -10677,7 +10542,7 @@
           <a:p>
             <a:r>
               <a:rPr lang="en-US" altLang="ko-KR" dirty="0"/>
-              <a:t>Host and Device</a:t>
+              <a:t>Processing Procedure</a:t>
             </a:r>
             <a:endParaRPr lang="ko-KR" altLang="en-US" dirty="0"/>
           </a:p>
@@ -10695,18 +10560,108 @@
         </p:nvSpPr>
         <p:spPr/>
         <p:txBody>
-          <a:bodyPr/>
+          <a:bodyPr>
+            <a:normAutofit fontScale="85000" lnSpcReduction="20000"/>
+          </a:bodyPr>
           <a:lstStyle/>
           <a:p>
-            <a:r>
-              <a:rPr lang="en-US" altLang="ko-KR" dirty="0"/>
-              <a:t>Host:  The CPU and the System’s Memory</a:t>
-            </a:r>
-          </a:p>
-          <a:p>
-            <a:r>
-              <a:rPr lang="en-US" altLang="ko-KR" dirty="0"/>
-              <a:t>Device: the GPU and its memory</a:t>
+            <a:pPr marL="514350" indent="-514350">
+              <a:buFont typeface="+mj-lt"/>
+              <a:buAutoNum type="arabicPeriod"/>
+            </a:pPr>
+            <a:r>
+              <a:rPr lang="en-US" altLang="ko-KR" dirty="0"/>
+              <a:t>Allocation of I/O Main Memory</a:t>
+            </a:r>
+          </a:p>
+          <a:p>
+            <a:pPr marL="514350" indent="-514350">
+              <a:buFont typeface="+mj-lt"/>
+              <a:buAutoNum type="arabicPeriod"/>
+            </a:pPr>
+            <a:r>
+              <a:rPr lang="en-US" altLang="ko-KR" dirty="0"/>
+              <a:t>Allocation of I/O GCM</a:t>
+            </a:r>
+          </a:p>
+          <a:p>
+            <a:pPr marL="514350" indent="-514350">
+              <a:buFont typeface="+mj-lt"/>
+              <a:buAutoNum type="arabicPeriod"/>
+            </a:pPr>
+            <a:r>
+              <a:rPr lang="en-US" altLang="ko-KR" dirty="0"/>
+              <a:t>Input data to Main Memory</a:t>
+            </a:r>
+          </a:p>
+          <a:p>
+            <a:pPr marL="514350" indent="-514350">
+              <a:buFont typeface="+mj-lt"/>
+              <a:buAutoNum type="arabicPeriod"/>
+            </a:pPr>
+            <a:r>
+              <a:rPr lang="en-US" altLang="ko-KR" dirty="0"/>
+              <a:t>Copy input data from MM to GCM</a:t>
+            </a:r>
+          </a:p>
+          <a:p>
+            <a:pPr marL="514350" indent="-514350">
+              <a:buFont typeface="+mj-lt"/>
+              <a:buAutoNum type="arabicPeriod"/>
+            </a:pPr>
+            <a:r>
+              <a:rPr lang="en-US" altLang="ko-KR" dirty="0"/>
+              <a:t>Distribute the data to the memory of GPU</a:t>
+            </a:r>
+          </a:p>
+          <a:p>
+            <a:pPr marL="514350" indent="-514350">
+              <a:buFont typeface="+mj-lt"/>
+              <a:buAutoNum type="arabicPeriod"/>
+            </a:pPr>
+            <a:r>
+              <a:rPr lang="en-US" altLang="ko-KR" dirty="0"/>
+              <a:t>Process by executing threads in parallel</a:t>
+            </a:r>
+          </a:p>
+          <a:p>
+            <a:pPr marL="514350" indent="-514350">
+              <a:buFont typeface="+mj-lt"/>
+              <a:buAutoNum type="arabicPeriod"/>
+            </a:pPr>
+            <a:r>
+              <a:rPr lang="en-US" altLang="ko-KR" dirty="0"/>
+              <a:t>Load the process data to the output GCM</a:t>
+            </a:r>
+          </a:p>
+          <a:p>
+            <a:pPr marL="514350" indent="-514350">
+              <a:buFont typeface="+mj-lt"/>
+              <a:buAutoNum type="arabicPeriod"/>
+            </a:pPr>
+            <a:r>
+              <a:rPr lang="en-US" altLang="ko-KR" dirty="0"/>
+              <a:t>Send the output data of GCM to MM</a:t>
+            </a:r>
+          </a:p>
+          <a:p>
+            <a:pPr marL="514350" indent="-514350">
+              <a:buFont typeface="+mj-lt"/>
+              <a:buAutoNum type="arabicPeriod"/>
+            </a:pPr>
+            <a:r>
+              <a:rPr lang="en-US" altLang="ko-KR" dirty="0"/>
+              <a:t>Free GCM</a:t>
+            </a:r>
+          </a:p>
+          <a:p>
+            <a:pPr marL="514350" indent="-514350">
+              <a:buFont typeface="+mj-lt"/>
+              <a:buAutoNum type="arabicPeriod"/>
+            </a:pPr>
+            <a:r>
+              <a:rPr lang="en-US" altLang="ko-KR" dirty="0"/>
+              <a:t>Free MM</a:t>
             </a:r>
             <a:endParaRPr lang="ko-KR" altLang="en-US" dirty="0"/>
           </a:p>
@@ -10751,7 +10706,7 @@
     </p:spTree>
     <p:extLst>
       <p:ext uri="{BB962C8B-B14F-4D97-AF65-F5344CB8AC3E}">
-        <p14:creationId xmlns:p14="http://schemas.microsoft.com/office/powerpoint/2010/main" val="2974453871"/>
+        <p14:creationId xmlns:p14="http://schemas.microsoft.com/office/powerpoint/2010/main" val="2502688837"/>
       </p:ext>
     </p:extLst>
   </p:cSld>
@@ -10795,7 +10750,7 @@
           <a:p>
             <a:r>
               <a:rPr lang="en-US" altLang="ko-KR" dirty="0"/>
-              <a:t>Kernel Function of CUDA</a:t>
+              <a:t>Host and Device</a:t>
             </a:r>
             <a:endParaRPr lang="ko-KR" altLang="en-US" dirty="0"/>
           </a:p>
@@ -10813,137 +10768,18 @@
         </p:nvSpPr>
         <p:spPr/>
         <p:txBody>
-          <a:bodyPr>
-            <a:normAutofit fontScale="85000" lnSpcReduction="20000"/>
-          </a:bodyPr>
+          <a:bodyPr/>
           <a:lstStyle/>
           <a:p>
-            <a:pPr marL="0" indent="0">
-              <a:buNone/>
-            </a:pPr>
-            <a:r>
-              <a:rPr lang="en-US" altLang="ko-KR" u="sng" dirty="0">
-                <a:solidFill>
-                  <a:srgbClr val="FF0000"/>
-                </a:solidFill>
-              </a:rPr>
-              <a:t>A function that executes on the device is called a kernel.</a:t>
-            </a:r>
-          </a:p>
-          <a:p>
-            <a:pPr marL="0" indent="0">
-              <a:buNone/>
-            </a:pPr>
-            <a:r>
-              <a:rPr lang="en-US" altLang="ko-KR" dirty="0"/>
-              <a:t>_ _ global_ _ void </a:t>
-            </a:r>
-            <a:r>
-              <a:rPr lang="en-US" altLang="ko-KR" dirty="0" err="1"/>
-              <a:t>KernelFunction</a:t>
-            </a:r>
-            <a:r>
-              <a:rPr lang="en-US" altLang="ko-KR" dirty="0"/>
-              <a:t>(</a:t>
-            </a:r>
-            <a:r>
-              <a:rPr lang="en-US" altLang="ko-KR" dirty="0" err="1"/>
-              <a:t>int</a:t>
-            </a:r>
-            <a:r>
-              <a:rPr lang="en-US" altLang="ko-KR" dirty="0"/>
-              <a:t> a , </a:t>
-            </a:r>
-            <a:r>
-              <a:rPr lang="en-US" altLang="ko-KR" dirty="0" err="1"/>
-              <a:t>int</a:t>
-            </a:r>
-            <a:r>
-              <a:rPr lang="en-US" altLang="ko-KR" dirty="0"/>
-              <a:t> b, </a:t>
-            </a:r>
-            <a:r>
-              <a:rPr lang="en-US" altLang="ko-KR" dirty="0" err="1"/>
-              <a:t>int</a:t>
-            </a:r>
-            <a:r>
-              <a:rPr lang="en-US" altLang="ko-KR" dirty="0"/>
-              <a:t> c)</a:t>
-            </a:r>
-          </a:p>
-          <a:p>
-            <a:pPr marL="0" indent="0">
-              <a:buNone/>
-            </a:pPr>
-            <a:r>
-              <a:rPr lang="en-US" altLang="ko-KR" dirty="0"/>
-              <a:t>{</a:t>
-            </a:r>
-          </a:p>
-          <a:p>
-            <a:pPr marL="0" indent="0">
-              <a:buNone/>
-            </a:pPr>
-            <a:r>
-              <a:rPr lang="en-US" altLang="ko-KR" dirty="0"/>
-              <a:t>   ….</a:t>
-            </a:r>
-          </a:p>
-          <a:p>
-            <a:pPr marL="0" indent="0">
-              <a:buNone/>
-            </a:pPr>
-            <a:r>
-              <a:rPr lang="en-US" altLang="ko-KR" dirty="0"/>
-              <a:t>}</a:t>
-            </a:r>
-          </a:p>
-          <a:p>
-            <a:pPr marL="0" indent="0">
-              <a:buNone/>
-            </a:pPr>
-            <a:r>
-              <a:rPr lang="en-US" altLang="ko-KR" dirty="0"/>
-              <a:t>/* </a:t>
-            </a:r>
-          </a:p>
-          <a:p>
-            <a:pPr marL="0" indent="0">
-              <a:buNone/>
-            </a:pPr>
-            <a:r>
-              <a:rPr lang="en-US" altLang="ko-KR" dirty="0"/>
-              <a:t>Qualifier </a:t>
-            </a:r>
-            <a:r>
-              <a:rPr lang="en-US" altLang="ko-KR" dirty="0">
-                <a:solidFill>
-                  <a:srgbClr val="FF0000"/>
-                </a:solidFill>
-              </a:rPr>
-              <a:t>_ _ global_ _ </a:t>
-            </a:r>
-            <a:r>
-              <a:rPr lang="en-US" altLang="ko-KR" dirty="0"/>
-              <a:t>: It alerts the compiler that a function should be compiled to run on a device instead of the host.</a:t>
-            </a:r>
-          </a:p>
-          <a:p>
-            <a:pPr marL="0" indent="0">
-              <a:buNone/>
-            </a:pPr>
-            <a:r>
-              <a:rPr lang="en-US" altLang="ko-KR" dirty="0"/>
-              <a:t>No return value: void</a:t>
-            </a:r>
-          </a:p>
-          <a:p>
-            <a:pPr marL="0" indent="0">
-              <a:buNone/>
-            </a:pPr>
-            <a:r>
-              <a:rPr lang="en-US" altLang="ko-KR" dirty="0"/>
-              <a:t>*/</a:t>
+            <a:r>
+              <a:rPr lang="en-US" altLang="ko-KR" dirty="0"/>
+              <a:t>Host:  The CPU and the System’s Memory</a:t>
+            </a:r>
+          </a:p>
+          <a:p>
+            <a:r>
+              <a:rPr lang="en-US" altLang="ko-KR" dirty="0"/>
+              <a:t>Device: the GPU and its memory</a:t>
             </a:r>
             <a:endParaRPr lang="ko-KR" altLang="en-US" dirty="0"/>
           </a:p>
@@ -10988,7 +10824,7 @@
     </p:spTree>
     <p:extLst>
       <p:ext uri="{BB962C8B-B14F-4D97-AF65-F5344CB8AC3E}">
-        <p14:creationId xmlns:p14="http://schemas.microsoft.com/office/powerpoint/2010/main" val="90616183"/>
+        <p14:creationId xmlns:p14="http://schemas.microsoft.com/office/powerpoint/2010/main" val="2974453871"/>
       </p:ext>
     </p:extLst>
   </p:cSld>
@@ -11032,11 +10868,7 @@
           <a:p>
             <a:r>
               <a:rPr lang="en-US" altLang="ko-KR" dirty="0"/>
-              <a:t>Calling a </a:t>
-            </a:r>
-            <a:r>
-              <a:rPr lang="en-US" altLang="ko-KR" dirty="0" err="1"/>
-              <a:t>KernelFunction</a:t>
+              <a:t>Kernel Function of CUDA</a:t>
             </a:r>
             <a:endParaRPr lang="ko-KR" altLang="en-US" dirty="0"/>
           </a:p>
@@ -11063,23 +10895,54 @@
               <a:buNone/>
             </a:pPr>
             <a:r>
-              <a:rPr lang="en-US" altLang="ko-KR" dirty="0"/>
-              <a:t>#include &lt;</a:t>
-            </a:r>
-            <a:r>
-              <a:rPr lang="en-US" altLang="ko-KR" dirty="0" err="1"/>
-              <a:t>stdio.h</a:t>
-            </a:r>
-            <a:r>
-              <a:rPr lang="en-US" altLang="ko-KR" dirty="0"/>
-              <a:t>&gt;</a:t>
+              <a:rPr lang="en-US" altLang="ko-KR" u="sng" dirty="0">
+                <a:solidFill>
+                  <a:srgbClr val="FF0000"/>
+                </a:solidFill>
+              </a:rPr>
+              <a:t>A function that executes on the device is called a kernel.</a:t>
             </a:r>
           </a:p>
           <a:p>
             <a:pPr marL="0" indent="0">
               <a:buNone/>
             </a:pPr>
-            <a:endParaRPr lang="en-US" altLang="ko-KR" dirty="0"/>
+            <a:r>
+              <a:rPr lang="en-US" altLang="ko-KR" dirty="0"/>
+              <a:t>_ _ global_ _ void </a:t>
+            </a:r>
+            <a:r>
+              <a:rPr lang="en-US" altLang="ko-KR" dirty="0" err="1"/>
+              <a:t>KernelFunction</a:t>
+            </a:r>
+            <a:r>
+              <a:rPr lang="en-US" altLang="ko-KR" dirty="0"/>
+              <a:t>(</a:t>
+            </a:r>
+            <a:r>
+              <a:rPr lang="en-US" altLang="ko-KR" dirty="0" err="1"/>
+              <a:t>int</a:t>
+            </a:r>
+            <a:r>
+              <a:rPr lang="en-US" altLang="ko-KR" dirty="0"/>
+              <a:t> a , </a:t>
+            </a:r>
+            <a:r>
+              <a:rPr lang="en-US" altLang="ko-KR" dirty="0" err="1"/>
+              <a:t>int</a:t>
+            </a:r>
+            <a:r>
+              <a:rPr lang="en-US" altLang="ko-KR" dirty="0"/>
+              <a:t> b, </a:t>
+            </a:r>
+            <a:r>
+              <a:rPr lang="en-US" altLang="ko-KR" dirty="0" err="1"/>
+              <a:t>int</a:t>
+            </a:r>
+            <a:r>
+              <a:rPr lang="en-US" altLang="ko-KR" dirty="0"/>
+              <a:t> c)</a:t>
+            </a:r>
           </a:p>
           <a:p>
             <a:pPr marL="0" indent="0">
@@ -11087,23 +10950,7 @@
             </a:pPr>
             <a:r>
               <a:rPr lang="en-US" altLang="ko-KR" dirty="0"/>
-              <a:t>__global__ void kernel(</a:t>
-            </a:r>
-            <a:r>
-              <a:rPr lang="en-US" altLang="ko-KR" dirty="0" err="1"/>
-              <a:t>int</a:t>
-            </a:r>
-            <a:r>
-              <a:rPr lang="en-US" altLang="ko-KR" dirty="0"/>
-              <a:t> a, </a:t>
-            </a:r>
-            <a:r>
-              <a:rPr lang="en-US" altLang="ko-KR" dirty="0" err="1"/>
-              <a:t>int</a:t>
-            </a:r>
-            <a:r>
-              <a:rPr lang="en-US" altLang="ko-KR" dirty="0"/>
-              <a:t> b){</a:t>
+              <a:t>{</a:t>
             </a:r>
           </a:p>
           <a:p>
@@ -11112,23 +10959,7 @@
             </a:pPr>
             <a:r>
               <a:rPr lang="en-US" altLang="ko-KR" dirty="0"/>
-              <a:t>	</a:t>
-            </a:r>
-            <a:r>
-              <a:rPr lang="en-US" altLang="ko-KR" dirty="0" err="1"/>
-              <a:t>int</a:t>
-            </a:r>
-            <a:r>
-              <a:rPr lang="en-US" altLang="ko-KR" dirty="0"/>
-              <a:t> sum=</a:t>
-            </a:r>
-            <a:r>
-              <a:rPr lang="en-US" altLang="ko-KR" dirty="0" err="1"/>
-              <a:t>a+b</a:t>
-            </a:r>
-            <a:r>
-              <a:rPr lang="en-US" altLang="ko-KR" dirty="0"/>
-              <a:t>;</a:t>
+              <a:t>   ….</a:t>
             </a:r>
           </a:p>
           <a:p>
@@ -11145,12 +10976,8 @@
               <a:buNone/>
             </a:pPr>
             <a:r>
-              <a:rPr lang="en-US" altLang="ko-KR" dirty="0" err="1"/>
-              <a:t>int</a:t>
-            </a:r>
-            <a:r>
-              <a:rPr lang="en-US" altLang="ko-KR" dirty="0"/>
-              <a:t> main()</a:t>
+              <a:rPr lang="en-US" altLang="ko-KR" dirty="0"/>
+              <a:t>/* </a:t>
             </a:r>
           </a:p>
           <a:p>
@@ -11159,16 +10986,7 @@
             </a:pPr>
             <a:r>
               <a:rPr lang="en-US" altLang="ko-KR" dirty="0"/>
-              <a:t>{</a:t>
-            </a:r>
-          </a:p>
-          <a:p>
-            <a:pPr marL="0" indent="0">
-              <a:buNone/>
-            </a:pPr>
-            <a:r>
-              <a:rPr lang="en-US" altLang="ko-KR" dirty="0"/>
-              <a:t>	kernel</a:t>
+              <a:t>Qualifier </a:t>
             </a:r>
             <a:r>
               <a:rPr lang="en-US" altLang="ko-KR" dirty="0">
@@ -11176,11 +10994,11 @@
                   <a:srgbClr val="FF0000"/>
                 </a:solidFill>
               </a:rPr>
-              <a:t>&lt;&lt;&lt;6, 1&gt;&gt;&gt;</a:t>
-            </a:r>
-            <a:r>
-              <a:rPr lang="en-US" altLang="ko-KR" dirty="0"/>
-              <a:t>(10,21);</a:t>
+              <a:t>_ _ global_ _ </a:t>
+            </a:r>
+            <a:r>
+              <a:rPr lang="en-US" altLang="ko-KR" dirty="0"/>
+              <a:t>: It alerts the compiler that a function should be compiled to run on a device instead of the host.</a:t>
             </a:r>
           </a:p>
           <a:p>
@@ -11189,15 +11007,7 @@
             </a:pPr>
             <a:r>
               <a:rPr lang="en-US" altLang="ko-KR" dirty="0"/>
-              <a:t>	</a:t>
-            </a:r>
-            <a:r>
-              <a:rPr lang="en-US" altLang="ko-KR" dirty="0" err="1"/>
-              <a:t>printf</a:t>
-            </a:r>
-            <a:r>
-              <a:rPr lang="en-US" altLang="ko-KR" dirty="0"/>
-              <a:t>(…);</a:t>
+              <a:t>No return value: void</a:t>
             </a:r>
           </a:p>
           <a:p>
@@ -11206,8 +11016,9 @@
             </a:pPr>
             <a:r>
               <a:rPr lang="en-US" altLang="ko-KR" dirty="0"/>
-              <a:t>}</a:t>
-            </a:r>
+              <a:t>*/</a:t>
+            </a:r>
+            <a:endParaRPr lang="ko-KR" altLang="en-US" dirty="0"/>
           </a:p>
         </p:txBody>
       </p:sp>
@@ -11250,7 +11061,7 @@
     </p:spTree>
     <p:extLst>
       <p:ext uri="{BB962C8B-B14F-4D97-AF65-F5344CB8AC3E}">
-        <p14:creationId xmlns:p14="http://schemas.microsoft.com/office/powerpoint/2010/main" val="3811616223"/>
+        <p14:creationId xmlns:p14="http://schemas.microsoft.com/office/powerpoint/2010/main" val="90616183"/>
       </p:ext>
     </p:extLst>
   </p:cSld>
@@ -11294,7 +11105,11 @@
           <a:p>
             <a:r>
               <a:rPr lang="en-US" altLang="ko-KR" dirty="0"/>
-              <a:t>Kernel&lt;&lt;&lt;6,1&gt;&gt;&gt;(10,21)</a:t>
+              <a:t>Calling a </a:t>
+            </a:r>
+            <a:r>
+              <a:rPr lang="en-US" altLang="ko-KR" dirty="0" err="1"/>
+              <a:t>KernelFunction</a:t>
             </a:r>
             <a:endParaRPr lang="ko-KR" altLang="en-US" dirty="0"/>
           </a:p>
@@ -11312,23 +11127,160 @@
         </p:nvSpPr>
         <p:spPr/>
         <p:txBody>
-          <a:bodyPr/>
+          <a:bodyPr>
+            <a:normAutofit fontScale="85000" lnSpcReduction="20000"/>
+          </a:bodyPr>
           <a:lstStyle/>
-          <a:p>
-            <a:r>
-              <a:rPr lang="en-US" altLang="ko-KR" dirty="0"/>
-              <a:t>&lt;&lt;&lt;6,1&gt;&gt;&gt; ; the number of blocks = 6, </a:t>
-            </a:r>
-          </a:p>
           <a:p>
             <a:pPr marL="0" indent="0">
               <a:buNone/>
             </a:pPr>
             <a:r>
               <a:rPr lang="en-US" altLang="ko-KR" dirty="0"/>
-              <a:t>		   the number of thread(s) per 				block=1.</a:t>
-            </a:r>
-            <a:endParaRPr lang="ko-KR" altLang="en-US" dirty="0"/>
+              <a:t>#include &lt;</a:t>
+            </a:r>
+            <a:r>
+              <a:rPr lang="en-US" altLang="ko-KR" dirty="0" err="1"/>
+              <a:t>stdio.h</a:t>
+            </a:r>
+            <a:r>
+              <a:rPr lang="en-US" altLang="ko-KR" dirty="0"/>
+              <a:t>&gt;</a:t>
+            </a:r>
+          </a:p>
+          <a:p>
+            <a:pPr marL="0" indent="0">
+              <a:buNone/>
+            </a:pPr>
+            <a:endParaRPr lang="en-US" altLang="ko-KR" dirty="0"/>
+          </a:p>
+          <a:p>
+            <a:pPr marL="0" indent="0">
+              <a:buNone/>
+            </a:pPr>
+            <a:r>
+              <a:rPr lang="en-US" altLang="ko-KR" dirty="0"/>
+              <a:t>__global__ void kernel(</a:t>
+            </a:r>
+            <a:r>
+              <a:rPr lang="en-US" altLang="ko-KR" dirty="0" err="1"/>
+              <a:t>int</a:t>
+            </a:r>
+            <a:r>
+              <a:rPr lang="en-US" altLang="ko-KR" dirty="0"/>
+              <a:t> a, </a:t>
+            </a:r>
+            <a:r>
+              <a:rPr lang="en-US" altLang="ko-KR" dirty="0" err="1"/>
+              <a:t>int</a:t>
+            </a:r>
+            <a:r>
+              <a:rPr lang="en-US" altLang="ko-KR" dirty="0"/>
+              <a:t> b){</a:t>
+            </a:r>
+          </a:p>
+          <a:p>
+            <a:pPr marL="0" indent="0">
+              <a:buNone/>
+            </a:pPr>
+            <a:r>
+              <a:rPr lang="en-US" altLang="ko-KR" dirty="0"/>
+              <a:t>	</a:t>
+            </a:r>
+            <a:r>
+              <a:rPr lang="en-US" altLang="ko-KR" dirty="0" err="1"/>
+              <a:t>int</a:t>
+            </a:r>
+            <a:r>
+              <a:rPr lang="en-US" altLang="ko-KR" dirty="0"/>
+              <a:t> sum=</a:t>
+            </a:r>
+            <a:r>
+              <a:rPr lang="en-US" altLang="ko-KR" dirty="0" err="1"/>
+              <a:t>a+b</a:t>
+            </a:r>
+            <a:r>
+              <a:rPr lang="en-US" altLang="ko-KR" dirty="0"/>
+              <a:t>;</a:t>
+            </a:r>
+          </a:p>
+          <a:p>
+            <a:pPr marL="0" indent="0">
+              <a:buNone/>
+            </a:pPr>
+            <a:r>
+              <a:rPr lang="en-US" altLang="ko-KR" dirty="0"/>
+              <a:t>}</a:t>
+            </a:r>
+          </a:p>
+          <a:p>
+            <a:pPr marL="0" indent="0">
+              <a:buNone/>
+            </a:pPr>
+            <a:r>
+              <a:rPr lang="en-US" altLang="ko-KR" dirty="0" err="1"/>
+              <a:t>int</a:t>
+            </a:r>
+            <a:r>
+              <a:rPr lang="en-US" altLang="ko-KR" dirty="0"/>
+              <a:t> main()</a:t>
+            </a:r>
+          </a:p>
+          <a:p>
+            <a:pPr marL="0" indent="0">
+              <a:buNone/>
+            </a:pPr>
+            <a:r>
+              <a:rPr lang="en-US" altLang="ko-KR" dirty="0"/>
+              <a:t>{</a:t>
+            </a:r>
+          </a:p>
+          <a:p>
+            <a:pPr marL="0" indent="0">
+              <a:buNone/>
+            </a:pPr>
+            <a:r>
+              <a:rPr lang="en-US" altLang="ko-KR" dirty="0"/>
+              <a:t>	kernel</a:t>
+            </a:r>
+            <a:r>
+              <a:rPr lang="en-US" altLang="ko-KR" dirty="0">
+                <a:solidFill>
+                  <a:srgbClr val="FF0000"/>
+                </a:solidFill>
+              </a:rPr>
+              <a:t>&lt;&lt;&lt;6, 1&gt;&gt;&gt;</a:t>
+            </a:r>
+            <a:r>
+              <a:rPr lang="en-US" altLang="ko-KR" dirty="0"/>
+              <a:t>(10,21);</a:t>
+            </a:r>
+          </a:p>
+          <a:p>
+            <a:pPr marL="0" indent="0">
+              <a:buNone/>
+            </a:pPr>
+            <a:r>
+              <a:rPr lang="en-US" altLang="ko-KR" dirty="0"/>
+              <a:t>	</a:t>
+            </a:r>
+            <a:r>
+              <a:rPr lang="en-US" altLang="ko-KR" dirty="0" err="1"/>
+              <a:t>printf</a:t>
+            </a:r>
+            <a:r>
+              <a:rPr lang="en-US" altLang="ko-KR" dirty="0"/>
+              <a:t>(…);</a:t>
+            </a:r>
+          </a:p>
+          <a:p>
+            <a:pPr marL="0" indent="0">
+              <a:buNone/>
+            </a:pPr>
+            <a:r>
+              <a:rPr lang="en-US" altLang="ko-KR" dirty="0"/>
+              <a:t>}</a:t>
+            </a:r>
           </a:p>
         </p:txBody>
       </p:sp>
@@ -11371,7 +11323,7 @@
     </p:spTree>
     <p:extLst>
       <p:ext uri="{BB962C8B-B14F-4D97-AF65-F5344CB8AC3E}">
-        <p14:creationId xmlns:p14="http://schemas.microsoft.com/office/powerpoint/2010/main" val="1845452600"/>
+        <p14:creationId xmlns:p14="http://schemas.microsoft.com/office/powerpoint/2010/main" val="3811616223"/>
       </p:ext>
     </p:extLst>
   </p:cSld>
@@ -11415,7 +11367,39 @@
           <a:p>
             <a:r>
               <a:rPr lang="en-US" altLang="ko-KR" dirty="0"/>
-              <a:t>Thread-Block-Grid Model</a:t>
+              <a:t>Kernel&lt;&lt;&lt;6,1&gt;&gt;&gt;(10,21)</a:t>
+            </a:r>
+            <a:endParaRPr lang="ko-KR" altLang="en-US" dirty="0"/>
+          </a:p>
+        </p:txBody>
+      </p:sp>
+      <p:sp>
+        <p:nvSpPr>
+          <p:cNvPr id="3" name="내용 개체 틀 2"/>
+          <p:cNvSpPr>
+            <a:spLocks noGrp="1"/>
+          </p:cNvSpPr>
+          <p:nvPr>
+            <p:ph idx="1"/>
+          </p:nvPr>
+        </p:nvSpPr>
+        <p:spPr/>
+        <p:txBody>
+          <a:bodyPr/>
+          <a:lstStyle/>
+          <a:p>
+            <a:r>
+              <a:rPr lang="en-US" altLang="ko-KR" dirty="0"/>
+              <a:t>&lt;&lt;&lt;6,1&gt;&gt;&gt; ; the number of blocks = 6, </a:t>
+            </a:r>
+          </a:p>
+          <a:p>
+            <a:pPr marL="0" indent="0">
+              <a:buNone/>
+            </a:pPr>
+            <a:r>
+              <a:rPr lang="en-US" altLang="ko-KR" dirty="0"/>
+              <a:t>		   the number of thread(s) per 				block=1.</a:t>
             </a:r>
             <a:endParaRPr lang="ko-KR" altLang="en-US" dirty="0"/>
           </a:p>
@@ -11446,6 +11430,95 @@
               </a:rPr>
               <a:pPr/>
               <a:t>36</a:t>
+            </a:fld>
+            <a:endParaRPr lang="ko-KR" altLang="en-US" dirty="0">
+              <a:solidFill>
+                <a:prstClr val="black">
+                  <a:tint val="75000"/>
+                </a:prstClr>
+              </a:solidFill>
+            </a:endParaRPr>
+          </a:p>
+        </p:txBody>
+      </p:sp>
+    </p:spTree>
+    <p:extLst>
+      <p:ext uri="{BB962C8B-B14F-4D97-AF65-F5344CB8AC3E}">
+        <p14:creationId xmlns:p14="http://schemas.microsoft.com/office/powerpoint/2010/main" val="1845452600"/>
+      </p:ext>
+    </p:extLst>
+  </p:cSld>
+  <p:clrMapOvr>
+    <a:masterClrMapping/>
+  </p:clrMapOvr>
+</p:sld>
+</file>
+
+<file path=ppt/slides/slide37.xml><?xml version="1.0" encoding="utf-8"?>
+<p:sld xmlns:a="http://schemas.openxmlformats.org/drawingml/2006/main" xmlns:r="http://schemas.openxmlformats.org/officeDocument/2006/relationships" xmlns:p="http://schemas.openxmlformats.org/presentationml/2006/main">
+  <p:cSld>
+    <p:spTree>
+      <p:nvGrpSpPr>
+        <p:cNvPr id="1" name=""/>
+        <p:cNvGrpSpPr/>
+        <p:nvPr/>
+      </p:nvGrpSpPr>
+      <p:grpSpPr>
+        <a:xfrm>
+          <a:off x="0" y="0"/>
+          <a:ext cx="0" cy="0"/>
+          <a:chOff x="0" y="0"/>
+          <a:chExt cx="0" cy="0"/>
+        </a:xfrm>
+      </p:grpSpPr>
+      <p:sp>
+        <p:nvSpPr>
+          <p:cNvPr id="2" name="제목 1"/>
+          <p:cNvSpPr>
+            <a:spLocks noGrp="1"/>
+          </p:cNvSpPr>
+          <p:nvPr>
+            <p:ph type="title"/>
+          </p:nvPr>
+        </p:nvSpPr>
+        <p:spPr/>
+        <p:txBody>
+          <a:bodyPr/>
+          <a:lstStyle/>
+          <a:p>
+            <a:r>
+              <a:rPr lang="en-US" altLang="ko-KR" dirty="0"/>
+              <a:t>Thread-Block-Grid Model</a:t>
+            </a:r>
+            <a:endParaRPr lang="ko-KR" altLang="en-US" dirty="0"/>
+          </a:p>
+        </p:txBody>
+      </p:sp>
+      <p:sp>
+        <p:nvSpPr>
+          <p:cNvPr id="4" name="슬라이드 번호 개체 틀 3"/>
+          <p:cNvSpPr>
+            <a:spLocks noGrp="1"/>
+          </p:cNvSpPr>
+          <p:nvPr>
+            <p:ph type="sldNum" sz="quarter" idx="12"/>
+          </p:nvPr>
+        </p:nvSpPr>
+        <p:spPr/>
+        <p:txBody>
+          <a:bodyPr/>
+          <a:lstStyle/>
+          <a:p>
+            <a:fld id="{4BEDD84E-25D4-4983-8AA1-2863C96F08D9}" type="slidenum">
+              <a:rPr lang="ko-KR" altLang="en-US" smtClean="0">
+                <a:solidFill>
+                  <a:prstClr val="black">
+                    <a:tint val="75000"/>
+                  </a:prstClr>
+                </a:solidFill>
+              </a:rPr>
+              <a:pPr/>
+              <a:t>37</a:t>
             </a:fld>
             <a:endParaRPr lang="ko-KR" altLang="en-US" dirty="0">
               <a:solidFill>
@@ -12521,7 +12594,7 @@
 </p:sld>
 </file>
 
-<file path=ppt/slides/slide37.xml><?xml version="1.0" encoding="utf-8"?>
+<file path=ppt/slides/slide38.xml><?xml version="1.0" encoding="utf-8"?>
 <p:sld xmlns:a="http://schemas.openxmlformats.org/drawingml/2006/main" xmlns:r="http://schemas.openxmlformats.org/officeDocument/2006/relationships" xmlns:p="http://schemas.openxmlformats.org/presentationml/2006/main">
   <p:cSld>
     <p:spTree>
@@ -13565,7 +13638,7 @@
 </p:sld>
 </file>
 
-<file path=ppt/slides/slide38.xml><?xml version="1.0" encoding="utf-8"?>
+<file path=ppt/slides/slide39.xml><?xml version="1.0" encoding="utf-8"?>
 <p:sld xmlns:a="http://schemas.openxmlformats.org/drawingml/2006/main" xmlns:r="http://schemas.openxmlformats.org/officeDocument/2006/relationships" xmlns:p="http://schemas.openxmlformats.org/presentationml/2006/main">
   <p:cSld>
     <p:spTree>
@@ -13629,7 +13702,7 @@
                 </a:solidFill>
               </a:rPr>
               <a:pPr/>
-              <a:t>38</a:t>
+              <a:t>39</a:t>
             </a:fld>
             <a:endParaRPr lang="ko-KR" altLang="en-US" dirty="0">
               <a:solidFill>
@@ -13718,7 +13791,7 @@
 </p:sld>
 </file>
 
-<file path=ppt/slides/slide39.xml><?xml version="1.0" encoding="utf-8"?>
+<file path=ppt/slides/slide4.xml><?xml version="1.0" encoding="utf-8"?>
 <p:sld xmlns:a="http://schemas.openxmlformats.org/drawingml/2006/main" xmlns:r="http://schemas.openxmlformats.org/officeDocument/2006/relationships" xmlns:p="http://schemas.openxmlformats.org/presentationml/2006/main">
   <p:cSld>
     <p:spTree>
@@ -13751,6 +13824,120 @@
           <a:lstStyle/>
           <a:p>
             <a:r>
+              <a:rPr lang="en-US" altLang="ko-KR" sz="3200" b="1" dirty="0"/>
+              <a:t>Classification based on the memory organization</a:t>
+            </a:r>
+            <a:endParaRPr lang="ko-KR" altLang="en-US" sz="3200" b="1" dirty="0"/>
+          </a:p>
+        </p:txBody>
+      </p:sp>
+      <p:sp>
+        <p:nvSpPr>
+          <p:cNvPr id="3" name="내용 개체 틀 2"/>
+          <p:cNvSpPr>
+            <a:spLocks noGrp="1"/>
+          </p:cNvSpPr>
+          <p:nvPr>
+            <p:ph idx="1"/>
+          </p:nvPr>
+        </p:nvSpPr>
+        <p:spPr/>
+        <p:txBody>
+          <a:bodyPr/>
+          <a:lstStyle/>
+          <a:p>
+            <a:r>
+              <a:rPr lang="en-US" altLang="ko-KR" sz="3600" dirty="0"/>
+              <a:t>Multi-node with distributed memory</a:t>
+            </a:r>
+          </a:p>
+          <a:p>
+            <a:pPr marL="0" indent="0">
+              <a:buNone/>
+            </a:pPr>
+            <a:r>
+              <a:rPr lang="en-US" altLang="ko-KR" sz="3600" dirty="0"/>
+              <a:t>	(Shared nothing architecture)</a:t>
+            </a:r>
+          </a:p>
+          <a:p>
+            <a:r>
+              <a:rPr lang="en-US" altLang="ko-KR" sz="3600" dirty="0"/>
+              <a:t>Multiprocessor with shared memory</a:t>
+            </a:r>
+          </a:p>
+          <a:p>
+            <a:pPr marL="0" indent="0">
+              <a:buNone/>
+            </a:pPr>
+            <a:r>
+              <a:rPr lang="en-US" altLang="ko-KR" sz="3600" dirty="0"/>
+              <a:t>	(Shared </a:t>
+            </a:r>
+            <a:r>
+              <a:rPr lang="en-US" altLang="ko-KR" sz="3600"/>
+              <a:t>everything architecture)</a:t>
+            </a:r>
+            <a:endParaRPr lang="en-US" altLang="ko-KR" sz="3600" dirty="0"/>
+          </a:p>
+          <a:p>
+            <a:pPr marL="457200" lvl="1" indent="0">
+              <a:buNone/>
+            </a:pPr>
+            <a:r>
+              <a:rPr lang="en-US" altLang="ko-KR" dirty="0"/>
+              <a:t>   	</a:t>
+            </a:r>
+            <a:endParaRPr lang="ko-KR" altLang="en-US" dirty="0"/>
+          </a:p>
+        </p:txBody>
+      </p:sp>
+    </p:spTree>
+    <p:extLst>
+      <p:ext uri="{BB962C8B-B14F-4D97-AF65-F5344CB8AC3E}">
+        <p14:creationId xmlns:p14="http://schemas.microsoft.com/office/powerpoint/2010/main" val="658975748"/>
+      </p:ext>
+    </p:extLst>
+  </p:cSld>
+  <p:clrMapOvr>
+    <a:masterClrMapping/>
+  </p:clrMapOvr>
+</p:sld>
+</file>
+
+<file path=ppt/slides/slide40.xml><?xml version="1.0" encoding="utf-8"?>
+<p:sld xmlns:a="http://schemas.openxmlformats.org/drawingml/2006/main" xmlns:r="http://schemas.openxmlformats.org/officeDocument/2006/relationships" xmlns:p="http://schemas.openxmlformats.org/presentationml/2006/main">
+  <p:cSld>
+    <p:spTree>
+      <p:nvGrpSpPr>
+        <p:cNvPr id="1" name=""/>
+        <p:cNvGrpSpPr/>
+        <p:nvPr/>
+      </p:nvGrpSpPr>
+      <p:grpSpPr>
+        <a:xfrm>
+          <a:off x="0" y="0"/>
+          <a:ext cx="0" cy="0"/>
+          <a:chOff x="0" y="0"/>
+          <a:chExt cx="0" cy="0"/>
+        </a:xfrm>
+      </p:grpSpPr>
+      <p:sp>
+        <p:nvSpPr>
+          <p:cNvPr id="2" name="제목 1"/>
+          <p:cNvSpPr>
+            <a:spLocks noGrp="1"/>
+          </p:cNvSpPr>
+          <p:nvPr>
+            <p:ph type="title"/>
+          </p:nvPr>
+        </p:nvSpPr>
+        <p:spPr/>
+        <p:txBody>
+          <a:bodyPr/>
+          <a:lstStyle/>
+          <a:p>
+            <a:r>
               <a:rPr lang="en-US" altLang="ko-KR" dirty="0"/>
               <a:t>Streaming Processor(SP)</a:t>
             </a:r>
@@ -13782,7 +13969,7 @@
                 </a:solidFill>
               </a:rPr>
               <a:pPr/>
-              <a:t>39</a:t>
+              <a:t>40</a:t>
             </a:fld>
             <a:endParaRPr lang="ko-KR" altLang="en-US" dirty="0">
               <a:solidFill>
@@ -13871,7 +14058,7 @@
 </p:sld>
 </file>
 
-<file path=ppt/slides/slide4.xml><?xml version="1.0" encoding="utf-8"?>
+<file path=ppt/slides/slide41.xml><?xml version="1.0" encoding="utf-8"?>
 <p:sld xmlns:a="http://schemas.openxmlformats.org/drawingml/2006/main" xmlns:r="http://schemas.openxmlformats.org/officeDocument/2006/relationships" xmlns:p="http://schemas.openxmlformats.org/presentationml/2006/main">
   <p:cSld>
     <p:spTree>
@@ -13904,120 +14091,6 @@
           <a:lstStyle/>
           <a:p>
             <a:r>
-              <a:rPr lang="en-US" altLang="ko-KR" sz="3200" b="1" dirty="0"/>
-              <a:t>Classification based on the memory organization</a:t>
-            </a:r>
-            <a:endParaRPr lang="ko-KR" altLang="en-US" sz="3200" b="1" dirty="0"/>
-          </a:p>
-        </p:txBody>
-      </p:sp>
-      <p:sp>
-        <p:nvSpPr>
-          <p:cNvPr id="3" name="내용 개체 틀 2"/>
-          <p:cNvSpPr>
-            <a:spLocks noGrp="1"/>
-          </p:cNvSpPr>
-          <p:nvPr>
-            <p:ph idx="1"/>
-          </p:nvPr>
-        </p:nvSpPr>
-        <p:spPr/>
-        <p:txBody>
-          <a:bodyPr/>
-          <a:lstStyle/>
-          <a:p>
-            <a:r>
-              <a:rPr lang="en-US" altLang="ko-KR" sz="3600" dirty="0"/>
-              <a:t>Multi-node with distributed memory</a:t>
-            </a:r>
-          </a:p>
-          <a:p>
-            <a:pPr marL="0" indent="0">
-              <a:buNone/>
-            </a:pPr>
-            <a:r>
-              <a:rPr lang="en-US" altLang="ko-KR" sz="3600" dirty="0"/>
-              <a:t>	(Shared nothing architecture)</a:t>
-            </a:r>
-          </a:p>
-          <a:p>
-            <a:r>
-              <a:rPr lang="en-US" altLang="ko-KR" sz="3600" dirty="0"/>
-              <a:t>Multiprocessor with shared memory</a:t>
-            </a:r>
-          </a:p>
-          <a:p>
-            <a:pPr marL="0" indent="0">
-              <a:buNone/>
-            </a:pPr>
-            <a:r>
-              <a:rPr lang="en-US" altLang="ko-KR" sz="3600" dirty="0"/>
-              <a:t>	(Shared </a:t>
-            </a:r>
-            <a:r>
-              <a:rPr lang="en-US" altLang="ko-KR" sz="3600"/>
-              <a:t>everything architecture)</a:t>
-            </a:r>
-            <a:endParaRPr lang="en-US" altLang="ko-KR" sz="3600" dirty="0"/>
-          </a:p>
-          <a:p>
-            <a:pPr marL="457200" lvl="1" indent="0">
-              <a:buNone/>
-            </a:pPr>
-            <a:r>
-              <a:rPr lang="en-US" altLang="ko-KR" dirty="0"/>
-              <a:t>   	</a:t>
-            </a:r>
-            <a:endParaRPr lang="ko-KR" altLang="en-US" dirty="0"/>
-          </a:p>
-        </p:txBody>
-      </p:sp>
-    </p:spTree>
-    <p:extLst>
-      <p:ext uri="{BB962C8B-B14F-4D97-AF65-F5344CB8AC3E}">
-        <p14:creationId xmlns:p14="http://schemas.microsoft.com/office/powerpoint/2010/main" val="658975748"/>
-      </p:ext>
-    </p:extLst>
-  </p:cSld>
-  <p:clrMapOvr>
-    <a:masterClrMapping/>
-  </p:clrMapOvr>
-</p:sld>
-</file>
-
-<file path=ppt/slides/slide40.xml><?xml version="1.0" encoding="utf-8"?>
-<p:sld xmlns:a="http://schemas.openxmlformats.org/drawingml/2006/main" xmlns:r="http://schemas.openxmlformats.org/officeDocument/2006/relationships" xmlns:p="http://schemas.openxmlformats.org/presentationml/2006/main">
-  <p:cSld>
-    <p:spTree>
-      <p:nvGrpSpPr>
-        <p:cNvPr id="1" name=""/>
-        <p:cNvGrpSpPr/>
-        <p:nvPr/>
-      </p:nvGrpSpPr>
-      <p:grpSpPr>
-        <a:xfrm>
-          <a:off x="0" y="0"/>
-          <a:ext cx="0" cy="0"/>
-          <a:chOff x="0" y="0"/>
-          <a:chExt cx="0" cy="0"/>
-        </a:xfrm>
-      </p:grpSpPr>
-      <p:sp>
-        <p:nvSpPr>
-          <p:cNvPr id="2" name="제목 1"/>
-          <p:cNvSpPr>
-            <a:spLocks noGrp="1"/>
-          </p:cNvSpPr>
-          <p:nvPr>
-            <p:ph type="title"/>
-          </p:nvPr>
-        </p:nvSpPr>
-        <p:spPr/>
-        <p:txBody>
-          <a:bodyPr/>
-          <a:lstStyle/>
-          <a:p>
-            <a:r>
               <a:rPr lang="en-US" altLang="ko-KR" dirty="0"/>
               <a:t>SM(Streaming Multiprocessor)</a:t>
             </a:r>
@@ -14068,7 +14141,7 @@
                 </a:solidFill>
               </a:rPr>
               <a:pPr/>
-              <a:t>40</a:t>
+              <a:t>41</a:t>
             </a:fld>
             <a:endParaRPr lang="ko-KR" altLang="en-US" dirty="0">
               <a:solidFill>

--- a/gpu/EE817 Lecture 2 CUDA Programming.pptx
+++ b/gpu/EE817 Lecture 2 CUDA Programming.pptx
@@ -281,7 +281,7 @@
           <a:p>
             <a:fld id="{0958D145-3F61-4970-8B92-DDA610F3EB4F}" type="datetimeFigureOut">
               <a:rPr lang="ko-KR" altLang="en-US" smtClean="0"/>
-              <a:t>2017-03-22</a:t>
+              <a:t>2017-04-17</a:t>
             </a:fld>
             <a:endParaRPr lang="ko-KR" altLang="en-US"/>
           </a:p>
@@ -476,7 +476,7 @@
               <a:pPr>
                 <a:defRPr/>
               </a:pPr>
-              <a:t>2017-03-22</a:t>
+              <a:t>2017-04-17</a:t>
             </a:fld>
             <a:endParaRPr lang="ko-KR" altLang="en-US"/>
           </a:p>
@@ -1248,7 +1248,7 @@
               <a:pPr>
                 <a:defRPr/>
               </a:pPr>
-              <a:t>3/22/2017</a:t>
+              <a:t>4/17/2017</a:t>
             </a:fld>
             <a:endParaRPr lang="en-US" altLang="ko-KR"/>
           </a:p>
@@ -1450,7 +1450,7 @@
               <a:pPr>
                 <a:defRPr/>
               </a:pPr>
-              <a:t>3/22/2017</a:t>
+              <a:t>4/17/2017</a:t>
             </a:fld>
             <a:endParaRPr lang="en-US" altLang="ko-KR"/>
           </a:p>
@@ -1883,7 +1883,7 @@
               <a:pPr>
                 <a:defRPr/>
               </a:pPr>
-              <a:t>3/22/2017</a:t>
+              <a:t>4/17/2017</a:t>
             </a:fld>
             <a:endParaRPr lang="en-US" altLang="ko-KR"/>
           </a:p>
@@ -2080,7 +2080,7 @@
               <a:pPr>
                 <a:defRPr/>
               </a:pPr>
-              <a:t>3/22/2017</a:t>
+              <a:t>4/17/2017</a:t>
             </a:fld>
             <a:endParaRPr lang="en-US" altLang="ko-KR"/>
           </a:p>
@@ -2595,7 +2595,7 @@
               <a:pPr>
                 <a:defRPr/>
               </a:pPr>
-              <a:t>3/22/2017</a:t>
+              <a:t>4/17/2017</a:t>
             </a:fld>
             <a:endParaRPr lang="en-US" altLang="ko-KR"/>
           </a:p>
@@ -2910,7 +2910,7 @@
               <a:pPr>
                 <a:defRPr/>
               </a:pPr>
-              <a:t>3/22/2017</a:t>
+              <a:t>4/17/2017</a:t>
             </a:fld>
             <a:endParaRPr lang="en-US" altLang="ko-KR"/>
           </a:p>
@@ -3413,7 +3413,7 @@
               <a:pPr>
                 <a:defRPr/>
               </a:pPr>
-              <a:t>3/22/2017</a:t>
+              <a:t>4/17/2017</a:t>
             </a:fld>
             <a:endParaRPr lang="en-US" altLang="ko-KR"/>
           </a:p>
@@ -3801,7 +3801,7 @@
               <a:pPr>
                 <a:defRPr/>
               </a:pPr>
-              <a:t>3/22/2017</a:t>
+              <a:t>4/17/2017</a:t>
             </a:fld>
             <a:endParaRPr lang="en-US" altLang="ko-KR"/>
           </a:p>
@@ -4259,7 +4259,7 @@
               <a:pPr>
                 <a:defRPr/>
               </a:pPr>
-              <a:t>3/22/2017</a:t>
+              <a:t>4/17/2017</a:t>
             </a:fld>
             <a:endParaRPr lang="en-US" altLang="ko-KR"/>
           </a:p>
@@ -4557,7 +4557,7 @@
               <a:pPr>
                 <a:defRPr/>
               </a:pPr>
-              <a:t>3/22/2017</a:t>
+              <a:t>4/17/2017</a:t>
             </a:fld>
             <a:endParaRPr lang="en-US" altLang="ko-KR"/>
           </a:p>
@@ -4887,7 +4887,7 @@
               <a:pPr>
                 <a:defRPr/>
               </a:pPr>
-              <a:t>3/22/2017</a:t>
+              <a:t>4/17/2017</a:t>
             </a:fld>
             <a:endParaRPr lang="en-US" altLang="ko-KR"/>
           </a:p>
@@ -5405,7 +5405,7 @@
               <a:pPr>
                 <a:defRPr/>
               </a:pPr>
-              <a:t>3/22/2017</a:t>
+              <a:t>4/17/2017</a:t>
             </a:fld>
             <a:endParaRPr lang="en-US" altLang="ko-KR"/>
           </a:p>
@@ -9760,25 +9760,6 @@
       </p:grpSpPr>
       <p:sp>
         <p:nvSpPr>
-          <p:cNvPr id="2" name="제목 1"/>
-          <p:cNvSpPr>
-            <a:spLocks noGrp="1"/>
-          </p:cNvSpPr>
-          <p:nvPr>
-            <p:ph type="title"/>
-          </p:nvPr>
-        </p:nvSpPr>
-        <p:spPr/>
-        <p:txBody>
-          <a:bodyPr/>
-          <a:lstStyle/>
-          <a:p>
-            <a:endParaRPr lang="ko-KR" altLang="en-US"/>
-          </a:p>
-        </p:txBody>
-      </p:sp>
-      <p:sp>
-        <p:nvSpPr>
           <p:cNvPr id="3" name="내용 개체 틀 2"/>
           <p:cNvSpPr>
             <a:spLocks noGrp="1"/>
@@ -9870,25 +9851,6 @@
               <a:rPr lang="en-US" altLang="ko-KR" dirty="0"/>
               <a:t>Flynn’s Taxonomy</a:t>
             </a:r>
-            <a:endParaRPr lang="ko-KR" altLang="en-US" dirty="0"/>
-          </a:p>
-        </p:txBody>
-      </p:sp>
-      <p:sp>
-        <p:nvSpPr>
-          <p:cNvPr id="3" name="내용 개체 틀 2"/>
-          <p:cNvSpPr>
-            <a:spLocks noGrp="1"/>
-          </p:cNvSpPr>
-          <p:nvPr>
-            <p:ph idx="1"/>
-          </p:nvPr>
-        </p:nvSpPr>
-        <p:spPr/>
-        <p:txBody>
-          <a:bodyPr/>
-          <a:lstStyle/>
-          <a:p>
             <a:endParaRPr lang="ko-KR" altLang="en-US" dirty="0"/>
           </a:p>
         </p:txBody>
@@ -10372,25 +10334,6 @@
               <a:rPr lang="en-US" altLang="ko-KR" dirty="0"/>
               <a:t>GPU Parallel Processing</a:t>
             </a:r>
-            <a:endParaRPr lang="ko-KR" altLang="en-US" dirty="0"/>
-          </a:p>
-        </p:txBody>
-      </p:sp>
-      <p:sp>
-        <p:nvSpPr>
-          <p:cNvPr id="3" name="내용 개체 틀 2"/>
-          <p:cNvSpPr>
-            <a:spLocks noGrp="1"/>
-          </p:cNvSpPr>
-          <p:nvPr>
-            <p:ph idx="1"/>
-          </p:nvPr>
-        </p:nvSpPr>
-        <p:spPr/>
-        <p:txBody>
-          <a:bodyPr/>
-          <a:lstStyle/>
-          <a:p>
             <a:endParaRPr lang="ko-KR" altLang="en-US" dirty="0"/>
           </a:p>
         </p:txBody>
@@ -15090,25 +15033,6 @@
               <a:rPr lang="en-US" altLang="ko-KR" dirty="0"/>
               <a:t> and Maxwell</a:t>
             </a:r>
-            <a:endParaRPr lang="ko-KR" altLang="en-US" dirty="0"/>
-          </a:p>
-        </p:txBody>
-      </p:sp>
-      <p:sp>
-        <p:nvSpPr>
-          <p:cNvPr id="3" name="내용 개체 틀 2"/>
-          <p:cNvSpPr>
-            <a:spLocks noGrp="1"/>
-          </p:cNvSpPr>
-          <p:nvPr>
-            <p:ph idx="1"/>
-          </p:nvPr>
-        </p:nvSpPr>
-        <p:spPr/>
-        <p:txBody>
-          <a:bodyPr/>
-          <a:lstStyle/>
-          <a:p>
             <a:endParaRPr lang="ko-KR" altLang="en-US" dirty="0"/>
           </a:p>
         </p:txBody>

--- a/gpu/EE817 Lecture 2 CUDA Programming.pptx
+++ b/gpu/EE817 Lecture 2 CUDA Programming.pptx
@@ -199,6 +199,10 @@
 </p:presentation>
 </file>
 
+<file path=ppt/revisionInfo.xml><?xml version="1.0" encoding="utf-8"?>
+<p1510:revInfo xmlns:a="http://schemas.openxmlformats.org/drawingml/2006/main" xmlns:r="http://schemas.openxmlformats.org/officeDocument/2006/relationships" xmlns:p1510="http://schemas.microsoft.com/office/powerpoint/2015/10/main"/>
+</file>
+
 <file path=ppt/handoutMasters/handoutMaster1.xml><?xml version="1.0" encoding="utf-8"?>
 <p:handoutMaster xmlns:a="http://schemas.openxmlformats.org/drawingml/2006/main" xmlns:r="http://schemas.openxmlformats.org/officeDocument/2006/relationships" xmlns:p="http://schemas.openxmlformats.org/presentationml/2006/main">
   <p:cSld>
@@ -281,7 +285,7 @@
           <a:p>
             <a:fld id="{0958D145-3F61-4970-8B92-DDA610F3EB4F}" type="datetimeFigureOut">
               <a:rPr lang="ko-KR" altLang="en-US" smtClean="0"/>
-              <a:t>2017-04-17</a:t>
+              <a:t>2017-06-12</a:t>
             </a:fld>
             <a:endParaRPr lang="ko-KR" altLang="en-US"/>
           </a:p>
@@ -476,7 +480,7 @@
               <a:pPr>
                 <a:defRPr/>
               </a:pPr>
-              <a:t>2017-04-17</a:t>
+              <a:t>2017-06-12</a:t>
             </a:fld>
             <a:endParaRPr lang="ko-KR" altLang="en-US"/>
           </a:p>
@@ -1248,7 +1252,7 @@
               <a:pPr>
                 <a:defRPr/>
               </a:pPr>
-              <a:t>4/17/2017</a:t>
+              <a:t>6/12/2017</a:t>
             </a:fld>
             <a:endParaRPr lang="en-US" altLang="ko-KR"/>
           </a:p>
@@ -1450,7 +1454,7 @@
               <a:pPr>
                 <a:defRPr/>
               </a:pPr>
-              <a:t>4/17/2017</a:t>
+              <a:t>6/12/2017</a:t>
             </a:fld>
             <a:endParaRPr lang="en-US" altLang="ko-KR"/>
           </a:p>
@@ -1883,7 +1887,7 @@
               <a:pPr>
                 <a:defRPr/>
               </a:pPr>
-              <a:t>4/17/2017</a:t>
+              <a:t>6/12/2017</a:t>
             </a:fld>
             <a:endParaRPr lang="en-US" altLang="ko-KR"/>
           </a:p>
@@ -2080,7 +2084,7 @@
               <a:pPr>
                 <a:defRPr/>
               </a:pPr>
-              <a:t>4/17/2017</a:t>
+              <a:t>6/12/2017</a:t>
             </a:fld>
             <a:endParaRPr lang="en-US" altLang="ko-KR"/>
           </a:p>
@@ -2595,7 +2599,7 @@
               <a:pPr>
                 <a:defRPr/>
               </a:pPr>
-              <a:t>4/17/2017</a:t>
+              <a:t>6/12/2017</a:t>
             </a:fld>
             <a:endParaRPr lang="en-US" altLang="ko-KR"/>
           </a:p>
@@ -2910,7 +2914,7 @@
               <a:pPr>
                 <a:defRPr/>
               </a:pPr>
-              <a:t>4/17/2017</a:t>
+              <a:t>6/12/2017</a:t>
             </a:fld>
             <a:endParaRPr lang="en-US" altLang="ko-KR"/>
           </a:p>
@@ -3413,7 +3417,7 @@
               <a:pPr>
                 <a:defRPr/>
               </a:pPr>
-              <a:t>4/17/2017</a:t>
+              <a:t>6/12/2017</a:t>
             </a:fld>
             <a:endParaRPr lang="en-US" altLang="ko-KR"/>
           </a:p>
@@ -3801,7 +3805,7 @@
               <a:pPr>
                 <a:defRPr/>
               </a:pPr>
-              <a:t>4/17/2017</a:t>
+              <a:t>6/12/2017</a:t>
             </a:fld>
             <a:endParaRPr lang="en-US" altLang="ko-KR"/>
           </a:p>
@@ -4259,7 +4263,7 @@
               <a:pPr>
                 <a:defRPr/>
               </a:pPr>
-              <a:t>4/17/2017</a:t>
+              <a:t>6/12/2017</a:t>
             </a:fld>
             <a:endParaRPr lang="en-US" altLang="ko-KR"/>
           </a:p>
@@ -4557,7 +4561,7 @@
               <a:pPr>
                 <a:defRPr/>
               </a:pPr>
-              <a:t>4/17/2017</a:t>
+              <a:t>6/12/2017</a:t>
             </a:fld>
             <a:endParaRPr lang="en-US" altLang="ko-KR"/>
           </a:p>
@@ -4887,7 +4891,7 @@
               <a:pPr>
                 <a:defRPr/>
               </a:pPr>
-              <a:t>4/17/2017</a:t>
+              <a:t>6/12/2017</a:t>
             </a:fld>
             <a:endParaRPr lang="en-US" altLang="ko-KR"/>
           </a:p>
@@ -5405,7 +5409,7 @@
               <a:pPr>
                 <a:defRPr/>
               </a:pPr>
-              <a:t>4/17/2017</a:t>
+              <a:t>6/12/2017</a:t>
             </a:fld>
             <a:endParaRPr lang="en-US" altLang="ko-KR"/>
           </a:p>
@@ -7142,25 +7146,6 @@
           <a:chExt cx="0" cy="0"/>
         </a:xfrm>
       </p:grpSpPr>
-      <p:sp>
-        <p:nvSpPr>
-          <p:cNvPr id="2" name="제목 1"/>
-          <p:cNvSpPr>
-            <a:spLocks noGrp="1"/>
-          </p:cNvSpPr>
-          <p:nvPr>
-            <p:ph type="title"/>
-          </p:nvPr>
-        </p:nvSpPr>
-        <p:spPr/>
-        <p:txBody>
-          <a:bodyPr/>
-          <a:lstStyle/>
-          <a:p>
-            <a:endParaRPr lang="ko-KR" altLang="en-US"/>
-          </a:p>
-        </p:txBody>
-      </p:sp>
       <p:pic>
         <p:nvPicPr>
           <p:cNvPr id="4" name="그림 3"/>
@@ -14037,25 +14022,6 @@
               <a:rPr lang="en-US" altLang="ko-KR" dirty="0"/>
               <a:t>SM(Streaming Multiprocessor)</a:t>
             </a:r>
-            <a:endParaRPr lang="ko-KR" altLang="en-US" dirty="0"/>
-          </a:p>
-        </p:txBody>
-      </p:sp>
-      <p:sp>
-        <p:nvSpPr>
-          <p:cNvPr id="3" name="내용 개체 틀 2"/>
-          <p:cNvSpPr>
-            <a:spLocks noGrp="1"/>
-          </p:cNvSpPr>
-          <p:nvPr>
-            <p:ph idx="1"/>
-          </p:nvPr>
-        </p:nvSpPr>
-        <p:spPr/>
-        <p:txBody>
-          <a:bodyPr/>
-          <a:lstStyle/>
-          <a:p>
             <a:endParaRPr lang="ko-KR" altLang="en-US" dirty="0"/>
           </a:p>
         </p:txBody>
